--- a/lectures/2024_GNET749_Lecture1.pptx
+++ b/lectures/2024_GNET749_Lecture1.pptx
@@ -134,6 +134,11 @@
       </a:defRPr>
     </a:lvl9pPr>
   </p:defaultTextStyle>
+  <p:extLst>
+    <p:ext uri="{EFAFB233-063F-42B5-8137-9DF3F51BA10A}">
+      <p15:sldGuideLst xmlns:p15="http://schemas.microsoft.com/office/powerpoint/2012/main"/>
+    </p:ext>
+  </p:extLst>
 </p:presentation>
 </file>
 
@@ -219,7 +224,7 @@
           <a:p>
             <a:fld id="{C5FEF040-B39B-4340-BEB8-C7DA9E0F0E03}" type="datetimeFigureOut">
               <a:rPr lang="en-US" smtClean="0"/>
-              <a:t>4/8/24</a:t>
+              <a:t>4/14/24</a:t>
             </a:fld>
             <a:endParaRPr lang="en-US"/>
           </a:p>
@@ -706,7 +711,7 @@
           <a:p>
             <a:fld id="{528A02B3-B8F4-4E4C-BF34-8FF9203166F1}" type="datetimeFigureOut">
               <a:rPr lang="en-US" smtClean="0"/>
-              <a:t>4/8/24</a:t>
+              <a:t>4/14/24</a:t>
             </a:fld>
             <a:endParaRPr lang="en-US"/>
           </a:p>
@@ -904,7 +909,7 @@
           <a:p>
             <a:fld id="{528A02B3-B8F4-4E4C-BF34-8FF9203166F1}" type="datetimeFigureOut">
               <a:rPr lang="en-US" smtClean="0"/>
-              <a:t>4/8/24</a:t>
+              <a:t>4/14/24</a:t>
             </a:fld>
             <a:endParaRPr lang="en-US"/>
           </a:p>
@@ -1112,7 +1117,7 @@
           <a:p>
             <a:fld id="{528A02B3-B8F4-4E4C-BF34-8FF9203166F1}" type="datetimeFigureOut">
               <a:rPr lang="en-US" smtClean="0"/>
-              <a:t>4/8/24</a:t>
+              <a:t>4/14/24</a:t>
             </a:fld>
             <a:endParaRPr lang="en-US"/>
           </a:p>
@@ -1310,7 +1315,7 @@
           <a:p>
             <a:fld id="{528A02B3-B8F4-4E4C-BF34-8FF9203166F1}" type="datetimeFigureOut">
               <a:rPr lang="en-US" smtClean="0"/>
-              <a:t>4/8/24</a:t>
+              <a:t>4/14/24</a:t>
             </a:fld>
             <a:endParaRPr lang="en-US"/>
           </a:p>
@@ -1585,7 +1590,7 @@
           <a:p>
             <a:fld id="{528A02B3-B8F4-4E4C-BF34-8FF9203166F1}" type="datetimeFigureOut">
               <a:rPr lang="en-US" smtClean="0"/>
-              <a:t>4/8/24</a:t>
+              <a:t>4/14/24</a:t>
             </a:fld>
             <a:endParaRPr lang="en-US"/>
           </a:p>
@@ -1850,7 +1855,7 @@
           <a:p>
             <a:fld id="{528A02B3-B8F4-4E4C-BF34-8FF9203166F1}" type="datetimeFigureOut">
               <a:rPr lang="en-US" smtClean="0"/>
-              <a:t>4/8/24</a:t>
+              <a:t>4/14/24</a:t>
             </a:fld>
             <a:endParaRPr lang="en-US"/>
           </a:p>
@@ -2262,7 +2267,7 @@
           <a:p>
             <a:fld id="{528A02B3-B8F4-4E4C-BF34-8FF9203166F1}" type="datetimeFigureOut">
               <a:rPr lang="en-US" smtClean="0"/>
-              <a:t>4/8/24</a:t>
+              <a:t>4/14/24</a:t>
             </a:fld>
             <a:endParaRPr lang="en-US"/>
           </a:p>
@@ -2403,7 +2408,7 @@
           <a:p>
             <a:fld id="{528A02B3-B8F4-4E4C-BF34-8FF9203166F1}" type="datetimeFigureOut">
               <a:rPr lang="en-US" smtClean="0"/>
-              <a:t>4/8/24</a:t>
+              <a:t>4/14/24</a:t>
             </a:fld>
             <a:endParaRPr lang="en-US"/>
           </a:p>
@@ -2516,7 +2521,7 @@
           <a:p>
             <a:fld id="{528A02B3-B8F4-4E4C-BF34-8FF9203166F1}" type="datetimeFigureOut">
               <a:rPr lang="en-US" smtClean="0"/>
-              <a:t>4/8/24</a:t>
+              <a:t>4/14/24</a:t>
             </a:fld>
             <a:endParaRPr lang="en-US"/>
           </a:p>
@@ -2827,7 +2832,7 @@
           <a:p>
             <a:fld id="{528A02B3-B8F4-4E4C-BF34-8FF9203166F1}" type="datetimeFigureOut">
               <a:rPr lang="en-US" smtClean="0"/>
-              <a:t>4/8/24</a:t>
+              <a:t>4/14/24</a:t>
             </a:fld>
             <a:endParaRPr lang="en-US"/>
           </a:p>
@@ -3115,7 +3120,7 @@
           <a:p>
             <a:fld id="{528A02B3-B8F4-4E4C-BF34-8FF9203166F1}" type="datetimeFigureOut">
               <a:rPr lang="en-US" smtClean="0"/>
-              <a:t>4/8/24</a:t>
+              <a:t>4/14/24</a:t>
             </a:fld>
             <a:endParaRPr lang="en-US"/>
           </a:p>
@@ -3356,7 +3361,7 @@
           <a:p>
             <a:fld id="{528A02B3-B8F4-4E4C-BF34-8FF9203166F1}" type="datetimeFigureOut">
               <a:rPr lang="en-US" smtClean="0"/>
-              <a:t>4/8/24</a:t>
+              <a:t>4/14/24</a:t>
             </a:fld>
             <a:endParaRPr lang="en-US"/>
           </a:p>
@@ -3792,7 +3797,7 @@
           </a:ln>
           <a:extLst>
             <a:ext uri="{C572A759-6A51-4108-AA02-DFA0A04FC94B}">
-              <ma14:wrappingTextBoxFlag xmlns:ma14="http://schemas.microsoft.com/office/mac/drawingml/2011/main" xmlns:a14="http://schemas.microsoft.com/office/drawing/2010/main" xmlns:m="http://schemas.openxmlformats.org/officeDocument/2006/math" xmlns="" val="1"/>
+              <ma14:wrappingTextBoxFlag xmlns="" xmlns:m="http://schemas.openxmlformats.org/officeDocument/2006/math" xmlns:a14="http://schemas.microsoft.com/office/drawing/2010/main" xmlns:ma14="http://schemas.microsoft.com/office/mac/drawingml/2011/main" val="1"/>
             </a:ext>
           </a:extLst>
         </p:spPr>
@@ -3857,7 +3862,7 @@
           </a:ln>
           <a:extLst>
             <a:ext uri="{C572A759-6A51-4108-AA02-DFA0A04FC94B}">
-              <ma14:wrappingTextBoxFlag xmlns:ma14="http://schemas.microsoft.com/office/mac/drawingml/2011/main" xmlns:a14="http://schemas.microsoft.com/office/drawing/2010/main" xmlns:m="http://schemas.openxmlformats.org/officeDocument/2006/math" xmlns="" val="1"/>
+              <ma14:wrappingTextBoxFlag xmlns="" xmlns:m="http://schemas.openxmlformats.org/officeDocument/2006/math" xmlns:a14="http://schemas.microsoft.com/office/drawing/2010/main" xmlns:ma14="http://schemas.microsoft.com/office/mac/drawingml/2011/main" val="1"/>
             </a:ext>
           </a:extLst>
         </p:spPr>
@@ -3897,7 +3902,7 @@
           </a:ln>
           <a:extLst>
             <a:ext uri="{C572A759-6A51-4108-AA02-DFA0A04FC94B}">
-              <ma14:wrappingTextBoxFlag xmlns:ma14="http://schemas.microsoft.com/office/mac/drawingml/2011/main" xmlns:a14="http://schemas.microsoft.com/office/drawing/2010/main" xmlns:m="http://schemas.openxmlformats.org/officeDocument/2006/math" xmlns="" val="1"/>
+              <ma14:wrappingTextBoxFlag xmlns="" xmlns:m="http://schemas.openxmlformats.org/officeDocument/2006/math" xmlns:a14="http://schemas.microsoft.com/office/drawing/2010/main" xmlns:ma14="http://schemas.microsoft.com/office/mac/drawingml/2011/main" val="1"/>
             </a:ext>
           </a:extLst>
         </p:spPr>
@@ -3933,7 +3938,7 @@
           </a:ln>
           <a:extLst>
             <a:ext uri="{C572A759-6A51-4108-AA02-DFA0A04FC94B}">
-              <ma14:wrappingTextBoxFlag xmlns:ma14="http://schemas.microsoft.com/office/mac/drawingml/2011/main" xmlns:a14="http://schemas.microsoft.com/office/drawing/2010/main" xmlns:m="http://schemas.openxmlformats.org/officeDocument/2006/math" xmlns="" val="1"/>
+              <ma14:wrappingTextBoxFlag xmlns="" xmlns:m="http://schemas.openxmlformats.org/officeDocument/2006/math" xmlns:a14="http://schemas.microsoft.com/office/drawing/2010/main" xmlns:ma14="http://schemas.microsoft.com/office/mac/drawingml/2011/main" val="1"/>
             </a:ext>
           </a:extLst>
         </p:spPr>
@@ -3973,7 +3978,7 @@
           </a:ln>
           <a:extLst>
             <a:ext uri="{C572A759-6A51-4108-AA02-DFA0A04FC94B}">
-              <ma14:wrappingTextBoxFlag xmlns:ma14="http://schemas.microsoft.com/office/mac/drawingml/2011/main" xmlns:a14="http://schemas.microsoft.com/office/drawing/2010/main" xmlns:m="http://schemas.openxmlformats.org/officeDocument/2006/math" xmlns="" val="1"/>
+              <ma14:wrappingTextBoxFlag xmlns="" xmlns:m="http://schemas.openxmlformats.org/officeDocument/2006/math" xmlns:a14="http://schemas.microsoft.com/office/drawing/2010/main" xmlns:ma14="http://schemas.microsoft.com/office/mac/drawingml/2011/main" val="1"/>
             </a:ext>
           </a:extLst>
         </p:spPr>
@@ -4039,7 +4044,7 @@
           </a:ln>
           <a:extLst>
             <a:ext uri="{C572A759-6A51-4108-AA02-DFA0A04FC94B}">
-              <ma14:wrappingTextBoxFlag xmlns:ma14="http://schemas.microsoft.com/office/mac/drawingml/2011/main" xmlns:a14="http://schemas.microsoft.com/office/drawing/2010/main" xmlns:m="http://schemas.openxmlformats.org/officeDocument/2006/math" xmlns="" val="1"/>
+              <ma14:wrappingTextBoxFlag xmlns="" xmlns:m="http://schemas.openxmlformats.org/officeDocument/2006/math" xmlns:a14="http://schemas.microsoft.com/office/drawing/2010/main" xmlns:ma14="http://schemas.microsoft.com/office/mac/drawingml/2011/main" val="1"/>
             </a:ext>
           </a:extLst>
         </p:spPr>
@@ -4104,7 +4109,7 @@
           </a:ln>
           <a:extLst>
             <a:ext uri="{C572A759-6A51-4108-AA02-DFA0A04FC94B}">
-              <ma14:wrappingTextBoxFlag xmlns:ma14="http://schemas.microsoft.com/office/mac/drawingml/2011/main" xmlns:a14="http://schemas.microsoft.com/office/drawing/2010/main" xmlns:m="http://schemas.openxmlformats.org/officeDocument/2006/math" xmlns="" val="1"/>
+              <ma14:wrappingTextBoxFlag xmlns="" xmlns:m="http://schemas.openxmlformats.org/officeDocument/2006/math" xmlns:a14="http://schemas.microsoft.com/office/drawing/2010/main" xmlns:ma14="http://schemas.microsoft.com/office/mac/drawingml/2011/main" val="1"/>
             </a:ext>
           </a:extLst>
         </p:spPr>
@@ -4144,7 +4149,7 @@
           </a:ln>
           <a:extLst>
             <a:ext uri="{C572A759-6A51-4108-AA02-DFA0A04FC94B}">
-              <ma14:wrappingTextBoxFlag xmlns:ma14="http://schemas.microsoft.com/office/mac/drawingml/2011/main" xmlns:a14="http://schemas.microsoft.com/office/drawing/2010/main" xmlns:m="http://schemas.openxmlformats.org/officeDocument/2006/math" xmlns="" val="1"/>
+              <ma14:wrappingTextBoxFlag xmlns="" xmlns:m="http://schemas.openxmlformats.org/officeDocument/2006/math" xmlns:a14="http://schemas.microsoft.com/office/drawing/2010/main" xmlns:ma14="http://schemas.microsoft.com/office/mac/drawingml/2011/main" val="1"/>
             </a:ext>
           </a:extLst>
         </p:spPr>
@@ -4200,8 +4205,8 @@
         </p:nvSpPr>
         <p:spPr>
           <a:xfrm>
-            <a:off x="2607416" y="1541441"/>
-            <a:ext cx="1056379" cy="189796"/>
+            <a:off x="42932" y="1311065"/>
+            <a:ext cx="3620863" cy="189796"/>
           </a:xfrm>
           <a:prstGeom prst="rect">
             <a:avLst/>
@@ -4211,18 +4216,18 @@
           </a:ln>
           <a:extLst>
             <a:ext uri="{C572A759-6A51-4108-AA02-DFA0A04FC94B}">
-              <ma14:wrappingTextBoxFlag xmlns:ma14="http://schemas.microsoft.com/office/mac/drawingml/2011/main" xmlns:a14="http://schemas.microsoft.com/office/drawing/2010/main" xmlns:m="http://schemas.openxmlformats.org/officeDocument/2006/math" xmlns="" val="1"/>
+              <ma14:wrappingTextBoxFlag xmlns="" xmlns:m="http://schemas.openxmlformats.org/officeDocument/2006/math" xmlns:a14="http://schemas.microsoft.com/office/drawing/2010/main" xmlns:ma14="http://schemas.microsoft.com/office/mac/drawingml/2011/main" val="1"/>
             </a:ext>
           </a:extLst>
         </p:spPr>
         <p:txBody>
-          <a:bodyPr wrap="none" lIns="25400" tIns="25400" rIns="25400" bIns="25400" anchor="ctr">
+          <a:bodyPr wrap="square" lIns="25400" tIns="25400" rIns="25400" bIns="25400" anchor="ctr">
             <a:spAutoFit/>
           </a:bodyPr>
           <a:lstStyle>
             <a:lvl1pPr>
               <a:defRPr u="sng">
-                <a:hlinkClick r:id=""/>
+                <a:hlinkClick r:id="" action="ppaction://noaction"/>
               </a:defRPr>
             </a:lvl1pPr>
           </a:lstStyle>
@@ -4420,7 +4425,7 @@
           </a:ln>
           <a:extLst>
             <a:ext uri="{C572A759-6A51-4108-AA02-DFA0A04FC94B}">
-              <ma14:wrappingTextBoxFlag xmlns:ma14="http://schemas.microsoft.com/office/mac/drawingml/2011/main" xmlns:a14="http://schemas.microsoft.com/office/drawing/2010/main" xmlns:m="http://schemas.openxmlformats.org/officeDocument/2006/math" xmlns="" val="1"/>
+              <ma14:wrappingTextBoxFlag xmlns="" xmlns:m="http://schemas.openxmlformats.org/officeDocument/2006/math" xmlns:a14="http://schemas.microsoft.com/office/drawing/2010/main" xmlns:ma14="http://schemas.microsoft.com/office/mac/drawingml/2011/main" val="1"/>
             </a:ext>
           </a:extLst>
         </p:spPr>
@@ -4465,7 +4470,7 @@
           </a:ln>
           <a:extLst>
             <a:ext uri="{C572A759-6A51-4108-AA02-DFA0A04FC94B}">
-              <ma14:wrappingTextBoxFlag xmlns:ma14="http://schemas.microsoft.com/office/mac/drawingml/2011/main" xmlns:a14="http://schemas.microsoft.com/office/drawing/2010/main" xmlns:m="http://schemas.openxmlformats.org/officeDocument/2006/math" xmlns="" val="1"/>
+              <ma14:wrappingTextBoxFlag xmlns="" xmlns:m="http://schemas.openxmlformats.org/officeDocument/2006/math" xmlns:a14="http://schemas.microsoft.com/office/drawing/2010/main" xmlns:ma14="http://schemas.microsoft.com/office/mac/drawingml/2011/main" val="1"/>
             </a:ext>
           </a:extLst>
         </p:spPr>
@@ -4646,7 +4651,7 @@
           </a:ln>
           <a:extLst>
             <a:ext uri="{C572A759-6A51-4108-AA02-DFA0A04FC94B}">
-              <ma14:wrappingTextBoxFlag xmlns:ma14="http://schemas.microsoft.com/office/mac/drawingml/2011/main" xmlns:a14="http://schemas.microsoft.com/office/drawing/2010/main" xmlns:m="http://schemas.openxmlformats.org/officeDocument/2006/math" xmlns="" val="1"/>
+              <ma14:wrappingTextBoxFlag xmlns="" xmlns:m="http://schemas.openxmlformats.org/officeDocument/2006/math" xmlns:a14="http://schemas.microsoft.com/office/drawing/2010/main" xmlns:ma14="http://schemas.microsoft.com/office/mac/drawingml/2011/main" val="1"/>
             </a:ext>
           </a:extLst>
         </p:spPr>
@@ -4691,7 +4696,7 @@
           </a:ln>
           <a:extLst>
             <a:ext uri="{C572A759-6A51-4108-AA02-DFA0A04FC94B}">
-              <ma14:wrappingTextBoxFlag xmlns:ma14="http://schemas.microsoft.com/office/mac/drawingml/2011/main" xmlns:a14="http://schemas.microsoft.com/office/drawing/2010/main" xmlns:m="http://schemas.openxmlformats.org/officeDocument/2006/math" xmlns="" val="1"/>
+              <ma14:wrappingTextBoxFlag xmlns="" xmlns:m="http://schemas.openxmlformats.org/officeDocument/2006/math" xmlns:a14="http://schemas.microsoft.com/office/drawing/2010/main" xmlns:ma14="http://schemas.microsoft.com/office/mac/drawingml/2011/main" val="1"/>
             </a:ext>
           </a:extLst>
         </p:spPr>
@@ -4818,7 +4823,7 @@
           </a:ln>
           <a:extLst>
             <a:ext uri="{C572A759-6A51-4108-AA02-DFA0A04FC94B}">
-              <ma14:wrappingTextBoxFlag xmlns:ma14="http://schemas.microsoft.com/office/mac/drawingml/2011/main" xmlns:a14="http://schemas.microsoft.com/office/drawing/2010/main" xmlns:m="http://schemas.openxmlformats.org/officeDocument/2006/math" xmlns="" val="1"/>
+              <ma14:wrappingTextBoxFlag xmlns="" xmlns:m="http://schemas.openxmlformats.org/officeDocument/2006/math" xmlns:a14="http://schemas.microsoft.com/office/drawing/2010/main" xmlns:ma14="http://schemas.microsoft.com/office/mac/drawingml/2011/main" val="1"/>
             </a:ext>
           </a:extLst>
         </p:spPr>
@@ -4858,7 +4863,7 @@
           </a:ln>
           <a:extLst>
             <a:ext uri="{C572A759-6A51-4108-AA02-DFA0A04FC94B}">
-              <ma14:wrappingTextBoxFlag xmlns:ma14="http://schemas.microsoft.com/office/mac/drawingml/2011/main" xmlns:a14="http://schemas.microsoft.com/office/drawing/2010/main" xmlns:m="http://schemas.openxmlformats.org/officeDocument/2006/math" xmlns="" val="1"/>
+              <ma14:wrappingTextBoxFlag xmlns="" xmlns:m="http://schemas.openxmlformats.org/officeDocument/2006/math" xmlns:a14="http://schemas.microsoft.com/office/drawing/2010/main" xmlns:ma14="http://schemas.microsoft.com/office/mac/drawingml/2011/main" val="1"/>
             </a:ext>
           </a:extLst>
         </p:spPr>
@@ -4929,7 +4934,7 @@
           </a:ln>
           <a:extLst>
             <a:ext uri="{C572A759-6A51-4108-AA02-DFA0A04FC94B}">
-              <ma14:wrappingTextBoxFlag xmlns:ma14="http://schemas.microsoft.com/office/mac/drawingml/2011/main" xmlns:a14="http://schemas.microsoft.com/office/drawing/2010/main" xmlns:m="http://schemas.openxmlformats.org/officeDocument/2006/math" xmlns="" val="1"/>
+              <ma14:wrappingTextBoxFlag xmlns="" xmlns:m="http://schemas.openxmlformats.org/officeDocument/2006/math" xmlns:a14="http://schemas.microsoft.com/office/drawing/2010/main" xmlns:ma14="http://schemas.microsoft.com/office/mac/drawingml/2011/main" val="1"/>
             </a:ext>
           </a:extLst>
         </p:spPr>
@@ -4965,7 +4970,7 @@
           </a:ln>
           <a:extLst>
             <a:ext uri="{C572A759-6A51-4108-AA02-DFA0A04FC94B}">
-              <ma14:wrappingTextBoxFlag xmlns:ma14="http://schemas.microsoft.com/office/mac/drawingml/2011/main" xmlns:a14="http://schemas.microsoft.com/office/drawing/2010/main" xmlns:m="http://schemas.openxmlformats.org/officeDocument/2006/math" xmlns="" val="1"/>
+              <ma14:wrappingTextBoxFlag xmlns="" xmlns:m="http://schemas.openxmlformats.org/officeDocument/2006/math" xmlns:a14="http://schemas.microsoft.com/office/drawing/2010/main" xmlns:ma14="http://schemas.microsoft.com/office/mac/drawingml/2011/main" val="1"/>
             </a:ext>
           </a:extLst>
         </p:spPr>
@@ -5001,7 +5006,7 @@
           </a:ln>
           <a:extLst>
             <a:ext uri="{C572A759-6A51-4108-AA02-DFA0A04FC94B}">
-              <ma14:wrappingTextBoxFlag xmlns:ma14="http://schemas.microsoft.com/office/mac/drawingml/2011/main" xmlns:a14="http://schemas.microsoft.com/office/drawing/2010/main" xmlns:m="http://schemas.openxmlformats.org/officeDocument/2006/math" xmlns="" val="1"/>
+              <ma14:wrappingTextBoxFlag xmlns="" xmlns:m="http://schemas.openxmlformats.org/officeDocument/2006/math" xmlns:a14="http://schemas.microsoft.com/office/drawing/2010/main" xmlns:ma14="http://schemas.microsoft.com/office/mac/drawingml/2011/main" val="1"/>
             </a:ext>
           </a:extLst>
         </p:spPr>
@@ -5037,7 +5042,7 @@
           </a:ln>
           <a:extLst>
             <a:ext uri="{C572A759-6A51-4108-AA02-DFA0A04FC94B}">
-              <ma14:wrappingTextBoxFlag xmlns:ma14="http://schemas.microsoft.com/office/mac/drawingml/2011/main" xmlns:a14="http://schemas.microsoft.com/office/drawing/2010/main" xmlns:m="http://schemas.openxmlformats.org/officeDocument/2006/math" xmlns="" val="1"/>
+              <ma14:wrappingTextBoxFlag xmlns="" xmlns:m="http://schemas.openxmlformats.org/officeDocument/2006/math" xmlns:a14="http://schemas.microsoft.com/office/drawing/2010/main" xmlns:ma14="http://schemas.microsoft.com/office/mac/drawingml/2011/main" val="1"/>
             </a:ext>
           </a:extLst>
         </p:spPr>
@@ -5098,7 +5103,7 @@
           </a:ln>
           <a:extLst>
             <a:ext uri="{C572A759-6A51-4108-AA02-DFA0A04FC94B}">
-              <ma14:wrappingTextBoxFlag xmlns:ma14="http://schemas.microsoft.com/office/mac/drawingml/2011/main" xmlns:a14="http://schemas.microsoft.com/office/drawing/2010/main" xmlns:m="http://schemas.openxmlformats.org/officeDocument/2006/math" xmlns="" val="1"/>
+              <ma14:wrappingTextBoxFlag xmlns="" xmlns:m="http://schemas.openxmlformats.org/officeDocument/2006/math" xmlns:a14="http://schemas.microsoft.com/office/drawing/2010/main" xmlns:ma14="http://schemas.microsoft.com/office/mac/drawingml/2011/main" val="1"/>
             </a:ext>
           </a:extLst>
         </p:spPr>
@@ -5138,7 +5143,7 @@
           </a:ln>
           <a:extLst>
             <a:ext uri="{C572A759-6A51-4108-AA02-DFA0A04FC94B}">
-              <ma14:wrappingTextBoxFlag xmlns:ma14="http://schemas.microsoft.com/office/mac/drawingml/2011/main" xmlns:a14="http://schemas.microsoft.com/office/drawing/2010/main" xmlns:m="http://schemas.openxmlformats.org/officeDocument/2006/math" xmlns="" val="1"/>
+              <ma14:wrappingTextBoxFlag xmlns="" xmlns:m="http://schemas.openxmlformats.org/officeDocument/2006/math" xmlns:a14="http://schemas.microsoft.com/office/drawing/2010/main" xmlns:ma14="http://schemas.microsoft.com/office/mac/drawingml/2011/main" val="1"/>
             </a:ext>
           </a:extLst>
         </p:spPr>
@@ -5178,7 +5183,7 @@
           </a:ln>
           <a:extLst>
             <a:ext uri="{C572A759-6A51-4108-AA02-DFA0A04FC94B}">
-              <ma14:wrappingTextBoxFlag xmlns:ma14="http://schemas.microsoft.com/office/mac/drawingml/2011/main" xmlns:a14="http://schemas.microsoft.com/office/drawing/2010/main" xmlns:m="http://schemas.openxmlformats.org/officeDocument/2006/math" xmlns="" val="1"/>
+              <ma14:wrappingTextBoxFlag xmlns="" xmlns:m="http://schemas.openxmlformats.org/officeDocument/2006/math" xmlns:a14="http://schemas.microsoft.com/office/drawing/2010/main" xmlns:ma14="http://schemas.microsoft.com/office/mac/drawingml/2011/main" val="1"/>
             </a:ext>
           </a:extLst>
         </p:spPr>
@@ -5218,7 +5223,7 @@
           </a:ln>
           <a:extLst>
             <a:ext uri="{C572A759-6A51-4108-AA02-DFA0A04FC94B}">
-              <ma14:wrappingTextBoxFlag xmlns:ma14="http://schemas.microsoft.com/office/mac/drawingml/2011/main" xmlns:a14="http://schemas.microsoft.com/office/drawing/2010/main" xmlns:m="http://schemas.openxmlformats.org/officeDocument/2006/math" xmlns="" val="1"/>
+              <ma14:wrappingTextBoxFlag xmlns="" xmlns:m="http://schemas.openxmlformats.org/officeDocument/2006/math" xmlns:a14="http://schemas.microsoft.com/office/drawing/2010/main" xmlns:ma14="http://schemas.microsoft.com/office/mac/drawingml/2011/main" val="1"/>
             </a:ext>
           </a:extLst>
         </p:spPr>
@@ -5258,7 +5263,7 @@
           </a:ln>
           <a:extLst>
             <a:ext uri="{C572A759-6A51-4108-AA02-DFA0A04FC94B}">
-              <ma14:wrappingTextBoxFlag xmlns:ma14="http://schemas.microsoft.com/office/mac/drawingml/2011/main" xmlns:a14="http://schemas.microsoft.com/office/drawing/2010/main" xmlns:m="http://schemas.openxmlformats.org/officeDocument/2006/math" xmlns="" val="1"/>
+              <ma14:wrappingTextBoxFlag xmlns="" xmlns:m="http://schemas.openxmlformats.org/officeDocument/2006/math" xmlns:a14="http://schemas.microsoft.com/office/drawing/2010/main" xmlns:ma14="http://schemas.microsoft.com/office/mac/drawingml/2011/main" val="1"/>
             </a:ext>
           </a:extLst>
         </p:spPr>
@@ -5413,7 +5418,7 @@
           </a:ln>
           <a:extLst>
             <a:ext uri="{C572A759-6A51-4108-AA02-DFA0A04FC94B}">
-              <ma14:wrappingTextBoxFlag xmlns:ma14="http://schemas.microsoft.com/office/mac/drawingml/2011/main" xmlns:a14="http://schemas.microsoft.com/office/drawing/2010/main" xmlns:m="http://schemas.openxmlformats.org/officeDocument/2006/math" xmlns="" val="1"/>
+              <ma14:wrappingTextBoxFlag xmlns="" xmlns:m="http://schemas.openxmlformats.org/officeDocument/2006/math" xmlns:a14="http://schemas.microsoft.com/office/drawing/2010/main" xmlns:ma14="http://schemas.microsoft.com/office/mac/drawingml/2011/main" val="1"/>
             </a:ext>
           </a:extLst>
         </p:spPr>
@@ -5453,7 +5458,7 @@
           </a:ln>
           <a:extLst>
             <a:ext uri="{C572A759-6A51-4108-AA02-DFA0A04FC94B}">
-              <ma14:wrappingTextBoxFlag xmlns:ma14="http://schemas.microsoft.com/office/mac/drawingml/2011/main" xmlns:a14="http://schemas.microsoft.com/office/drawing/2010/main" xmlns:m="http://schemas.openxmlformats.org/officeDocument/2006/math" xmlns="" val="1"/>
+              <ma14:wrappingTextBoxFlag xmlns="" xmlns:m="http://schemas.openxmlformats.org/officeDocument/2006/math" xmlns:a14="http://schemas.microsoft.com/office/drawing/2010/main" xmlns:ma14="http://schemas.microsoft.com/office/mac/drawingml/2011/main" val="1"/>
             </a:ext>
           </a:extLst>
         </p:spPr>
@@ -5493,7 +5498,7 @@
           </a:ln>
           <a:extLst>
             <a:ext uri="{C572A759-6A51-4108-AA02-DFA0A04FC94B}">
-              <ma14:wrappingTextBoxFlag xmlns:ma14="http://schemas.microsoft.com/office/mac/drawingml/2011/main" xmlns:a14="http://schemas.microsoft.com/office/drawing/2010/main" xmlns:m="http://schemas.openxmlformats.org/officeDocument/2006/math" xmlns="" val="1"/>
+              <ma14:wrappingTextBoxFlag xmlns="" xmlns:m="http://schemas.openxmlformats.org/officeDocument/2006/math" xmlns:a14="http://schemas.microsoft.com/office/drawing/2010/main" xmlns:ma14="http://schemas.microsoft.com/office/mac/drawingml/2011/main" val="1"/>
             </a:ext>
           </a:extLst>
         </p:spPr>
@@ -5533,7 +5538,7 @@
           </a:ln>
           <a:extLst>
             <a:ext uri="{C572A759-6A51-4108-AA02-DFA0A04FC94B}">
-              <ma14:wrappingTextBoxFlag xmlns:ma14="http://schemas.microsoft.com/office/mac/drawingml/2011/main" xmlns:a14="http://schemas.microsoft.com/office/drawing/2010/main" xmlns:m="http://schemas.openxmlformats.org/officeDocument/2006/math" xmlns="" val="1"/>
+              <ma14:wrappingTextBoxFlag xmlns="" xmlns:m="http://schemas.openxmlformats.org/officeDocument/2006/math" xmlns:a14="http://schemas.microsoft.com/office/drawing/2010/main" xmlns:ma14="http://schemas.microsoft.com/office/mac/drawingml/2011/main" val="1"/>
             </a:ext>
           </a:extLst>
         </p:spPr>
@@ -5573,7 +5578,7 @@
           </a:ln>
           <a:extLst>
             <a:ext uri="{C572A759-6A51-4108-AA02-DFA0A04FC94B}">
-              <ma14:wrappingTextBoxFlag xmlns:ma14="http://schemas.microsoft.com/office/mac/drawingml/2011/main" xmlns:a14="http://schemas.microsoft.com/office/drawing/2010/main" xmlns:m="http://schemas.openxmlformats.org/officeDocument/2006/math" xmlns="" val="1"/>
+              <ma14:wrappingTextBoxFlag xmlns="" xmlns:m="http://schemas.openxmlformats.org/officeDocument/2006/math" xmlns:a14="http://schemas.microsoft.com/office/drawing/2010/main" xmlns:ma14="http://schemas.microsoft.com/office/mac/drawingml/2011/main" val="1"/>
             </a:ext>
           </a:extLst>
         </p:spPr>
@@ -5613,7 +5618,7 @@
           </a:ln>
           <a:extLst>
             <a:ext uri="{C572A759-6A51-4108-AA02-DFA0A04FC94B}">
-              <ma14:wrappingTextBoxFlag xmlns:ma14="http://schemas.microsoft.com/office/mac/drawingml/2011/main" xmlns:a14="http://schemas.microsoft.com/office/drawing/2010/main" xmlns:m="http://schemas.openxmlformats.org/officeDocument/2006/math" xmlns="" val="1"/>
+              <ma14:wrappingTextBoxFlag xmlns="" xmlns:m="http://schemas.openxmlformats.org/officeDocument/2006/math" xmlns:a14="http://schemas.microsoft.com/office/drawing/2010/main" xmlns:ma14="http://schemas.microsoft.com/office/mac/drawingml/2011/main" val="1"/>
             </a:ext>
           </a:extLst>
         </p:spPr>
@@ -5653,7 +5658,7 @@
           </a:ln>
           <a:extLst>
             <a:ext uri="{C572A759-6A51-4108-AA02-DFA0A04FC94B}">
-              <ma14:wrappingTextBoxFlag xmlns:ma14="http://schemas.microsoft.com/office/mac/drawingml/2011/main" xmlns:a14="http://schemas.microsoft.com/office/drawing/2010/main" xmlns:m="http://schemas.openxmlformats.org/officeDocument/2006/math" xmlns="" val="1"/>
+              <ma14:wrappingTextBoxFlag xmlns="" xmlns:m="http://schemas.openxmlformats.org/officeDocument/2006/math" xmlns:a14="http://schemas.microsoft.com/office/drawing/2010/main" xmlns:ma14="http://schemas.microsoft.com/office/mac/drawingml/2011/main" val="1"/>
             </a:ext>
           </a:extLst>
         </p:spPr>
@@ -5693,7 +5698,7 @@
           </a:ln>
           <a:extLst>
             <a:ext uri="{C572A759-6A51-4108-AA02-DFA0A04FC94B}">
-              <ma14:wrappingTextBoxFlag xmlns:ma14="http://schemas.microsoft.com/office/mac/drawingml/2011/main" xmlns:a14="http://schemas.microsoft.com/office/drawing/2010/main" xmlns:m="http://schemas.openxmlformats.org/officeDocument/2006/math" xmlns="" val="1"/>
+              <ma14:wrappingTextBoxFlag xmlns="" xmlns:m="http://schemas.openxmlformats.org/officeDocument/2006/math" xmlns:a14="http://schemas.microsoft.com/office/drawing/2010/main" xmlns:ma14="http://schemas.microsoft.com/office/mac/drawingml/2011/main" val="1"/>
             </a:ext>
           </a:extLst>
         </p:spPr>
@@ -5733,7 +5738,7 @@
           </a:ln>
           <a:extLst>
             <a:ext uri="{C572A759-6A51-4108-AA02-DFA0A04FC94B}">
-              <ma14:wrappingTextBoxFlag xmlns:ma14="http://schemas.microsoft.com/office/mac/drawingml/2011/main" xmlns:a14="http://schemas.microsoft.com/office/drawing/2010/main" xmlns:m="http://schemas.openxmlformats.org/officeDocument/2006/math" xmlns="" val="1"/>
+              <ma14:wrappingTextBoxFlag xmlns="" xmlns:m="http://schemas.openxmlformats.org/officeDocument/2006/math" xmlns:a14="http://schemas.microsoft.com/office/drawing/2010/main" xmlns:ma14="http://schemas.microsoft.com/office/mac/drawingml/2011/main" val="1"/>
             </a:ext>
           </a:extLst>
         </p:spPr>
@@ -5806,7 +5811,7 @@
           </a:ln>
           <a:extLst>
             <a:ext uri="{C572A759-6A51-4108-AA02-DFA0A04FC94B}">
-              <ma14:wrappingTextBoxFlag xmlns:ma14="http://schemas.microsoft.com/office/mac/drawingml/2011/main" xmlns:a14="http://schemas.microsoft.com/office/drawing/2010/main" xmlns:m="http://schemas.openxmlformats.org/officeDocument/2006/math" xmlns="" val="1"/>
+              <ma14:wrappingTextBoxFlag xmlns="" xmlns:m="http://schemas.openxmlformats.org/officeDocument/2006/math" xmlns:a14="http://schemas.microsoft.com/office/drawing/2010/main" xmlns:ma14="http://schemas.microsoft.com/office/mac/drawingml/2011/main" val="1"/>
             </a:ext>
           </a:extLst>
         </p:spPr>
@@ -5849,7 +5854,7 @@
           </a:ln>
           <a:extLst>
             <a:ext uri="{C572A759-6A51-4108-AA02-DFA0A04FC94B}">
-              <ma14:wrappingTextBoxFlag xmlns:ma14="http://schemas.microsoft.com/office/mac/drawingml/2011/main" xmlns:a14="http://schemas.microsoft.com/office/drawing/2010/main" xmlns:m="http://schemas.openxmlformats.org/officeDocument/2006/math" xmlns="" val="1"/>
+              <ma14:wrappingTextBoxFlag xmlns="" xmlns:m="http://schemas.openxmlformats.org/officeDocument/2006/math" xmlns:a14="http://schemas.microsoft.com/office/drawing/2010/main" xmlns:ma14="http://schemas.microsoft.com/office/mac/drawingml/2011/main" val="1"/>
             </a:ext>
           </a:extLst>
         </p:spPr>
@@ -6003,7 +6008,7 @@
           </a:ln>
           <a:extLst>
             <a:ext uri="{C572A759-6A51-4108-AA02-DFA0A04FC94B}">
-              <ma14:wrappingTextBoxFlag xmlns:ma14="http://schemas.microsoft.com/office/mac/drawingml/2011/main" xmlns:a14="http://schemas.microsoft.com/office/drawing/2010/main" xmlns:m="http://schemas.openxmlformats.org/officeDocument/2006/math" xmlns="" val="1"/>
+              <ma14:wrappingTextBoxFlag xmlns="" xmlns:m="http://schemas.openxmlformats.org/officeDocument/2006/math" xmlns:a14="http://schemas.microsoft.com/office/drawing/2010/main" xmlns:ma14="http://schemas.microsoft.com/office/mac/drawingml/2011/main" val="1"/>
             </a:ext>
           </a:extLst>
         </p:spPr>
@@ -6039,7 +6044,7 @@
           </a:ln>
           <a:extLst>
             <a:ext uri="{C572A759-6A51-4108-AA02-DFA0A04FC94B}">
-              <ma14:wrappingTextBoxFlag xmlns:ma14="http://schemas.microsoft.com/office/mac/drawingml/2011/main" xmlns:a14="http://schemas.microsoft.com/office/drawing/2010/main" xmlns:m="http://schemas.openxmlformats.org/officeDocument/2006/math" xmlns="" val="1"/>
+              <ma14:wrappingTextBoxFlag xmlns="" xmlns:m="http://schemas.openxmlformats.org/officeDocument/2006/math" xmlns:a14="http://schemas.microsoft.com/office/drawing/2010/main" xmlns:ma14="http://schemas.microsoft.com/office/mac/drawingml/2011/main" val="1"/>
             </a:ext>
           </a:extLst>
         </p:spPr>
@@ -6129,7 +6134,7 @@
           </a:ln>
           <a:extLst>
             <a:ext uri="{C572A759-6A51-4108-AA02-DFA0A04FC94B}">
-              <ma14:wrappingTextBoxFlag xmlns:ma14="http://schemas.microsoft.com/office/mac/drawingml/2011/main" xmlns:a14="http://schemas.microsoft.com/office/drawing/2010/main" xmlns:m="http://schemas.openxmlformats.org/officeDocument/2006/math" xmlns="" val="1"/>
+              <ma14:wrappingTextBoxFlag xmlns="" xmlns:m="http://schemas.openxmlformats.org/officeDocument/2006/math" xmlns:a14="http://schemas.microsoft.com/office/drawing/2010/main" xmlns:ma14="http://schemas.microsoft.com/office/mac/drawingml/2011/main" val="1"/>
             </a:ext>
           </a:extLst>
         </p:spPr>
@@ -6172,7 +6177,7 @@
           </a:ln>
           <a:extLst>
             <a:ext uri="{C572A759-6A51-4108-AA02-DFA0A04FC94B}">
-              <ma14:wrappingTextBoxFlag xmlns:ma14="http://schemas.microsoft.com/office/mac/drawingml/2011/main" xmlns:a14="http://schemas.microsoft.com/office/drawing/2010/main" xmlns:m="http://schemas.openxmlformats.org/officeDocument/2006/math" xmlns="" val="1"/>
+              <ma14:wrappingTextBoxFlag xmlns="" xmlns:m="http://schemas.openxmlformats.org/officeDocument/2006/math" xmlns:a14="http://schemas.microsoft.com/office/drawing/2010/main" xmlns:ma14="http://schemas.microsoft.com/office/mac/drawingml/2011/main" val="1"/>
             </a:ext>
           </a:extLst>
         </p:spPr>
@@ -6226,7 +6231,7 @@
           </a:ln>
           <a:extLst>
             <a:ext uri="{C572A759-6A51-4108-AA02-DFA0A04FC94B}">
-              <ma14:wrappingTextBoxFlag xmlns:ma14="http://schemas.microsoft.com/office/mac/drawingml/2011/main" xmlns:a14="http://schemas.microsoft.com/office/drawing/2010/main" xmlns:m="http://schemas.openxmlformats.org/officeDocument/2006/math" xmlns="" val="1"/>
+              <ma14:wrappingTextBoxFlag xmlns="" xmlns:m="http://schemas.openxmlformats.org/officeDocument/2006/math" xmlns:a14="http://schemas.microsoft.com/office/drawing/2010/main" xmlns:ma14="http://schemas.microsoft.com/office/mac/drawingml/2011/main" val="1"/>
             </a:ext>
           </a:extLst>
         </p:spPr>
@@ -6274,7 +6279,7 @@
           </a:ln>
           <a:extLst>
             <a:ext uri="{C572A759-6A51-4108-AA02-DFA0A04FC94B}">
-              <ma14:wrappingTextBoxFlag xmlns:ma14="http://schemas.microsoft.com/office/mac/drawingml/2011/main" xmlns:a14="http://schemas.microsoft.com/office/drawing/2010/main" xmlns:m="http://schemas.openxmlformats.org/officeDocument/2006/math" xmlns="" val="1"/>
+              <ma14:wrappingTextBoxFlag xmlns="" xmlns:m="http://schemas.openxmlformats.org/officeDocument/2006/math" xmlns:a14="http://schemas.microsoft.com/office/drawing/2010/main" xmlns:ma14="http://schemas.microsoft.com/office/mac/drawingml/2011/main" val="1"/>
             </a:ext>
           </a:extLst>
         </p:spPr>
@@ -6322,7 +6327,7 @@
           </a:ln>
           <a:extLst>
             <a:ext uri="{C572A759-6A51-4108-AA02-DFA0A04FC94B}">
-              <ma14:wrappingTextBoxFlag xmlns:ma14="http://schemas.microsoft.com/office/mac/drawingml/2011/main" xmlns:a14="http://schemas.microsoft.com/office/drawing/2010/main" xmlns:m="http://schemas.openxmlformats.org/officeDocument/2006/math" xmlns="" val="1"/>
+              <ma14:wrappingTextBoxFlag xmlns="" xmlns:m="http://schemas.openxmlformats.org/officeDocument/2006/math" xmlns:a14="http://schemas.microsoft.com/office/drawing/2010/main" xmlns:ma14="http://schemas.microsoft.com/office/mac/drawingml/2011/main" val="1"/>
             </a:ext>
           </a:extLst>
         </p:spPr>
@@ -6360,7 +6365,7 @@
           </a:ln>
           <a:extLst>
             <a:ext uri="{C572A759-6A51-4108-AA02-DFA0A04FC94B}">
-              <ma14:wrappingTextBoxFlag xmlns:ma14="http://schemas.microsoft.com/office/mac/drawingml/2011/main" xmlns:a14="http://schemas.microsoft.com/office/drawing/2010/main" xmlns:m="http://schemas.openxmlformats.org/officeDocument/2006/math" xmlns="" val="1"/>
+              <ma14:wrappingTextBoxFlag xmlns="" xmlns:m="http://schemas.openxmlformats.org/officeDocument/2006/math" xmlns:a14="http://schemas.microsoft.com/office/drawing/2010/main" xmlns:ma14="http://schemas.microsoft.com/office/mac/drawingml/2011/main" val="1"/>
             </a:ext>
           </a:extLst>
         </p:spPr>
@@ -6398,7 +6403,7 @@
           </a:ln>
           <a:extLst>
             <a:ext uri="{C572A759-6A51-4108-AA02-DFA0A04FC94B}">
-              <ma14:wrappingTextBoxFlag xmlns:ma14="http://schemas.microsoft.com/office/mac/drawingml/2011/main" xmlns:a14="http://schemas.microsoft.com/office/drawing/2010/main" xmlns:m="http://schemas.openxmlformats.org/officeDocument/2006/math" xmlns="" val="1"/>
+              <ma14:wrappingTextBoxFlag xmlns="" xmlns:m="http://schemas.openxmlformats.org/officeDocument/2006/math" xmlns:a14="http://schemas.microsoft.com/office/drawing/2010/main" xmlns:ma14="http://schemas.microsoft.com/office/mac/drawingml/2011/main" val="1"/>
             </a:ext>
           </a:extLst>
         </p:spPr>
@@ -6445,7 +6450,7 @@
           </a:ln>
           <a:extLst>
             <a:ext uri="{C572A759-6A51-4108-AA02-DFA0A04FC94B}">
-              <ma14:wrappingTextBoxFlag xmlns:ma14="http://schemas.microsoft.com/office/mac/drawingml/2011/main" xmlns:a14="http://schemas.microsoft.com/office/drawing/2010/main" xmlns:m="http://schemas.openxmlformats.org/officeDocument/2006/math" xmlns="" val="1"/>
+              <ma14:wrappingTextBoxFlag xmlns="" xmlns:m="http://schemas.openxmlformats.org/officeDocument/2006/math" xmlns:a14="http://schemas.microsoft.com/office/drawing/2010/main" xmlns:ma14="http://schemas.microsoft.com/office/mac/drawingml/2011/main" val="1"/>
             </a:ext>
           </a:extLst>
         </p:spPr>
@@ -6510,7 +6515,7 @@
           </a:ln>
           <a:extLst>
             <a:ext uri="{C572A759-6A51-4108-AA02-DFA0A04FC94B}">
-              <ma14:wrappingTextBoxFlag xmlns:ma14="http://schemas.microsoft.com/office/mac/drawingml/2011/main" xmlns:a14="http://schemas.microsoft.com/office/drawing/2010/main" xmlns:m="http://schemas.openxmlformats.org/officeDocument/2006/math" xmlns="" val="1"/>
+              <ma14:wrappingTextBoxFlag xmlns="" xmlns:m="http://schemas.openxmlformats.org/officeDocument/2006/math" xmlns:a14="http://schemas.microsoft.com/office/drawing/2010/main" xmlns:ma14="http://schemas.microsoft.com/office/mac/drawingml/2011/main" val="1"/>
             </a:ext>
           </a:extLst>
         </p:spPr>
@@ -6550,7 +6555,7 @@
           </a:ln>
           <a:extLst>
             <a:ext uri="{C572A759-6A51-4108-AA02-DFA0A04FC94B}">
-              <ma14:wrappingTextBoxFlag xmlns:ma14="http://schemas.microsoft.com/office/mac/drawingml/2011/main" xmlns:a14="http://schemas.microsoft.com/office/drawing/2010/main" xmlns:m="http://schemas.openxmlformats.org/officeDocument/2006/math" xmlns="" val="1"/>
+              <ma14:wrappingTextBoxFlag xmlns="" xmlns:m="http://schemas.openxmlformats.org/officeDocument/2006/math" xmlns:a14="http://schemas.microsoft.com/office/drawing/2010/main" xmlns:ma14="http://schemas.microsoft.com/office/mac/drawingml/2011/main" val="1"/>
             </a:ext>
           </a:extLst>
         </p:spPr>
@@ -6620,7 +6625,7 @@
           </a:ln>
           <a:extLst>
             <a:ext uri="{C572A759-6A51-4108-AA02-DFA0A04FC94B}">
-              <ma14:wrappingTextBoxFlag xmlns:ma14="http://schemas.microsoft.com/office/mac/drawingml/2011/main" xmlns:a14="http://schemas.microsoft.com/office/drawing/2010/main" xmlns:m="http://schemas.openxmlformats.org/officeDocument/2006/math" xmlns="" val="1"/>
+              <ma14:wrappingTextBoxFlag xmlns="" xmlns:m="http://schemas.openxmlformats.org/officeDocument/2006/math" xmlns:a14="http://schemas.microsoft.com/office/drawing/2010/main" xmlns:ma14="http://schemas.microsoft.com/office/mac/drawingml/2011/main" val="1"/>
             </a:ext>
           </a:extLst>
         </p:spPr>
@@ -6768,7 +6773,7 @@
           </a:ln>
           <a:extLst>
             <a:ext uri="{C572A759-6A51-4108-AA02-DFA0A04FC94B}">
-              <ma14:wrappingTextBoxFlag xmlns:ma14="http://schemas.microsoft.com/office/mac/drawingml/2011/main" xmlns:a14="http://schemas.microsoft.com/office/drawing/2010/main" xmlns:m="http://schemas.openxmlformats.org/officeDocument/2006/math" xmlns="" val="1"/>
+              <ma14:wrappingTextBoxFlag xmlns="" xmlns:m="http://schemas.openxmlformats.org/officeDocument/2006/math" xmlns:a14="http://schemas.microsoft.com/office/drawing/2010/main" xmlns:ma14="http://schemas.microsoft.com/office/mac/drawingml/2011/main" val="1"/>
             </a:ext>
           </a:extLst>
         </p:spPr>
@@ -6808,7 +6813,7 @@
           </a:ln>
           <a:extLst>
             <a:ext uri="{C572A759-6A51-4108-AA02-DFA0A04FC94B}">
-              <ma14:wrappingTextBoxFlag xmlns:ma14="http://schemas.microsoft.com/office/mac/drawingml/2011/main" xmlns:a14="http://schemas.microsoft.com/office/drawing/2010/main" xmlns:m="http://schemas.openxmlformats.org/officeDocument/2006/math" xmlns="" val="1"/>
+              <ma14:wrappingTextBoxFlag xmlns="" xmlns:m="http://schemas.openxmlformats.org/officeDocument/2006/math" xmlns:a14="http://schemas.microsoft.com/office/drawing/2010/main" xmlns:ma14="http://schemas.microsoft.com/office/mac/drawingml/2011/main" val="1"/>
             </a:ext>
           </a:extLst>
         </p:spPr>
@@ -6902,7 +6907,7 @@
           </a:ln>
           <a:extLst>
             <a:ext uri="{C572A759-6A51-4108-AA02-DFA0A04FC94B}">
-              <ma14:wrappingTextBoxFlag xmlns:ma14="http://schemas.microsoft.com/office/mac/drawingml/2011/main" xmlns:a14="http://schemas.microsoft.com/office/drawing/2010/main" xmlns:m="http://schemas.openxmlformats.org/officeDocument/2006/math" xmlns="" val="1"/>
+              <ma14:wrappingTextBoxFlag xmlns="" xmlns:m="http://schemas.openxmlformats.org/officeDocument/2006/math" xmlns:a14="http://schemas.microsoft.com/office/drawing/2010/main" xmlns:ma14="http://schemas.microsoft.com/office/mac/drawingml/2011/main" val="1"/>
             </a:ext>
           </a:extLst>
         </p:spPr>
@@ -6963,7 +6968,7 @@
           </a:ln>
           <a:extLst>
             <a:ext uri="{C572A759-6A51-4108-AA02-DFA0A04FC94B}">
-              <ma14:wrappingTextBoxFlag xmlns:ma14="http://schemas.microsoft.com/office/mac/drawingml/2011/main" xmlns:a14="http://schemas.microsoft.com/office/drawing/2010/main" xmlns:m="http://schemas.openxmlformats.org/officeDocument/2006/math" xmlns="" val="1"/>
+              <ma14:wrappingTextBoxFlag xmlns="" xmlns:m="http://schemas.openxmlformats.org/officeDocument/2006/math" xmlns:a14="http://schemas.microsoft.com/office/drawing/2010/main" xmlns:ma14="http://schemas.microsoft.com/office/mac/drawingml/2011/main" val="1"/>
             </a:ext>
           </a:extLst>
         </p:spPr>
@@ -7030,7 +7035,7 @@
           </a:ln>
           <a:extLst>
             <a:ext uri="{C572A759-6A51-4108-AA02-DFA0A04FC94B}">
-              <ma14:wrappingTextBoxFlag xmlns:ma14="http://schemas.microsoft.com/office/mac/drawingml/2011/main" xmlns:a14="http://schemas.microsoft.com/office/drawing/2010/main" xmlns:m="http://schemas.openxmlformats.org/officeDocument/2006/math" xmlns="" val="1"/>
+              <ma14:wrappingTextBoxFlag xmlns="" xmlns:m="http://schemas.openxmlformats.org/officeDocument/2006/math" xmlns:a14="http://schemas.microsoft.com/office/drawing/2010/main" xmlns:ma14="http://schemas.microsoft.com/office/mac/drawingml/2011/main" val="1"/>
             </a:ext>
           </a:extLst>
         </p:spPr>
@@ -7066,7 +7071,7 @@
           </a:ln>
           <a:extLst>
             <a:ext uri="{C572A759-6A51-4108-AA02-DFA0A04FC94B}">
-              <ma14:wrappingTextBoxFlag xmlns:ma14="http://schemas.microsoft.com/office/mac/drawingml/2011/main" xmlns:a14="http://schemas.microsoft.com/office/drawing/2010/main" xmlns:m="http://schemas.openxmlformats.org/officeDocument/2006/math" xmlns="" val="1"/>
+              <ma14:wrappingTextBoxFlag xmlns="" xmlns:m="http://schemas.openxmlformats.org/officeDocument/2006/math" xmlns:a14="http://schemas.microsoft.com/office/drawing/2010/main" xmlns:ma14="http://schemas.microsoft.com/office/mac/drawingml/2011/main" val="1"/>
             </a:ext>
           </a:extLst>
         </p:spPr>
@@ -7106,7 +7111,7 @@
           </a:ln>
           <a:extLst>
             <a:ext uri="{C572A759-6A51-4108-AA02-DFA0A04FC94B}">
-              <ma14:wrappingTextBoxFlag xmlns:ma14="http://schemas.microsoft.com/office/mac/drawingml/2011/main" xmlns:a14="http://schemas.microsoft.com/office/drawing/2010/main" xmlns:m="http://schemas.openxmlformats.org/officeDocument/2006/math" xmlns="" val="1"/>
+              <ma14:wrappingTextBoxFlag xmlns="" xmlns:m="http://schemas.openxmlformats.org/officeDocument/2006/math" xmlns:a14="http://schemas.microsoft.com/office/drawing/2010/main" xmlns:ma14="http://schemas.microsoft.com/office/mac/drawingml/2011/main" val="1"/>
             </a:ext>
           </a:extLst>
         </p:spPr>
@@ -7205,7 +7210,7 @@
           </a:ln>
           <a:extLst>
             <a:ext uri="{C572A759-6A51-4108-AA02-DFA0A04FC94B}">
-              <ma14:wrappingTextBoxFlag xmlns:ma14="http://schemas.microsoft.com/office/mac/drawingml/2011/main" xmlns:a14="http://schemas.microsoft.com/office/drawing/2010/main" xmlns:m="http://schemas.openxmlformats.org/officeDocument/2006/math" xmlns="" val="1"/>
+              <ma14:wrappingTextBoxFlag xmlns="" xmlns:m="http://schemas.openxmlformats.org/officeDocument/2006/math" xmlns:a14="http://schemas.microsoft.com/office/drawing/2010/main" xmlns:ma14="http://schemas.microsoft.com/office/mac/drawingml/2011/main" val="1"/>
             </a:ext>
           </a:extLst>
         </p:spPr>
@@ -7272,7 +7277,7 @@
           </a:ln>
           <a:extLst>
             <a:ext uri="{C572A759-6A51-4108-AA02-DFA0A04FC94B}">
-              <ma14:wrappingTextBoxFlag xmlns:ma14="http://schemas.microsoft.com/office/mac/drawingml/2011/main" xmlns:a14="http://schemas.microsoft.com/office/drawing/2010/main" xmlns:m="http://schemas.openxmlformats.org/officeDocument/2006/math" xmlns="" val="1"/>
+              <ma14:wrappingTextBoxFlag xmlns="" xmlns:m="http://schemas.openxmlformats.org/officeDocument/2006/math" xmlns:a14="http://schemas.microsoft.com/office/drawing/2010/main" xmlns:ma14="http://schemas.microsoft.com/office/mac/drawingml/2011/main" val="1"/>
             </a:ext>
           </a:extLst>
         </p:spPr>
@@ -7308,7 +7313,7 @@
           </a:ln>
           <a:extLst>
             <a:ext uri="{C572A759-6A51-4108-AA02-DFA0A04FC94B}">
-              <ma14:wrappingTextBoxFlag xmlns:ma14="http://schemas.microsoft.com/office/mac/drawingml/2011/main" xmlns:a14="http://schemas.microsoft.com/office/drawing/2010/main" xmlns:m="http://schemas.openxmlformats.org/officeDocument/2006/math" xmlns="" val="1"/>
+              <ma14:wrappingTextBoxFlag xmlns="" xmlns:m="http://schemas.openxmlformats.org/officeDocument/2006/math" xmlns:a14="http://schemas.microsoft.com/office/drawing/2010/main" xmlns:ma14="http://schemas.microsoft.com/office/mac/drawingml/2011/main" val="1"/>
             </a:ext>
           </a:extLst>
         </p:spPr>
@@ -7348,7 +7353,7 @@
           </a:ln>
           <a:extLst>
             <a:ext uri="{C572A759-6A51-4108-AA02-DFA0A04FC94B}">
-              <ma14:wrappingTextBoxFlag xmlns:ma14="http://schemas.microsoft.com/office/mac/drawingml/2011/main" xmlns:a14="http://schemas.microsoft.com/office/drawing/2010/main" xmlns:m="http://schemas.openxmlformats.org/officeDocument/2006/math" xmlns="" val="1"/>
+              <ma14:wrappingTextBoxFlag xmlns="" xmlns:m="http://schemas.openxmlformats.org/officeDocument/2006/math" xmlns:a14="http://schemas.microsoft.com/office/drawing/2010/main" xmlns:ma14="http://schemas.microsoft.com/office/mac/drawingml/2011/main" val="1"/>
             </a:ext>
           </a:extLst>
         </p:spPr>
@@ -7447,7 +7452,7 @@
           </a:ln>
           <a:extLst>
             <a:ext uri="{C572A759-6A51-4108-AA02-DFA0A04FC94B}">
-              <ma14:wrappingTextBoxFlag xmlns:ma14="http://schemas.microsoft.com/office/mac/drawingml/2011/main" xmlns:a14="http://schemas.microsoft.com/office/drawing/2010/main" xmlns:m="http://schemas.openxmlformats.org/officeDocument/2006/math" xmlns="" val="1"/>
+              <ma14:wrappingTextBoxFlag xmlns="" xmlns:m="http://schemas.openxmlformats.org/officeDocument/2006/math" xmlns:a14="http://schemas.microsoft.com/office/drawing/2010/main" xmlns:ma14="http://schemas.microsoft.com/office/mac/drawingml/2011/main" val="1"/>
             </a:ext>
           </a:extLst>
         </p:spPr>
@@ -7514,7 +7519,7 @@
           </a:ln>
           <a:extLst>
             <a:ext uri="{C572A759-6A51-4108-AA02-DFA0A04FC94B}">
-              <ma14:wrappingTextBoxFlag xmlns:ma14="http://schemas.microsoft.com/office/mac/drawingml/2011/main" xmlns:a14="http://schemas.microsoft.com/office/drawing/2010/main" xmlns:m="http://schemas.openxmlformats.org/officeDocument/2006/math" xmlns="" val="1"/>
+              <ma14:wrappingTextBoxFlag xmlns="" xmlns:m="http://schemas.openxmlformats.org/officeDocument/2006/math" xmlns:a14="http://schemas.microsoft.com/office/drawing/2010/main" xmlns:ma14="http://schemas.microsoft.com/office/mac/drawingml/2011/main" val="1"/>
             </a:ext>
           </a:extLst>
         </p:spPr>
@@ -7662,7 +7667,7 @@
           </a:ln>
           <a:extLst>
             <a:ext uri="{C572A759-6A51-4108-AA02-DFA0A04FC94B}">
-              <ma14:wrappingTextBoxFlag xmlns:ma14="http://schemas.microsoft.com/office/mac/drawingml/2011/main" xmlns:a14="http://schemas.microsoft.com/office/drawing/2010/main" xmlns:m="http://schemas.openxmlformats.org/officeDocument/2006/math" xmlns="" val="1"/>
+              <ma14:wrappingTextBoxFlag xmlns="" xmlns:m="http://schemas.openxmlformats.org/officeDocument/2006/math" xmlns:a14="http://schemas.microsoft.com/office/drawing/2010/main" xmlns:ma14="http://schemas.microsoft.com/office/mac/drawingml/2011/main" val="1"/>
             </a:ext>
           </a:extLst>
         </p:spPr>
@@ -7702,7 +7707,7 @@
           </a:ln>
           <a:extLst>
             <a:ext uri="{C572A759-6A51-4108-AA02-DFA0A04FC94B}">
-              <ma14:wrappingTextBoxFlag xmlns:ma14="http://schemas.microsoft.com/office/mac/drawingml/2011/main" xmlns:a14="http://schemas.microsoft.com/office/drawing/2010/main" xmlns:m="http://schemas.openxmlformats.org/officeDocument/2006/math" xmlns="" val="1"/>
+              <ma14:wrappingTextBoxFlag xmlns="" xmlns:m="http://schemas.openxmlformats.org/officeDocument/2006/math" xmlns:a14="http://schemas.microsoft.com/office/drawing/2010/main" xmlns:ma14="http://schemas.microsoft.com/office/mac/drawingml/2011/main" val="1"/>
             </a:ext>
           </a:extLst>
         </p:spPr>
@@ -7844,7 +7849,7 @@
           </a:ln>
           <a:extLst>
             <a:ext uri="{C572A759-6A51-4108-AA02-DFA0A04FC94B}">
-              <ma14:wrappingTextBoxFlag xmlns:ma14="http://schemas.microsoft.com/office/mac/drawingml/2011/main" xmlns:a14="http://schemas.microsoft.com/office/drawing/2010/main" xmlns:m="http://schemas.openxmlformats.org/officeDocument/2006/math" xmlns="" val="1"/>
+              <ma14:wrappingTextBoxFlag xmlns="" xmlns:m="http://schemas.openxmlformats.org/officeDocument/2006/math" xmlns:a14="http://schemas.microsoft.com/office/drawing/2010/main" xmlns:ma14="http://schemas.microsoft.com/office/mac/drawingml/2011/main" val="1"/>
             </a:ext>
           </a:extLst>
         </p:spPr>
@@ -7884,7 +7889,7 @@
           </a:ln>
           <a:extLst>
             <a:ext uri="{C572A759-6A51-4108-AA02-DFA0A04FC94B}">
-              <ma14:wrappingTextBoxFlag xmlns:ma14="http://schemas.microsoft.com/office/mac/drawingml/2011/main" xmlns:a14="http://schemas.microsoft.com/office/drawing/2010/main" xmlns:m="http://schemas.openxmlformats.org/officeDocument/2006/math" xmlns="" val="1"/>
+              <ma14:wrappingTextBoxFlag xmlns="" xmlns:m="http://schemas.openxmlformats.org/officeDocument/2006/math" xmlns:a14="http://schemas.microsoft.com/office/drawing/2010/main" xmlns:ma14="http://schemas.microsoft.com/office/mac/drawingml/2011/main" val="1"/>
             </a:ext>
           </a:extLst>
         </p:spPr>
@@ -7920,7 +7925,7 @@
           </a:ln>
           <a:extLst>
             <a:ext uri="{C572A759-6A51-4108-AA02-DFA0A04FC94B}">
-              <ma14:wrappingTextBoxFlag xmlns:ma14="http://schemas.microsoft.com/office/mac/drawingml/2011/main" xmlns:a14="http://schemas.microsoft.com/office/drawing/2010/main" xmlns:m="http://schemas.openxmlformats.org/officeDocument/2006/math" xmlns="" val="1"/>
+              <ma14:wrappingTextBoxFlag xmlns="" xmlns:m="http://schemas.openxmlformats.org/officeDocument/2006/math" xmlns:a14="http://schemas.microsoft.com/office/drawing/2010/main" xmlns:ma14="http://schemas.microsoft.com/office/mac/drawingml/2011/main" val="1"/>
             </a:ext>
           </a:extLst>
         </p:spPr>
@@ -7956,7 +7961,7 @@
           </a:ln>
           <a:extLst>
             <a:ext uri="{C572A759-6A51-4108-AA02-DFA0A04FC94B}">
-              <ma14:wrappingTextBoxFlag xmlns:ma14="http://schemas.microsoft.com/office/mac/drawingml/2011/main" xmlns:a14="http://schemas.microsoft.com/office/drawing/2010/main" xmlns:m="http://schemas.openxmlformats.org/officeDocument/2006/math" xmlns="" val="1"/>
+              <ma14:wrappingTextBoxFlag xmlns="" xmlns:m="http://schemas.openxmlformats.org/officeDocument/2006/math" xmlns:a14="http://schemas.microsoft.com/office/drawing/2010/main" xmlns:ma14="http://schemas.microsoft.com/office/mac/drawingml/2011/main" val="1"/>
             </a:ext>
           </a:extLst>
         </p:spPr>
@@ -7992,7 +7997,7 @@
           </a:ln>
           <a:extLst>
             <a:ext uri="{C572A759-6A51-4108-AA02-DFA0A04FC94B}">
-              <ma14:wrappingTextBoxFlag xmlns:ma14="http://schemas.microsoft.com/office/mac/drawingml/2011/main" xmlns:a14="http://schemas.microsoft.com/office/drawing/2010/main" xmlns:m="http://schemas.openxmlformats.org/officeDocument/2006/math" xmlns="" val="1"/>
+              <ma14:wrappingTextBoxFlag xmlns="" xmlns:m="http://schemas.openxmlformats.org/officeDocument/2006/math" xmlns:a14="http://schemas.microsoft.com/office/drawing/2010/main" xmlns:ma14="http://schemas.microsoft.com/office/mac/drawingml/2011/main" val="1"/>
             </a:ext>
           </a:extLst>
         </p:spPr>
@@ -8028,7 +8033,7 @@
           </a:ln>
           <a:extLst>
             <a:ext uri="{C572A759-6A51-4108-AA02-DFA0A04FC94B}">
-              <ma14:wrappingTextBoxFlag xmlns:ma14="http://schemas.microsoft.com/office/mac/drawingml/2011/main" xmlns:a14="http://schemas.microsoft.com/office/drawing/2010/main" xmlns:m="http://schemas.openxmlformats.org/officeDocument/2006/math" xmlns="" val="1"/>
+              <ma14:wrappingTextBoxFlag xmlns="" xmlns:m="http://schemas.openxmlformats.org/officeDocument/2006/math" xmlns:a14="http://schemas.microsoft.com/office/drawing/2010/main" xmlns:ma14="http://schemas.microsoft.com/office/mac/drawingml/2011/main" val="1"/>
             </a:ext>
           </a:extLst>
         </p:spPr>
@@ -8064,7 +8069,7 @@
           </a:ln>
           <a:extLst>
             <a:ext uri="{C572A759-6A51-4108-AA02-DFA0A04FC94B}">
-              <ma14:wrappingTextBoxFlag xmlns:ma14="http://schemas.microsoft.com/office/mac/drawingml/2011/main" xmlns:a14="http://schemas.microsoft.com/office/drawing/2010/main" xmlns:m="http://schemas.openxmlformats.org/officeDocument/2006/math" xmlns="" val="1"/>
+              <ma14:wrappingTextBoxFlag xmlns="" xmlns:m="http://schemas.openxmlformats.org/officeDocument/2006/math" xmlns:a14="http://schemas.microsoft.com/office/drawing/2010/main" xmlns:ma14="http://schemas.microsoft.com/office/mac/drawingml/2011/main" val="1"/>
             </a:ext>
           </a:extLst>
         </p:spPr>
@@ -8136,7 +8141,7 @@
           </a:ln>
           <a:extLst>
             <a:ext uri="{C572A759-6A51-4108-AA02-DFA0A04FC94B}">
-              <ma14:wrappingTextBoxFlag xmlns:ma14="http://schemas.microsoft.com/office/mac/drawingml/2011/main" xmlns:a14="http://schemas.microsoft.com/office/drawing/2010/main" xmlns:m="http://schemas.openxmlformats.org/officeDocument/2006/math" xmlns="" val="1"/>
+              <ma14:wrappingTextBoxFlag xmlns="" xmlns:m="http://schemas.openxmlformats.org/officeDocument/2006/math" xmlns:a14="http://schemas.microsoft.com/office/drawing/2010/main" xmlns:ma14="http://schemas.microsoft.com/office/mac/drawingml/2011/main" val="1"/>
             </a:ext>
           </a:extLst>
         </p:spPr>
@@ -8181,7 +8186,7 @@
           </a:ln>
           <a:extLst>
             <a:ext uri="{C572A759-6A51-4108-AA02-DFA0A04FC94B}">
-              <ma14:wrappingTextBoxFlag xmlns:ma14="http://schemas.microsoft.com/office/mac/drawingml/2011/main" xmlns:a14="http://schemas.microsoft.com/office/drawing/2010/main" xmlns:m="http://schemas.openxmlformats.org/officeDocument/2006/math" xmlns="" val="1"/>
+              <ma14:wrappingTextBoxFlag xmlns="" xmlns:m="http://schemas.openxmlformats.org/officeDocument/2006/math" xmlns:a14="http://schemas.microsoft.com/office/drawing/2010/main" xmlns:ma14="http://schemas.microsoft.com/office/mac/drawingml/2011/main" val="1"/>
             </a:ext>
           </a:extLst>
         </p:spPr>
@@ -8221,7 +8226,7 @@
           </a:ln>
           <a:extLst>
             <a:ext uri="{C572A759-6A51-4108-AA02-DFA0A04FC94B}">
-              <ma14:wrappingTextBoxFlag xmlns:ma14="http://schemas.microsoft.com/office/mac/drawingml/2011/main" xmlns:a14="http://schemas.microsoft.com/office/drawing/2010/main" xmlns:m="http://schemas.openxmlformats.org/officeDocument/2006/math" xmlns="" val="1"/>
+              <ma14:wrappingTextBoxFlag xmlns="" xmlns:m="http://schemas.openxmlformats.org/officeDocument/2006/math" xmlns:a14="http://schemas.microsoft.com/office/drawing/2010/main" xmlns:ma14="http://schemas.microsoft.com/office/mac/drawingml/2011/main" val="1"/>
             </a:ext>
           </a:extLst>
         </p:spPr>
@@ -8261,7 +8266,7 @@
           </a:ln>
           <a:extLst>
             <a:ext uri="{C572A759-6A51-4108-AA02-DFA0A04FC94B}">
-              <ma14:wrappingTextBoxFlag xmlns:ma14="http://schemas.microsoft.com/office/mac/drawingml/2011/main" xmlns:a14="http://schemas.microsoft.com/office/drawing/2010/main" xmlns:m="http://schemas.openxmlformats.org/officeDocument/2006/math" xmlns="" val="1"/>
+              <ma14:wrappingTextBoxFlag xmlns="" xmlns:m="http://schemas.openxmlformats.org/officeDocument/2006/math" xmlns:a14="http://schemas.microsoft.com/office/drawing/2010/main" xmlns:ma14="http://schemas.microsoft.com/office/mac/drawingml/2011/main" val="1"/>
             </a:ext>
           </a:extLst>
         </p:spPr>
@@ -8301,7 +8306,7 @@
           </a:ln>
           <a:extLst>
             <a:ext uri="{C572A759-6A51-4108-AA02-DFA0A04FC94B}">
-              <ma14:wrappingTextBoxFlag xmlns:ma14="http://schemas.microsoft.com/office/mac/drawingml/2011/main" xmlns:a14="http://schemas.microsoft.com/office/drawing/2010/main" xmlns:m="http://schemas.openxmlformats.org/officeDocument/2006/math" xmlns="" val="1"/>
+              <ma14:wrappingTextBoxFlag xmlns="" xmlns:m="http://schemas.openxmlformats.org/officeDocument/2006/math" xmlns:a14="http://schemas.microsoft.com/office/drawing/2010/main" xmlns:ma14="http://schemas.microsoft.com/office/mac/drawingml/2011/main" val="1"/>
             </a:ext>
           </a:extLst>
         </p:spPr>
@@ -8341,7 +8346,7 @@
           </a:ln>
           <a:extLst>
             <a:ext uri="{C572A759-6A51-4108-AA02-DFA0A04FC94B}">
-              <ma14:wrappingTextBoxFlag xmlns:ma14="http://schemas.microsoft.com/office/mac/drawingml/2011/main" xmlns:a14="http://schemas.microsoft.com/office/drawing/2010/main" xmlns:m="http://schemas.openxmlformats.org/officeDocument/2006/math" xmlns="" val="1"/>
+              <ma14:wrappingTextBoxFlag xmlns="" xmlns:m="http://schemas.openxmlformats.org/officeDocument/2006/math" xmlns:a14="http://schemas.microsoft.com/office/drawing/2010/main" xmlns:ma14="http://schemas.microsoft.com/office/mac/drawingml/2011/main" val="1"/>
             </a:ext>
           </a:extLst>
         </p:spPr>
@@ -8397,7 +8402,7 @@
           </a:ln>
           <a:extLst>
             <a:ext uri="{C572A759-6A51-4108-AA02-DFA0A04FC94B}">
-              <ma14:wrappingTextBoxFlag xmlns:ma14="http://schemas.microsoft.com/office/mac/drawingml/2011/main" xmlns:a14="http://schemas.microsoft.com/office/drawing/2010/main" xmlns:m="http://schemas.openxmlformats.org/officeDocument/2006/math" xmlns="" val="1"/>
+              <ma14:wrappingTextBoxFlag xmlns="" xmlns:m="http://schemas.openxmlformats.org/officeDocument/2006/math" xmlns:a14="http://schemas.microsoft.com/office/drawing/2010/main" xmlns:ma14="http://schemas.microsoft.com/office/mac/drawingml/2011/main" val="1"/>
             </a:ext>
           </a:extLst>
         </p:spPr>
@@ -8437,7 +8442,7 @@
           </a:ln>
           <a:extLst>
             <a:ext uri="{C572A759-6A51-4108-AA02-DFA0A04FC94B}">
-              <ma14:wrappingTextBoxFlag xmlns:ma14="http://schemas.microsoft.com/office/mac/drawingml/2011/main" xmlns:a14="http://schemas.microsoft.com/office/drawing/2010/main" xmlns:m="http://schemas.openxmlformats.org/officeDocument/2006/math" xmlns="" val="1"/>
+              <ma14:wrappingTextBoxFlag xmlns="" xmlns:m="http://schemas.openxmlformats.org/officeDocument/2006/math" xmlns:a14="http://schemas.microsoft.com/office/drawing/2010/main" xmlns:ma14="http://schemas.microsoft.com/office/mac/drawingml/2011/main" val="1"/>
             </a:ext>
           </a:extLst>
         </p:spPr>
@@ -8481,7 +8486,7 @@
           </a:ln>
           <a:extLst>
             <a:ext uri="{C572A759-6A51-4108-AA02-DFA0A04FC94B}">
-              <ma14:wrappingTextBoxFlag xmlns:ma14="http://schemas.microsoft.com/office/mac/drawingml/2011/main" xmlns:a14="http://schemas.microsoft.com/office/drawing/2010/main" xmlns:m="http://schemas.openxmlformats.org/officeDocument/2006/math" xmlns="" val="1"/>
+              <ma14:wrappingTextBoxFlag xmlns="" xmlns:m="http://schemas.openxmlformats.org/officeDocument/2006/math" xmlns:a14="http://schemas.microsoft.com/office/drawing/2010/main" xmlns:ma14="http://schemas.microsoft.com/office/mac/drawingml/2011/main" val="1"/>
             </a:ext>
           </a:extLst>
         </p:spPr>
@@ -8521,7 +8526,7 @@
           </a:ln>
           <a:extLst>
             <a:ext uri="{C572A759-6A51-4108-AA02-DFA0A04FC94B}">
-              <ma14:wrappingTextBoxFlag xmlns:ma14="http://schemas.microsoft.com/office/mac/drawingml/2011/main" xmlns:a14="http://schemas.microsoft.com/office/drawing/2010/main" xmlns:m="http://schemas.openxmlformats.org/officeDocument/2006/math" xmlns="" val="1"/>
+              <ma14:wrappingTextBoxFlag xmlns="" xmlns:m="http://schemas.openxmlformats.org/officeDocument/2006/math" xmlns:a14="http://schemas.microsoft.com/office/drawing/2010/main" xmlns:ma14="http://schemas.microsoft.com/office/mac/drawingml/2011/main" val="1"/>
             </a:ext>
           </a:extLst>
         </p:spPr>
@@ -8561,7 +8566,7 @@
           </a:ln>
           <a:extLst>
             <a:ext uri="{C572A759-6A51-4108-AA02-DFA0A04FC94B}">
-              <ma14:wrappingTextBoxFlag xmlns:ma14="http://schemas.microsoft.com/office/mac/drawingml/2011/main" xmlns:a14="http://schemas.microsoft.com/office/drawing/2010/main" xmlns:m="http://schemas.openxmlformats.org/officeDocument/2006/math" xmlns="" val="1"/>
+              <ma14:wrappingTextBoxFlag xmlns="" xmlns:m="http://schemas.openxmlformats.org/officeDocument/2006/math" xmlns:a14="http://schemas.microsoft.com/office/drawing/2010/main" xmlns:ma14="http://schemas.microsoft.com/office/mac/drawingml/2011/main" val="1"/>
             </a:ext>
           </a:extLst>
         </p:spPr>
@@ -8626,7 +8631,7 @@
           </a:ln>
           <a:extLst>
             <a:ext uri="{C572A759-6A51-4108-AA02-DFA0A04FC94B}">
-              <ma14:wrappingTextBoxFlag xmlns:ma14="http://schemas.microsoft.com/office/mac/drawingml/2011/main" xmlns:a14="http://schemas.microsoft.com/office/drawing/2010/main" xmlns:m="http://schemas.openxmlformats.org/officeDocument/2006/math" xmlns="" val="1"/>
+              <ma14:wrappingTextBoxFlag xmlns="" xmlns:m="http://schemas.openxmlformats.org/officeDocument/2006/math" xmlns:a14="http://schemas.microsoft.com/office/drawing/2010/main" xmlns:ma14="http://schemas.microsoft.com/office/mac/drawingml/2011/main" val="1"/>
             </a:ext>
           </a:extLst>
         </p:spPr>
@@ -8666,7 +8671,7 @@
           </a:ln>
           <a:extLst>
             <a:ext uri="{C572A759-6A51-4108-AA02-DFA0A04FC94B}">
-              <ma14:wrappingTextBoxFlag xmlns:ma14="http://schemas.microsoft.com/office/mac/drawingml/2011/main" xmlns:a14="http://schemas.microsoft.com/office/drawing/2010/main" xmlns:m="http://schemas.openxmlformats.org/officeDocument/2006/math" xmlns="" val="1"/>
+              <ma14:wrappingTextBoxFlag xmlns="" xmlns:m="http://schemas.openxmlformats.org/officeDocument/2006/math" xmlns:a14="http://schemas.microsoft.com/office/drawing/2010/main" xmlns:ma14="http://schemas.microsoft.com/office/mac/drawingml/2011/main" val="1"/>
             </a:ext>
           </a:extLst>
         </p:spPr>
@@ -8765,7 +8770,7 @@
           </a:ln>
           <a:extLst>
             <a:ext uri="{C572A759-6A51-4108-AA02-DFA0A04FC94B}">
-              <ma14:wrappingTextBoxFlag xmlns:ma14="http://schemas.microsoft.com/office/mac/drawingml/2011/main" xmlns:a14="http://schemas.microsoft.com/office/drawing/2010/main" xmlns:m="http://schemas.openxmlformats.org/officeDocument/2006/math" xmlns="" val="1"/>
+              <ma14:wrappingTextBoxFlag xmlns="" xmlns:m="http://schemas.openxmlformats.org/officeDocument/2006/math" xmlns:a14="http://schemas.microsoft.com/office/drawing/2010/main" xmlns:ma14="http://schemas.microsoft.com/office/mac/drawingml/2011/main" val="1"/>
             </a:ext>
           </a:extLst>
         </p:spPr>
@@ -8815,8 +8820,8 @@
         </p:nvSpPr>
         <p:spPr>
           <a:xfrm>
-            <a:off x="3943751" y="375451"/>
-            <a:ext cx="3976986" cy="359073"/>
+            <a:off x="2681481" y="909283"/>
+            <a:ext cx="6326668" cy="543739"/>
           </a:xfrm>
           <a:prstGeom prst="rect">
             <a:avLst/>
@@ -8826,7 +8831,7 @@
           </a:ln>
           <a:extLst>
             <a:ext uri="{C572A759-6A51-4108-AA02-DFA0A04FC94B}">
-              <ma14:wrappingTextBoxFlag xmlns:ma14="http://schemas.microsoft.com/office/mac/drawingml/2011/main" xmlns:a14="http://schemas.microsoft.com/office/drawing/2010/main" xmlns:m="http://schemas.openxmlformats.org/officeDocument/2006/math" xmlns="" val="1"/>
+              <ma14:wrappingTextBoxFlag xmlns="" xmlns:m="http://schemas.openxmlformats.org/officeDocument/2006/math" xmlns:a14="http://schemas.microsoft.com/office/drawing/2010/main" xmlns:ma14="http://schemas.microsoft.com/office/mac/drawingml/2011/main" val="1"/>
             </a:ext>
           </a:extLst>
         </p:spPr>
@@ -8841,7 +8846,7 @@
           </a:lstStyle>
           <a:p>
             <a:r>
-              <a:rPr sz="2000"/>
+              <a:rPr sz="3200" dirty="0"/>
               <a:t>Goals for this section of the module</a:t>
             </a:r>
           </a:p>
@@ -8855,8 +8860,8 @@
         </p:nvSpPr>
         <p:spPr>
           <a:xfrm>
-            <a:off x="3870064" y="1677694"/>
-            <a:ext cx="10259347" cy="2652008"/>
+            <a:off x="3194203" y="2333181"/>
+            <a:ext cx="6856557" cy="1913344"/>
           </a:xfrm>
           <a:prstGeom prst="rect">
             <a:avLst/>
@@ -8866,7 +8871,7 @@
           </a:ln>
           <a:extLst>
             <a:ext uri="{C572A759-6A51-4108-AA02-DFA0A04FC94B}">
-              <ma14:wrappingTextBoxFlag xmlns:ma14="http://schemas.microsoft.com/office/mac/drawingml/2011/main" xmlns:a14="http://schemas.microsoft.com/office/drawing/2010/main" xmlns:m="http://schemas.openxmlformats.org/officeDocument/2006/math" xmlns="" val="1"/>
+              <ma14:wrappingTextBoxFlag xmlns="" xmlns:m="http://schemas.openxmlformats.org/officeDocument/2006/math" xmlns:a14="http://schemas.microsoft.com/office/drawing/2010/main" xmlns:ma14="http://schemas.microsoft.com/office/mac/drawingml/2011/main" val="1"/>
             </a:ext>
           </a:extLst>
         </p:spPr>
@@ -8885,6 +8890,7 @@
               <a:defRPr sz="3600"/>
             </a:pPr>
             <a:r>
+              <a:rPr sz="2400" dirty="0"/>
               <a:t>Get your own data into R</a:t>
             </a:r>
           </a:p>
@@ -8898,6 +8904,7 @@
               <a:defRPr sz="3600"/>
             </a:pPr>
             <a:r>
+              <a:rPr sz="2400" dirty="0"/>
               <a:t>Explore your data (exploratory data analysis/ EDA)</a:t>
             </a:r>
           </a:p>
@@ -8911,6 +8918,7 @@
               <a:defRPr sz="3600"/>
             </a:pPr>
             <a:r>
+              <a:rPr sz="2400" dirty="0"/>
               <a:t>Do a simple RNA-seq analysis</a:t>
             </a:r>
           </a:p>
@@ -8924,6 +8932,7 @@
               <a:defRPr sz="3600"/>
             </a:pPr>
             <a:r>
+              <a:rPr sz="2400" dirty="0"/>
               <a:t>Know where to find help</a:t>
             </a:r>
           </a:p>
@@ -8962,8 +8971,8 @@
         </p:nvSpPr>
         <p:spPr>
           <a:xfrm>
-            <a:off x="3943751" y="375451"/>
-            <a:ext cx="3976986" cy="359073"/>
+            <a:off x="2225544" y="419609"/>
+            <a:ext cx="7122719" cy="605294"/>
           </a:xfrm>
           <a:prstGeom prst="rect">
             <a:avLst/>
@@ -8973,7 +8982,7 @@
           </a:ln>
           <a:extLst>
             <a:ext uri="{C572A759-6A51-4108-AA02-DFA0A04FC94B}">
-              <ma14:wrappingTextBoxFlag xmlns:ma14="http://schemas.microsoft.com/office/mac/drawingml/2011/main" xmlns:a14="http://schemas.microsoft.com/office/drawing/2010/main" xmlns:m="http://schemas.openxmlformats.org/officeDocument/2006/math" xmlns="" val="1"/>
+              <ma14:wrappingTextBoxFlag xmlns="" xmlns:m="http://schemas.openxmlformats.org/officeDocument/2006/math" xmlns:a14="http://schemas.microsoft.com/office/drawing/2010/main" xmlns:ma14="http://schemas.microsoft.com/office/mac/drawingml/2011/main" val="1"/>
             </a:ext>
           </a:extLst>
         </p:spPr>
@@ -8988,7 +8997,7 @@
           </a:lstStyle>
           <a:p>
             <a:r>
-              <a:rPr sz="2000"/>
+              <a:rPr sz="3600" dirty="0"/>
               <a:t>Goals for this section of the module</a:t>
             </a:r>
           </a:p>
@@ -9002,8 +9011,8 @@
         </p:nvSpPr>
         <p:spPr>
           <a:xfrm>
-            <a:off x="3870064" y="654337"/>
-            <a:ext cx="11030648" cy="4698722"/>
+            <a:off x="2743791" y="1813624"/>
+            <a:ext cx="7362785" cy="3406061"/>
           </a:xfrm>
           <a:prstGeom prst="rect">
             <a:avLst/>
@@ -9013,7 +9022,7 @@
           </a:ln>
           <a:extLst>
             <a:ext uri="{C572A759-6A51-4108-AA02-DFA0A04FC94B}">
-              <ma14:wrappingTextBoxFlag xmlns:ma14="http://schemas.microsoft.com/office/mac/drawingml/2011/main" xmlns:a14="http://schemas.microsoft.com/office/drawing/2010/main" xmlns:m="http://schemas.openxmlformats.org/officeDocument/2006/math" xmlns="" val="1"/>
+              <ma14:wrappingTextBoxFlag xmlns="" xmlns:m="http://schemas.openxmlformats.org/officeDocument/2006/math" xmlns:a14="http://schemas.microsoft.com/office/drawing/2010/main" xmlns:ma14="http://schemas.microsoft.com/office/mac/drawingml/2011/main" val="1"/>
             </a:ext>
           </a:extLst>
         </p:spPr>
@@ -9036,6 +9045,7 @@
               </a:defRPr>
             </a:pPr>
             <a:r>
+              <a:rPr sz="2400" dirty="0"/>
               <a:t>Get your own data into R</a:t>
             </a:r>
           </a:p>
@@ -9053,6 +9063,7 @@
               </a:defRPr>
             </a:pPr>
             <a:r>
+              <a:rPr sz="2400" dirty="0"/>
               <a:t>Explore your data (exploratory data analysis/ EDA)</a:t>
             </a:r>
           </a:p>
@@ -9070,6 +9081,7 @@
               </a:defRPr>
             </a:pPr>
             <a:r>
+              <a:rPr sz="2400" dirty="0"/>
               <a:t>Do a simple RNA-seq analysis</a:t>
             </a:r>
           </a:p>
@@ -9087,6 +9099,7 @@
               </a:defRPr>
             </a:pPr>
             <a:r>
+              <a:rPr sz="2400" dirty="0"/>
               <a:t>Know where to find help</a:t>
             </a:r>
           </a:p>
@@ -9106,6 +9119,7 @@
               </a:defRPr>
             </a:pPr>
             <a:r>
+              <a:rPr sz="2400" dirty="0"/>
               <a:t>Batch effects - multiple levels - multiple comparisons</a:t>
             </a:r>
           </a:p>
@@ -9125,7 +9139,16 @@
               </a:defRPr>
             </a:pPr>
             <a:r>
-              <a:t>Downstream analysis (GSEA/GO/enrichr)</a:t>
+              <a:rPr sz="2400" dirty="0"/>
+              <a:t>Downstream analysis (GSEA/GO/</a:t>
+            </a:r>
+            <a:r>
+              <a:rPr sz="2400" dirty="0" err="1"/>
+              <a:t>enrichr</a:t>
+            </a:r>
+            <a:r>
+              <a:rPr sz="2400" dirty="0"/>
+              <a:t>)</a:t>
             </a:r>
           </a:p>
           <a:p>
@@ -9144,6 +9167,7 @@
               </a:defRPr>
             </a:pPr>
             <a:r>
+              <a:rPr sz="2400" dirty="0"/>
               <a:t>Bioconductor</a:t>
             </a:r>
           </a:p>
@@ -9157,8 +9181,8 @@
         </p:nvSpPr>
         <p:spPr>
           <a:xfrm>
-            <a:off x="2758771" y="3477424"/>
-            <a:ext cx="756617" cy="359073"/>
+            <a:off x="1436867" y="2824160"/>
+            <a:ext cx="788677" cy="359073"/>
           </a:xfrm>
           <a:prstGeom prst="rect">
             <a:avLst/>
@@ -9168,7 +9192,7 @@
           </a:ln>
           <a:extLst>
             <a:ext uri="{C572A759-6A51-4108-AA02-DFA0A04FC94B}">
-              <ma14:wrappingTextBoxFlag xmlns:ma14="http://schemas.microsoft.com/office/mac/drawingml/2011/main" xmlns:a14="http://schemas.microsoft.com/office/drawing/2010/main" xmlns:m="http://schemas.openxmlformats.org/officeDocument/2006/math" xmlns="" val="1"/>
+              <ma14:wrappingTextBoxFlag xmlns="" xmlns:m="http://schemas.openxmlformats.org/officeDocument/2006/math" xmlns:a14="http://schemas.microsoft.com/office/drawing/2010/main" xmlns:ma14="http://schemas.microsoft.com/office/mac/drawingml/2011/main" val="1"/>
             </a:ext>
           </a:extLst>
         </p:spPr>
@@ -9187,7 +9211,7 @@
           </a:lstStyle>
           <a:p>
             <a:r>
-              <a:rPr sz="2000"/>
+              <a:rPr sz="2000" b="1" dirty="0"/>
               <a:t>Bonus</a:t>
             </a:r>
           </a:p>
@@ -9237,7 +9261,7 @@
           </a:ln>
           <a:extLst>
             <a:ext uri="{C572A759-6A51-4108-AA02-DFA0A04FC94B}">
-              <ma14:wrappingTextBoxFlag xmlns:ma14="http://schemas.microsoft.com/office/mac/drawingml/2011/main" xmlns:a14="http://schemas.microsoft.com/office/drawing/2010/main" xmlns:m="http://schemas.openxmlformats.org/officeDocument/2006/math" xmlns="" val="1"/>
+              <ma14:wrappingTextBoxFlag xmlns="" xmlns:m="http://schemas.openxmlformats.org/officeDocument/2006/math" xmlns:a14="http://schemas.microsoft.com/office/drawing/2010/main" xmlns:ma14="http://schemas.microsoft.com/office/mac/drawingml/2011/main" val="1"/>
             </a:ext>
           </a:extLst>
         </p:spPr>
@@ -9282,11 +9306,17 @@
         <p:nvGraphicFramePr>
           <p:cNvPr id="164" name="Table 1"/>
           <p:cNvGraphicFramePr/>
-          <p:nvPr/>
+          <p:nvPr>
+            <p:extLst>
+              <p:ext uri="{D42A27DB-BD31-4B8C-83A1-F6EECF244321}">
+                <p14:modId xmlns:p14="http://schemas.microsoft.com/office/powerpoint/2010/main" val="274164875"/>
+              </p:ext>
+            </p:extLst>
+          </p:nvPr>
         </p:nvGraphicFramePr>
         <p:xfrm>
           <a:off x="966762" y="502852"/>
-          <a:ext cx="10258477" cy="6090174"/>
+          <a:ext cx="10258478" cy="5320547"/>
         </p:xfrm>
         <a:graphic>
           <a:graphicData uri="http://schemas.openxmlformats.org/drawingml/2006/table">
@@ -9321,9 +9351,14 @@
                         <a:defRPr b="0"/>
                       </a:pPr>
                       <a:r>
-                        <a:rPr sz="1600" b="1"/>
-                        <a:t>April 14</a:t>
+                        <a:rPr sz="1600" b="1" dirty="0"/>
+                        <a:t>April 1</a:t>
                       </a:r>
+                      <a:r>
+                        <a:rPr lang="en-US" sz="1600" b="1" dirty="0"/>
+                        <a:t>5</a:t>
+                      </a:r>
+                      <a:endParaRPr sz="1600" b="1" dirty="0"/>
                     </a:p>
                   </a:txBody>
                   <a:tcPr marL="25400" marR="25400" marT="25400" marB="25400" anchor="ctr" horzOverflow="overflow"/>
@@ -9442,7 +9477,7 @@
                         <a:defRPr b="0"/>
                       </a:pPr>
                       <a:r>
-                        <a:rPr sz="1600" b="1"/>
+                        <a:rPr sz="1600" b="1" dirty="0"/>
                         <a:t>April 17</a:t>
                       </a:r>
                     </a:p>
@@ -9613,9 +9648,14 @@
                         <a:defRPr b="0"/>
                       </a:pPr>
                       <a:r>
-                        <a:rPr sz="1600" b="1"/>
-                        <a:t>April 21</a:t>
+                        <a:rPr sz="1600" b="1" dirty="0"/>
+                        <a:t>April 2</a:t>
                       </a:r>
+                      <a:r>
+                        <a:rPr lang="en-US" sz="1600" b="1" dirty="0"/>
+                        <a:t>2</a:t>
+                      </a:r>
+                      <a:endParaRPr sz="1600" b="1" dirty="0"/>
                     </a:p>
                   </a:txBody>
                   <a:tcPr marL="25400" marR="25400" marT="25400" marB="25400" anchor="ctr" horzOverflow="overflow"/>
@@ -9697,9 +9737,32 @@
                         </a:defRPr>
                       </a:pPr>
                       <a:r>
-                        <a:rPr sz="1500"/>
-                        <a:t>Visualization</a:t>
+                        <a:rPr lang="en-US" sz="1500" dirty="0"/>
+                        <a:t>Contrasts</a:t>
                       </a:r>
+                    </a:p>
+                    <a:p>
+                      <a:pPr marL="228600" indent="-228600" algn="l" defTabSz="2438338">
+                        <a:spcBef>
+                          <a:spcPts val="1000"/>
+                        </a:spcBef>
+                        <a:buSzPct val="100000"/>
+                        <a:buChar char="•"/>
+                        <a:defRPr sz="3000">
+                          <a:solidFill>
+                            <a:srgbClr val="5E5E5E"/>
+                          </a:solidFill>
+                          <a:latin typeface="Avenir Next Regular"/>
+                          <a:ea typeface="Avenir Next Regular"/>
+                          <a:cs typeface="Avenir Next Regular"/>
+                          <a:sym typeface="Avenir Next Regular"/>
+                        </a:defRPr>
+                      </a:pPr>
+                      <a:r>
+                        <a:rPr lang="en-US" sz="1500" dirty="0"/>
+                        <a:t>Batch Effects</a:t>
+                      </a:r>
+                      <a:endParaRPr sz="1500" dirty="0"/>
                     </a:p>
                   </a:txBody>
                   <a:tcPr marL="25400" marR="25400" marT="25400" marB="25400" anchor="ctr" horzOverflow="overflow"/>
@@ -9752,8 +9815,31 @@
                         </a:defRPr>
                       </a:pPr>
                       <a:r>
-                        <a:rPr sz="1500"/>
-                        <a:t>Contrasts</a:t>
+                        <a:rPr lang="en-US" sz="1500"/>
+                        <a:t>Visualizations</a:t>
+                      </a:r>
+                      <a:endParaRPr sz="1500" dirty="0"/>
+                    </a:p>
+                    <a:p>
+                      <a:pPr marL="228600" indent="-228600" algn="l" defTabSz="2438338">
+                        <a:spcBef>
+                          <a:spcPts val="1000"/>
+                        </a:spcBef>
+                        <a:buSzPct val="100000"/>
+                        <a:buChar char="•"/>
+                        <a:defRPr sz="3000">
+                          <a:solidFill>
+                            <a:srgbClr val="5E5E5E"/>
+                          </a:solidFill>
+                          <a:latin typeface="Avenir Next Regular"/>
+                          <a:ea typeface="Avenir Next Regular"/>
+                          <a:cs typeface="Avenir Next Regular"/>
+                          <a:sym typeface="Avenir Next Regular"/>
+                        </a:defRPr>
+                      </a:pPr>
+                      <a:r>
+                        <a:rPr lang="en-US" sz="1500"/>
+                        <a:t>GO Analysis</a:t>
                       </a:r>
                     </a:p>
                     <a:p>
@@ -9773,10 +9859,7 @@
                           <a:sym typeface="Avenir Next Regular"/>
                         </a:defRPr>
                       </a:pPr>
-                      <a:r>
-                        <a:rPr sz="1500"/>
-                        <a:t>Batch Effects</a:t>
-                      </a:r>
+                      <a:endParaRPr sz="1500" dirty="0"/>
                     </a:p>
                   </a:txBody>
                   <a:tcPr marL="25400" marR="25400" marT="25400" marB="25400" anchor="ctr" horzOverflow="overflow"/>
@@ -9784,83 +9867,6 @@
                 <a:extLst>
                   <a:ext uri="{0D108BD9-81ED-4DB2-BD59-A6C34878D82A}">
                     <a16:rowId xmlns:a16="http://schemas.microsoft.com/office/drawing/2014/main" val="10005"/>
-                  </a:ext>
-                </a:extLst>
-              </a:tr>
-              <a:tr h="869028">
-                <a:tc>
-                  <a:txBody>
-                    <a:bodyPr/>
-                    <a:lstStyle/>
-                    <a:p>
-                      <a:pPr defTabSz="914400">
-                        <a:tabLst>
-                          <a:tab pos="1663700" algn="l"/>
-                        </a:tabLst>
-                        <a:defRPr b="0"/>
-                      </a:pPr>
-                      <a:r>
-                        <a:rPr sz="1600" b="1"/>
-                        <a:t>April 28</a:t>
-                      </a:r>
-                    </a:p>
-                  </a:txBody>
-                  <a:tcPr marL="25400" marR="25400" marT="25400" marB="25400" anchor="ctr" horzOverflow="overflow"/>
-                </a:tc>
-                <a:tc>
-                  <a:txBody>
-                    <a:bodyPr/>
-                    <a:lstStyle/>
-                    <a:p>
-                      <a:pPr marL="228600" indent="-228600" algn="l" defTabSz="2438338">
-                        <a:spcBef>
-                          <a:spcPts val="1000"/>
-                        </a:spcBef>
-                        <a:buSzPct val="100000"/>
-                        <a:buChar char="•"/>
-                        <a:defRPr sz="3000">
-                          <a:solidFill>
-                            <a:srgbClr val="5E5E5E"/>
-                          </a:solidFill>
-                          <a:latin typeface="Avenir Next Regular"/>
-                          <a:ea typeface="Avenir Next Regular"/>
-                          <a:cs typeface="Avenir Next Regular"/>
-                          <a:sym typeface="Avenir Next Regular"/>
-                        </a:defRPr>
-                      </a:pPr>
-                      <a:r>
-                        <a:rPr sz="1500"/>
-                        <a:t>GO analysis</a:t>
-                      </a:r>
-                    </a:p>
-                    <a:p>
-                      <a:pPr marL="228600" indent="-228600" algn="l" defTabSz="2438338">
-                        <a:spcBef>
-                          <a:spcPts val="1000"/>
-                        </a:spcBef>
-                        <a:buSzPct val="100000"/>
-                        <a:buChar char="•"/>
-                        <a:defRPr sz="3000">
-                          <a:solidFill>
-                            <a:srgbClr val="5E5E5E"/>
-                          </a:solidFill>
-                          <a:latin typeface="Avenir Next Regular"/>
-                          <a:ea typeface="Avenir Next Regular"/>
-                          <a:cs typeface="Avenir Next Regular"/>
-                          <a:sym typeface="Avenir Next Regular"/>
-                        </a:defRPr>
-                      </a:pPr>
-                      <a:r>
-                        <a:rPr sz="1500"/>
-                        <a:t>GSEA</a:t>
-                      </a:r>
-                    </a:p>
-                  </a:txBody>
-                  <a:tcPr marL="25400" marR="25400" marT="25400" marB="25400" anchor="ctr" horzOverflow="overflow"/>
-                </a:tc>
-                <a:extLst>
-                  <a:ext uri="{0D108BD9-81ED-4DB2-BD59-A6C34878D82A}">
-                    <a16:rowId xmlns:a16="http://schemas.microsoft.com/office/drawing/2014/main" val="10006"/>
                   </a:ext>
                 </a:extLst>
               </a:tr>
@@ -9901,8 +9907,8 @@
         </p:nvSpPr>
         <p:spPr>
           <a:xfrm>
-            <a:off x="4548911" y="368571"/>
-            <a:ext cx="3121624" cy="420628"/>
+            <a:off x="3769946" y="152833"/>
+            <a:ext cx="4571764" cy="605294"/>
           </a:xfrm>
           <a:prstGeom prst="rect">
             <a:avLst/>
@@ -9912,7 +9918,7 @@
           </a:ln>
           <a:extLst>
             <a:ext uri="{C572A759-6A51-4108-AA02-DFA0A04FC94B}">
-              <ma14:wrappingTextBoxFlag xmlns:ma14="http://schemas.microsoft.com/office/mac/drawingml/2011/main" xmlns:a14="http://schemas.microsoft.com/office/drawing/2010/main" xmlns:m="http://schemas.openxmlformats.org/officeDocument/2006/math" xmlns="" val="1"/>
+              <ma14:wrappingTextBoxFlag xmlns="" xmlns:m="http://schemas.openxmlformats.org/officeDocument/2006/math" xmlns:a14="http://schemas.microsoft.com/office/drawing/2010/main" xmlns:ma14="http://schemas.microsoft.com/office/mac/drawingml/2011/main" val="1"/>
             </a:ext>
           </a:extLst>
         </p:spPr>
@@ -9932,9 +9938,14 @@
           </a:lstStyle>
           <a:p>
             <a:r>
-              <a:rPr sz="2400"/>
-              <a:t>Getting Started with R</a:t>
-            </a:r>
+              <a:rPr lang="en-US" sz="3600" dirty="0"/>
+              <a:t>Step 1: Get R/</a:t>
+            </a:r>
+            <a:r>
+              <a:rPr lang="en-US" sz="3600" dirty="0" err="1"/>
+              <a:t>Rstudio</a:t>
+            </a:r>
+            <a:endParaRPr sz="3600" dirty="0"/>
           </a:p>
         </p:txBody>
       </p:sp>
@@ -9946,8 +9957,8 @@
         </p:nvSpPr>
         <p:spPr>
           <a:xfrm>
-            <a:off x="472359" y="296462"/>
-            <a:ext cx="13491770" cy="2821285"/>
+            <a:off x="472359" y="758127"/>
+            <a:ext cx="9007274" cy="1897955"/>
           </a:xfrm>
           <a:prstGeom prst="rect">
             <a:avLst/>
@@ -9957,7 +9968,7 @@
           </a:ln>
           <a:extLst>
             <a:ext uri="{C572A759-6A51-4108-AA02-DFA0A04FC94B}">
-              <ma14:wrappingTextBoxFlag xmlns:ma14="http://schemas.microsoft.com/office/mac/drawingml/2011/main" xmlns:a14="http://schemas.microsoft.com/office/drawing/2010/main" xmlns:m="http://schemas.openxmlformats.org/officeDocument/2006/math" xmlns="" val="1"/>
+              <ma14:wrappingTextBoxFlag xmlns="" xmlns:m="http://schemas.openxmlformats.org/officeDocument/2006/math" xmlns:a14="http://schemas.microsoft.com/office/drawing/2010/main" xmlns:ma14="http://schemas.microsoft.com/office/mac/drawingml/2011/main" val="1"/>
             </a:ext>
           </a:extLst>
         </p:spPr>
@@ -9978,15 +9989,15 @@
               </a:defRPr>
             </a:pPr>
             <a:r>
-              <a:rPr dirty="0"/>
+              <a:rPr sz="2400" dirty="0"/>
               <a:t>Install R http://</a:t>
             </a:r>
             <a:r>
-              <a:rPr dirty="0" err="1"/>
+              <a:rPr sz="2400" dirty="0" err="1"/>
               <a:t>www.r-project.org</a:t>
             </a:r>
             <a:r>
-              <a:rPr dirty="0"/>
+              <a:rPr sz="2400" dirty="0"/>
               <a:t>/</a:t>
             </a:r>
           </a:p>
@@ -10002,31 +10013,31 @@
               </a:defRPr>
             </a:pPr>
             <a:r>
-              <a:rPr dirty="0"/>
+              <a:rPr sz="2400" dirty="0"/>
               <a:t>Download </a:t>
             </a:r>
             <a:r>
-              <a:rPr dirty="0" err="1"/>
+              <a:rPr sz="2400" dirty="0" err="1"/>
               <a:t>Rstudio</a:t>
             </a:r>
             <a:r>
-              <a:rPr dirty="0"/>
+              <a:rPr sz="2400" dirty="0"/>
               <a:t> https://</a:t>
             </a:r>
             <a:r>
-              <a:rPr dirty="0" err="1"/>
+              <a:rPr sz="2400" dirty="0" err="1"/>
               <a:t>www.rstudio.com</a:t>
             </a:r>
             <a:r>
-              <a:rPr dirty="0"/>
+              <a:rPr sz="2400" dirty="0"/>
               <a:t>/products/</a:t>
             </a:r>
             <a:r>
-              <a:rPr dirty="0" err="1"/>
+              <a:rPr sz="2400" dirty="0" err="1"/>
               <a:t>rstudio</a:t>
             </a:r>
             <a:r>
-              <a:rPr dirty="0"/>
+              <a:rPr sz="2400" dirty="0"/>
               <a:t>/</a:t>
             </a:r>
           </a:p>
@@ -10039,7 +10050,7 @@
                 <a:sym typeface="Avenir Next Regular"/>
               </a:defRPr>
             </a:pPr>
-            <a:endParaRPr dirty="0"/>
+            <a:endParaRPr sz="2400" dirty="0"/>
           </a:p>
           <a:p>
             <a:pPr algn="l">
@@ -10051,7 +10062,7 @@
               </a:defRPr>
             </a:pPr>
             <a:r>
-              <a:rPr dirty="0"/>
+              <a:rPr sz="2400" dirty="0"/>
               <a:t>Alternate route</a:t>
             </a:r>
           </a:p>
@@ -10065,17 +10076,17 @@
               </a:defRPr>
             </a:pPr>
             <a:r>
-              <a:rPr dirty="0"/>
+              <a:rPr sz="2400" dirty="0"/>
               <a:t>login at </a:t>
             </a:r>
             <a:r>
-              <a:rPr u="sng" dirty="0">
+              <a:rPr sz="2400" u="sng" dirty="0">
                 <a:hlinkClick r:id="rId2"/>
               </a:rPr>
               <a:t>ondemand.rc.unc.edu</a:t>
             </a:r>
             <a:r>
-              <a:rPr dirty="0"/>
+              <a:rPr sz="2400" dirty="0"/>
               <a:t> </a:t>
             </a:r>
           </a:p>
@@ -10097,7 +10108,7 @@
         </p:blipFill>
         <p:spPr>
           <a:xfrm>
-            <a:off x="3781316" y="1661379"/>
+            <a:off x="6357248" y="1707104"/>
             <a:ext cx="5484724" cy="4706748"/>
           </a:xfrm>
           <a:prstGeom prst="rect">
@@ -10141,7 +10152,7 @@
         </p:nvSpPr>
         <p:spPr>
           <a:xfrm>
-            <a:off x="5095130" y="358621"/>
+            <a:off x="1913611" y="893879"/>
             <a:ext cx="2436180" cy="328295"/>
           </a:xfrm>
           <a:prstGeom prst="rect">
@@ -10152,7 +10163,7 @@
           </a:ln>
           <a:extLst>
             <a:ext uri="{C572A759-6A51-4108-AA02-DFA0A04FC94B}">
-              <ma14:wrappingTextBoxFlag xmlns:ma14="http://schemas.microsoft.com/office/mac/drawingml/2011/main" xmlns:a14="http://schemas.microsoft.com/office/drawing/2010/main" xmlns:m="http://schemas.openxmlformats.org/officeDocument/2006/math" xmlns="" val="1"/>
+              <ma14:wrappingTextBoxFlag xmlns="" xmlns:m="http://schemas.openxmlformats.org/officeDocument/2006/math" xmlns:a14="http://schemas.microsoft.com/office/drawing/2010/main" xmlns:ma14="http://schemas.microsoft.com/office/mac/drawingml/2011/main" val="1"/>
             </a:ext>
           </a:extLst>
         </p:spPr>
@@ -10167,9 +10178,14 @@
           </a:lstStyle>
           <a:p>
             <a:r>
-              <a:rPr sz="1800"/>
-              <a:t>What are Git and Github</a:t>
-            </a:r>
+              <a:rPr sz="1800" dirty="0"/>
+              <a:t>What are Git and </a:t>
+            </a:r>
+            <a:r>
+              <a:rPr sz="1800" dirty="0" err="1"/>
+              <a:t>Github</a:t>
+            </a:r>
+            <a:endParaRPr sz="1800" dirty="0"/>
           </a:p>
         </p:txBody>
       </p:sp>
@@ -10181,8 +10197,8 @@
         </p:nvSpPr>
         <p:spPr>
           <a:xfrm>
-            <a:off x="1913611" y="1315010"/>
-            <a:ext cx="8002062" cy="543739"/>
+            <a:off x="1913611" y="1191900"/>
+            <a:ext cx="8002062" cy="789960"/>
           </a:xfrm>
           <a:prstGeom prst="rect">
             <a:avLst/>
@@ -10192,7 +10208,7 @@
           </a:ln>
           <a:extLst>
             <a:ext uri="{C572A759-6A51-4108-AA02-DFA0A04FC94B}">
-              <ma14:wrappingTextBoxFlag xmlns:ma14="http://schemas.microsoft.com/office/mac/drawingml/2011/main" xmlns:a14="http://schemas.microsoft.com/office/drawing/2010/main" xmlns:m="http://schemas.openxmlformats.org/officeDocument/2006/math" xmlns="" val="1"/>
+              <ma14:wrappingTextBoxFlag xmlns="" xmlns:m="http://schemas.openxmlformats.org/officeDocument/2006/math" xmlns:a14="http://schemas.microsoft.com/office/drawing/2010/main" xmlns:ma14="http://schemas.microsoft.com/office/mac/drawingml/2011/main" val="1"/>
             </a:ext>
           </a:extLst>
         </p:spPr>
@@ -10208,7 +10224,7 @@
               <a:defRPr sz="3200"/>
             </a:pPr>
             <a:r>
-              <a:rPr sz="1600"/>
+              <a:rPr sz="1600" dirty="0"/>
               <a:t>Git - version control - like Microsoft Track changes but with lots of extras and lasts forever</a:t>
             </a:r>
           </a:p>
@@ -10219,9 +10235,42 @@
               <a:defRPr sz="3200"/>
             </a:pPr>
             <a:r>
-              <a:rPr sz="1600"/>
-              <a:t>Github - way to share code - like dropbox but with some extra features</a:t>
-            </a:r>
+              <a:rPr sz="1600" dirty="0" err="1"/>
+              <a:t>Github</a:t>
+            </a:r>
+            <a:r>
+              <a:rPr sz="1600" dirty="0"/>
+              <a:t> - way to share code - like </a:t>
+            </a:r>
+            <a:r>
+              <a:rPr sz="1600" dirty="0" err="1"/>
+              <a:t>dropbox</a:t>
+            </a:r>
+            <a:r>
+              <a:rPr sz="1600" dirty="0"/>
+              <a:t> but with some extra features</a:t>
+            </a:r>
+            <a:endParaRPr lang="en-US" sz="1600" dirty="0"/>
+          </a:p>
+          <a:p>
+            <a:pPr marL="152400" indent="-152400">
+              <a:buSzPct val="123000"/>
+              <a:buChar char="•"/>
+              <a:defRPr sz="3200"/>
+            </a:pPr>
+            <a:r>
+              <a:rPr lang="en-US" sz="1600" dirty="0"/>
+              <a:t>We’ll use </a:t>
+            </a:r>
+            <a:r>
+              <a:rPr lang="en-US" sz="1600" dirty="0" err="1"/>
+              <a:t>Github</a:t>
+            </a:r>
+            <a:r>
+              <a:rPr lang="en-US" sz="1600" dirty="0"/>
+              <a:t> to share code from this course</a:t>
+            </a:r>
+            <a:endParaRPr sz="1600" dirty="0"/>
           </a:p>
         </p:txBody>
       </p:sp>
@@ -10241,7 +10290,7 @@
         </p:blipFill>
         <p:spPr>
           <a:xfrm>
-            <a:off x="4628905" y="2195985"/>
+            <a:off x="7165098" y="2207398"/>
             <a:ext cx="2750575" cy="3976078"/>
           </a:xfrm>
           <a:prstGeom prst="rect">
@@ -10252,6 +10301,97 @@
           </a:ln>
         </p:spPr>
       </p:pic>
+      <p:sp>
+        <p:nvSpPr>
+          <p:cNvPr id="2" name="TextBox 1">
+            <a:extLst>
+              <a:ext uri="{FF2B5EF4-FFF2-40B4-BE49-F238E27FC236}">
+                <a16:creationId xmlns:a16="http://schemas.microsoft.com/office/drawing/2014/main" id="{E461008B-13B8-5CFD-7949-1812E62A856B}"/>
+              </a:ext>
+            </a:extLst>
+          </p:cNvPr>
+          <p:cNvSpPr txBox="1"/>
+          <p:nvPr/>
+        </p:nvSpPr>
+        <p:spPr>
+          <a:xfrm>
+            <a:off x="4414386" y="269230"/>
+            <a:ext cx="3363228" cy="584775"/>
+          </a:xfrm>
+          <a:prstGeom prst="rect">
+            <a:avLst/>
+          </a:prstGeom>
+          <a:noFill/>
+        </p:spPr>
+        <p:txBody>
+          <a:bodyPr wrap="none" rtlCol="0">
+            <a:spAutoFit/>
+          </a:bodyPr>
+          <a:lstStyle/>
+          <a:p>
+            <a:r>
+              <a:rPr lang="en-US" sz="3200" dirty="0"/>
+              <a:t>Step 2: Git/</a:t>
+            </a:r>
+            <a:r>
+              <a:rPr lang="en-US" sz="3200" dirty="0" err="1"/>
+              <a:t>Github</a:t>
+            </a:r>
+            <a:endParaRPr lang="en-US" sz="3200" dirty="0"/>
+          </a:p>
+        </p:txBody>
+      </p:sp>
+      <p:sp>
+        <p:nvSpPr>
+          <p:cNvPr id="4" name="TextBox 3">
+            <a:extLst>
+              <a:ext uri="{FF2B5EF4-FFF2-40B4-BE49-F238E27FC236}">
+                <a16:creationId xmlns:a16="http://schemas.microsoft.com/office/drawing/2014/main" id="{830F99D2-CA6F-297C-6863-14AD525EF064}"/>
+              </a:ext>
+            </a:extLst>
+          </p:cNvPr>
+          <p:cNvSpPr txBox="1"/>
+          <p:nvPr/>
+        </p:nvSpPr>
+        <p:spPr>
+          <a:xfrm>
+            <a:off x="1364528" y="2932100"/>
+            <a:ext cx="6099716" cy="369332"/>
+          </a:xfrm>
+          <a:prstGeom prst="rect">
+            <a:avLst/>
+          </a:prstGeom>
+          <a:noFill/>
+        </p:spPr>
+        <p:txBody>
+          <a:bodyPr wrap="square">
+            <a:spAutoFit/>
+          </a:bodyPr>
+          <a:lstStyle/>
+          <a:p>
+            <a:r>
+              <a:rPr lang="en-US" dirty="0"/>
+              <a:t>https://</a:t>
+            </a:r>
+            <a:r>
+              <a:rPr lang="en-US" dirty="0" err="1"/>
+              <a:t>github.com</a:t>
+            </a:r>
+            <a:r>
+              <a:rPr lang="en-US" dirty="0"/>
+              <a:t>/</a:t>
+            </a:r>
+            <a:r>
+              <a:rPr lang="en-US" dirty="0" err="1"/>
+              <a:t>jraab</a:t>
+            </a:r>
+            <a:r>
+              <a:rPr lang="en-US" dirty="0"/>
+              <a:t>/GNET749_RNAseq</a:t>
+            </a:r>
+          </a:p>
+        </p:txBody>
+      </p:sp>
     </p:spTree>
   </p:cSld>
   <p:clrMapOvr>
@@ -10296,7 +10436,7 @@
           </a:ln>
           <a:extLst>
             <a:ext uri="{C572A759-6A51-4108-AA02-DFA0A04FC94B}">
-              <ma14:wrappingTextBoxFlag xmlns:ma14="http://schemas.microsoft.com/office/mac/drawingml/2011/main" xmlns:a14="http://schemas.microsoft.com/office/drawing/2010/main" xmlns:m="http://schemas.openxmlformats.org/officeDocument/2006/math" xmlns="" val="1"/>
+              <ma14:wrappingTextBoxFlag xmlns="" xmlns:m="http://schemas.openxmlformats.org/officeDocument/2006/math" xmlns:a14="http://schemas.microsoft.com/office/drawing/2010/main" xmlns:ma14="http://schemas.microsoft.com/office/mac/drawingml/2011/main" val="1"/>
             </a:ext>
           </a:extLst>
         </p:spPr>
@@ -10336,7 +10476,7 @@
           </a:ln>
           <a:extLst>
             <a:ext uri="{C572A759-6A51-4108-AA02-DFA0A04FC94B}">
-              <ma14:wrappingTextBoxFlag xmlns:ma14="http://schemas.microsoft.com/office/mac/drawingml/2011/main" xmlns:a14="http://schemas.microsoft.com/office/drawing/2010/main" xmlns:m="http://schemas.openxmlformats.org/officeDocument/2006/math" xmlns="" val="1"/>
+              <ma14:wrappingTextBoxFlag xmlns="" xmlns:m="http://schemas.openxmlformats.org/officeDocument/2006/math" xmlns:a14="http://schemas.microsoft.com/office/drawing/2010/main" xmlns:ma14="http://schemas.microsoft.com/office/mac/drawingml/2011/main" val="1"/>
             </a:ext>
           </a:extLst>
         </p:spPr>
@@ -10416,8 +10556,8 @@
         </p:nvSpPr>
         <p:spPr>
           <a:xfrm>
-            <a:off x="9089752" y="6233891"/>
-            <a:ext cx="2194512" cy="189796"/>
+            <a:off x="8030386" y="6161965"/>
+            <a:ext cx="3364383" cy="266740"/>
           </a:xfrm>
           <a:prstGeom prst="rect">
             <a:avLst/>
@@ -10427,7 +10567,7 @@
           </a:ln>
           <a:extLst>
             <a:ext uri="{C572A759-6A51-4108-AA02-DFA0A04FC94B}">
-              <ma14:wrappingTextBoxFlag xmlns:ma14="http://schemas.microsoft.com/office/mac/drawingml/2011/main" xmlns:a14="http://schemas.microsoft.com/office/drawing/2010/main" xmlns:m="http://schemas.openxmlformats.org/officeDocument/2006/math" xmlns="" val="1"/>
+              <ma14:wrappingTextBoxFlag xmlns="" xmlns:m="http://schemas.openxmlformats.org/officeDocument/2006/math" xmlns:a14="http://schemas.microsoft.com/office/drawing/2010/main" xmlns:ma14="http://schemas.microsoft.com/office/mac/drawingml/2011/main" val="1"/>
             </a:ext>
           </a:extLst>
         </p:spPr>
@@ -10438,7 +10578,7 @@
           <a:lstStyle/>
           <a:p>
             <a:r>
-              <a:rPr sz="900"/>
+              <a:rPr sz="1400"/>
               <a:t>https://happygitwithr.com/big-picture.html</a:t>
             </a:r>
           </a:p>
@@ -10452,8 +10592,8 @@
         </p:nvSpPr>
         <p:spPr>
           <a:xfrm>
-            <a:off x="9048985" y="5962304"/>
-            <a:ext cx="2263440" cy="189796"/>
+            <a:off x="7989619" y="5890378"/>
+            <a:ext cx="3469283" cy="266740"/>
           </a:xfrm>
           <a:prstGeom prst="rect">
             <a:avLst/>
@@ -10463,7 +10603,7 @@
           </a:ln>
           <a:extLst>
             <a:ext uri="{C572A759-6A51-4108-AA02-DFA0A04FC94B}">
-              <ma14:wrappingTextBoxFlag xmlns:ma14="http://schemas.microsoft.com/office/mac/drawingml/2011/main" xmlns:a14="http://schemas.microsoft.com/office/drawing/2010/main" xmlns:m="http://schemas.openxmlformats.org/officeDocument/2006/math" xmlns="" val="1"/>
+              <ma14:wrappingTextBoxFlag xmlns="" xmlns:m="http://schemas.openxmlformats.org/officeDocument/2006/math" xmlns:a14="http://schemas.microsoft.com/office/drawing/2010/main" xmlns:ma14="http://schemas.microsoft.com/office/mac/drawingml/2011/main" val="1"/>
             </a:ext>
           </a:extLst>
         </p:spPr>
@@ -10474,7 +10614,7 @@
           <a:lstStyle/>
           <a:p>
             <a:r>
-              <a:rPr sz="900"/>
+              <a:rPr sz="1400"/>
               <a:t>https://vallandingham.me/git-workflow.html</a:t>
             </a:r>
           </a:p>
@@ -10513,8 +10653,8 @@
         </p:nvSpPr>
         <p:spPr>
           <a:xfrm>
-            <a:off x="359086" y="816920"/>
-            <a:ext cx="2236190" cy="189796"/>
+            <a:off x="158364" y="282372"/>
+            <a:ext cx="3918509" cy="297517"/>
           </a:xfrm>
           <a:prstGeom prst="rect">
             <a:avLst/>
@@ -10524,7 +10664,7 @@
           </a:ln>
           <a:extLst>
             <a:ext uri="{C572A759-6A51-4108-AA02-DFA0A04FC94B}">
-              <ma14:wrappingTextBoxFlag xmlns:ma14="http://schemas.microsoft.com/office/mac/drawingml/2011/main" xmlns:a14="http://schemas.microsoft.com/office/drawing/2010/main" xmlns:m="http://schemas.openxmlformats.org/officeDocument/2006/math" xmlns="" val="1"/>
+              <ma14:wrappingTextBoxFlag xmlns="" xmlns:m="http://schemas.openxmlformats.org/officeDocument/2006/math" xmlns:a14="http://schemas.microsoft.com/office/drawing/2010/main" xmlns:ma14="http://schemas.microsoft.com/office/mac/drawingml/2011/main" val="1"/>
             </a:ext>
           </a:extLst>
         </p:spPr>
@@ -10535,23 +10675,23 @@
           <a:lstStyle/>
           <a:p>
             <a:r>
-              <a:rPr sz="900" dirty="0"/>
+              <a:rPr sz="1600" dirty="0"/>
               <a:t>https://</a:t>
             </a:r>
             <a:r>
-              <a:rPr sz="900" dirty="0" err="1"/>
+              <a:rPr sz="1600" dirty="0" err="1"/>
               <a:t>github.com</a:t>
             </a:r>
             <a:r>
-              <a:rPr sz="900" dirty="0"/>
+              <a:rPr sz="1600" dirty="0"/>
               <a:t>/</a:t>
             </a:r>
             <a:r>
-              <a:rPr sz="900" dirty="0" err="1"/>
+              <a:rPr sz="1600" dirty="0" err="1"/>
               <a:t>jraab</a:t>
             </a:r>
             <a:r>
-              <a:rPr sz="900" dirty="0"/>
+              <a:rPr sz="1600" dirty="0"/>
               <a:t>/GNET749_RNAseq</a:t>
             </a:r>
           </a:p>
@@ -10576,7 +10716,7 @@
           </a:ln>
           <a:extLst>
             <a:ext uri="{C572A759-6A51-4108-AA02-DFA0A04FC94B}">
-              <ma14:wrappingTextBoxFlag xmlns:ma14="http://schemas.microsoft.com/office/mac/drawingml/2011/main" xmlns:a14="http://schemas.microsoft.com/office/drawing/2010/main" xmlns:m="http://schemas.openxmlformats.org/officeDocument/2006/math" xmlns="" val="1"/>
+              <ma14:wrappingTextBoxFlag xmlns="" xmlns:m="http://schemas.openxmlformats.org/officeDocument/2006/math" xmlns:a14="http://schemas.microsoft.com/office/drawing/2010/main" xmlns:ma14="http://schemas.microsoft.com/office/mac/drawingml/2011/main" val="1"/>
             </a:ext>
           </a:extLst>
         </p:spPr>

--- a/lectures/2024_GNET749_Lecture1.pptx
+++ b/lectures/2024_GNET749_Lecture1.pptx
@@ -20,13 +20,13 @@
     <p:sldId id="266" r:id="rId11"/>
     <p:sldId id="267" r:id="rId12"/>
     <p:sldId id="268" r:id="rId13"/>
-    <p:sldId id="269" r:id="rId14"/>
-    <p:sldId id="270" r:id="rId15"/>
-    <p:sldId id="271" r:id="rId16"/>
-    <p:sldId id="272" r:id="rId17"/>
-    <p:sldId id="273" r:id="rId18"/>
-    <p:sldId id="274" r:id="rId19"/>
-    <p:sldId id="275" r:id="rId20"/>
+    <p:sldId id="285" r:id="rId14"/>
+    <p:sldId id="269" r:id="rId15"/>
+    <p:sldId id="270" r:id="rId16"/>
+    <p:sldId id="271" r:id="rId17"/>
+    <p:sldId id="272" r:id="rId18"/>
+    <p:sldId id="273" r:id="rId19"/>
+    <p:sldId id="286" r:id="rId20"/>
     <p:sldId id="276" r:id="rId21"/>
     <p:sldId id="277" r:id="rId22"/>
     <p:sldId id="278" r:id="rId23"/>
@@ -224,7 +224,7 @@
           <a:p>
             <a:fld id="{C5FEF040-B39B-4340-BEB8-C7DA9E0F0E03}" type="datetimeFigureOut">
               <a:rPr lang="en-US" smtClean="0"/>
-              <a:t>4/14/24</a:t>
+              <a:t>4/15/24</a:t>
             </a:fld>
             <a:endParaRPr lang="en-US"/>
           </a:p>
@@ -711,7 +711,7 @@
           <a:p>
             <a:fld id="{528A02B3-B8F4-4E4C-BF34-8FF9203166F1}" type="datetimeFigureOut">
               <a:rPr lang="en-US" smtClean="0"/>
-              <a:t>4/14/24</a:t>
+              <a:t>4/15/24</a:t>
             </a:fld>
             <a:endParaRPr lang="en-US"/>
           </a:p>
@@ -909,7 +909,7 @@
           <a:p>
             <a:fld id="{528A02B3-B8F4-4E4C-BF34-8FF9203166F1}" type="datetimeFigureOut">
               <a:rPr lang="en-US" smtClean="0"/>
-              <a:t>4/14/24</a:t>
+              <a:t>4/15/24</a:t>
             </a:fld>
             <a:endParaRPr lang="en-US"/>
           </a:p>
@@ -1117,7 +1117,7 @@
           <a:p>
             <a:fld id="{528A02B3-B8F4-4E4C-BF34-8FF9203166F1}" type="datetimeFigureOut">
               <a:rPr lang="en-US" smtClean="0"/>
-              <a:t>4/14/24</a:t>
+              <a:t>4/15/24</a:t>
             </a:fld>
             <a:endParaRPr lang="en-US"/>
           </a:p>
@@ -1315,7 +1315,7 @@
           <a:p>
             <a:fld id="{528A02B3-B8F4-4E4C-BF34-8FF9203166F1}" type="datetimeFigureOut">
               <a:rPr lang="en-US" smtClean="0"/>
-              <a:t>4/14/24</a:t>
+              <a:t>4/15/24</a:t>
             </a:fld>
             <a:endParaRPr lang="en-US"/>
           </a:p>
@@ -1590,7 +1590,7 @@
           <a:p>
             <a:fld id="{528A02B3-B8F4-4E4C-BF34-8FF9203166F1}" type="datetimeFigureOut">
               <a:rPr lang="en-US" smtClean="0"/>
-              <a:t>4/14/24</a:t>
+              <a:t>4/15/24</a:t>
             </a:fld>
             <a:endParaRPr lang="en-US"/>
           </a:p>
@@ -1855,7 +1855,7 @@
           <a:p>
             <a:fld id="{528A02B3-B8F4-4E4C-BF34-8FF9203166F1}" type="datetimeFigureOut">
               <a:rPr lang="en-US" smtClean="0"/>
-              <a:t>4/14/24</a:t>
+              <a:t>4/15/24</a:t>
             </a:fld>
             <a:endParaRPr lang="en-US"/>
           </a:p>
@@ -2267,7 +2267,7 @@
           <a:p>
             <a:fld id="{528A02B3-B8F4-4E4C-BF34-8FF9203166F1}" type="datetimeFigureOut">
               <a:rPr lang="en-US" smtClean="0"/>
-              <a:t>4/14/24</a:t>
+              <a:t>4/15/24</a:t>
             </a:fld>
             <a:endParaRPr lang="en-US"/>
           </a:p>
@@ -2408,7 +2408,7 @@
           <a:p>
             <a:fld id="{528A02B3-B8F4-4E4C-BF34-8FF9203166F1}" type="datetimeFigureOut">
               <a:rPr lang="en-US" smtClean="0"/>
-              <a:t>4/14/24</a:t>
+              <a:t>4/15/24</a:t>
             </a:fld>
             <a:endParaRPr lang="en-US"/>
           </a:p>
@@ -2521,7 +2521,7 @@
           <a:p>
             <a:fld id="{528A02B3-B8F4-4E4C-BF34-8FF9203166F1}" type="datetimeFigureOut">
               <a:rPr lang="en-US" smtClean="0"/>
-              <a:t>4/14/24</a:t>
+              <a:t>4/15/24</a:t>
             </a:fld>
             <a:endParaRPr lang="en-US"/>
           </a:p>
@@ -2832,7 +2832,7 @@
           <a:p>
             <a:fld id="{528A02B3-B8F4-4E4C-BF34-8FF9203166F1}" type="datetimeFigureOut">
               <a:rPr lang="en-US" smtClean="0"/>
-              <a:t>4/14/24</a:t>
+              <a:t>4/15/24</a:t>
             </a:fld>
             <a:endParaRPr lang="en-US"/>
           </a:p>
@@ -3120,7 +3120,7 @@
           <a:p>
             <a:fld id="{528A02B3-B8F4-4E4C-BF34-8FF9203166F1}" type="datetimeFigureOut">
               <a:rPr lang="en-US" smtClean="0"/>
-              <a:t>4/14/24</a:t>
+              <a:t>4/15/24</a:t>
             </a:fld>
             <a:endParaRPr lang="en-US"/>
           </a:p>
@@ -3361,7 +3361,7 @@
           <a:p>
             <a:fld id="{528A02B3-B8F4-4E4C-BF34-8FF9203166F1}" type="datetimeFigureOut">
               <a:rPr lang="en-US" smtClean="0"/>
-              <a:t>4/14/24</a:t>
+              <a:t>4/15/24</a:t>
             </a:fld>
             <a:endParaRPr lang="en-US"/>
           </a:p>
@@ -3797,7 +3797,7 @@
           </a:ln>
           <a:extLst>
             <a:ext uri="{C572A759-6A51-4108-AA02-DFA0A04FC94B}">
-              <ma14:wrappingTextBoxFlag xmlns="" xmlns:m="http://schemas.openxmlformats.org/officeDocument/2006/math" xmlns:a14="http://schemas.microsoft.com/office/drawing/2010/main" xmlns:ma14="http://schemas.microsoft.com/office/mac/drawingml/2011/main" val="1"/>
+              <ma14:wrappingTextBoxFlag xmlns:ma14="http://schemas.microsoft.com/office/mac/drawingml/2011/main" xmlns:a14="http://schemas.microsoft.com/office/drawing/2010/main" xmlns:m="http://schemas.openxmlformats.org/officeDocument/2006/math" xmlns="" val="1"/>
             </a:ext>
           </a:extLst>
         </p:spPr>
@@ -3862,7 +3862,7 @@
           </a:ln>
           <a:extLst>
             <a:ext uri="{C572A759-6A51-4108-AA02-DFA0A04FC94B}">
-              <ma14:wrappingTextBoxFlag xmlns="" xmlns:m="http://schemas.openxmlformats.org/officeDocument/2006/math" xmlns:a14="http://schemas.microsoft.com/office/drawing/2010/main" xmlns:ma14="http://schemas.microsoft.com/office/mac/drawingml/2011/main" val="1"/>
+              <ma14:wrappingTextBoxFlag xmlns:ma14="http://schemas.microsoft.com/office/mac/drawingml/2011/main" xmlns:a14="http://schemas.microsoft.com/office/drawing/2010/main" xmlns:m="http://schemas.openxmlformats.org/officeDocument/2006/math" xmlns="" val="1"/>
             </a:ext>
           </a:extLst>
         </p:spPr>
@@ -3902,7 +3902,7 @@
           </a:ln>
           <a:extLst>
             <a:ext uri="{C572A759-6A51-4108-AA02-DFA0A04FC94B}">
-              <ma14:wrappingTextBoxFlag xmlns="" xmlns:m="http://schemas.openxmlformats.org/officeDocument/2006/math" xmlns:a14="http://schemas.microsoft.com/office/drawing/2010/main" xmlns:ma14="http://schemas.microsoft.com/office/mac/drawingml/2011/main" val="1"/>
+              <ma14:wrappingTextBoxFlag xmlns:ma14="http://schemas.microsoft.com/office/mac/drawingml/2011/main" xmlns:a14="http://schemas.microsoft.com/office/drawing/2010/main" xmlns:m="http://schemas.openxmlformats.org/officeDocument/2006/math" xmlns="" val="1"/>
             </a:ext>
           </a:extLst>
         </p:spPr>
@@ -3938,7 +3938,7 @@
           </a:ln>
           <a:extLst>
             <a:ext uri="{C572A759-6A51-4108-AA02-DFA0A04FC94B}">
-              <ma14:wrappingTextBoxFlag xmlns="" xmlns:m="http://schemas.openxmlformats.org/officeDocument/2006/math" xmlns:a14="http://schemas.microsoft.com/office/drawing/2010/main" xmlns:ma14="http://schemas.microsoft.com/office/mac/drawingml/2011/main" val="1"/>
+              <ma14:wrappingTextBoxFlag xmlns:ma14="http://schemas.microsoft.com/office/mac/drawingml/2011/main" xmlns:a14="http://schemas.microsoft.com/office/drawing/2010/main" xmlns:m="http://schemas.openxmlformats.org/officeDocument/2006/math" xmlns="" val="1"/>
             </a:ext>
           </a:extLst>
         </p:spPr>
@@ -3978,7 +3978,7 @@
           </a:ln>
           <a:extLst>
             <a:ext uri="{C572A759-6A51-4108-AA02-DFA0A04FC94B}">
-              <ma14:wrappingTextBoxFlag xmlns="" xmlns:m="http://schemas.openxmlformats.org/officeDocument/2006/math" xmlns:a14="http://schemas.microsoft.com/office/drawing/2010/main" xmlns:ma14="http://schemas.microsoft.com/office/mac/drawingml/2011/main" val="1"/>
+              <ma14:wrappingTextBoxFlag xmlns:ma14="http://schemas.microsoft.com/office/mac/drawingml/2011/main" xmlns:a14="http://schemas.microsoft.com/office/drawing/2010/main" xmlns:m="http://schemas.openxmlformats.org/officeDocument/2006/math" xmlns="" val="1"/>
             </a:ext>
           </a:extLst>
         </p:spPr>
@@ -4044,7 +4044,7 @@
           </a:ln>
           <a:extLst>
             <a:ext uri="{C572A759-6A51-4108-AA02-DFA0A04FC94B}">
-              <ma14:wrappingTextBoxFlag xmlns="" xmlns:m="http://schemas.openxmlformats.org/officeDocument/2006/math" xmlns:a14="http://schemas.microsoft.com/office/drawing/2010/main" xmlns:ma14="http://schemas.microsoft.com/office/mac/drawingml/2011/main" val="1"/>
+              <ma14:wrappingTextBoxFlag xmlns:ma14="http://schemas.microsoft.com/office/mac/drawingml/2011/main" xmlns:a14="http://schemas.microsoft.com/office/drawing/2010/main" xmlns:m="http://schemas.openxmlformats.org/officeDocument/2006/math" xmlns="" val="1"/>
             </a:ext>
           </a:extLst>
         </p:spPr>
@@ -4098,8 +4098,8 @@
         </p:nvSpPr>
         <p:spPr>
           <a:xfrm>
-            <a:off x="4408119" y="620322"/>
-            <a:ext cx="3144772" cy="359073"/>
+            <a:off x="4042936" y="290789"/>
+            <a:ext cx="4379276" cy="482183"/>
           </a:xfrm>
           <a:prstGeom prst="rect">
             <a:avLst/>
@@ -4109,7 +4109,7 @@
           </a:ln>
           <a:extLst>
             <a:ext uri="{C572A759-6A51-4108-AA02-DFA0A04FC94B}">
-              <ma14:wrappingTextBoxFlag xmlns="" xmlns:m="http://schemas.openxmlformats.org/officeDocument/2006/math" xmlns:a14="http://schemas.microsoft.com/office/drawing/2010/main" xmlns:ma14="http://schemas.microsoft.com/office/mac/drawingml/2011/main" val="1"/>
+              <ma14:wrappingTextBoxFlag xmlns:ma14="http://schemas.microsoft.com/office/mac/drawingml/2011/main" xmlns:a14="http://schemas.microsoft.com/office/drawing/2010/main" xmlns:m="http://schemas.openxmlformats.org/officeDocument/2006/math" xmlns="" val="1"/>
             </a:ext>
           </a:extLst>
         </p:spPr>
@@ -4124,7 +4124,7 @@
           </a:lstStyle>
           <a:p>
             <a:r>
-              <a:rPr sz="2000"/>
+              <a:rPr sz="2800" dirty="0"/>
               <a:t>Getting code from this class</a:t>
             </a:r>
           </a:p>
@@ -4138,8 +4138,8 @@
         </p:nvSpPr>
         <p:spPr>
           <a:xfrm>
-            <a:off x="5179168" y="1080689"/>
-            <a:ext cx="1624227" cy="282129"/>
+            <a:off x="5179168" y="1057606"/>
+            <a:ext cx="1939442" cy="328295"/>
           </a:xfrm>
           <a:prstGeom prst="rect">
             <a:avLst/>
@@ -4149,7 +4149,7 @@
           </a:ln>
           <a:extLst>
             <a:ext uri="{C572A759-6A51-4108-AA02-DFA0A04FC94B}">
-              <ma14:wrappingTextBoxFlag xmlns="" xmlns:m="http://schemas.openxmlformats.org/officeDocument/2006/math" xmlns:a14="http://schemas.microsoft.com/office/drawing/2010/main" xmlns:ma14="http://schemas.microsoft.com/office/mac/drawingml/2011/main" val="1"/>
+              <ma14:wrappingTextBoxFlag xmlns:ma14="http://schemas.microsoft.com/office/mac/drawingml/2011/main" xmlns:a14="http://schemas.microsoft.com/office/drawing/2010/main" xmlns:m="http://schemas.openxmlformats.org/officeDocument/2006/math" xmlns="" val="1"/>
             </a:ext>
           </a:extLst>
         </p:spPr>
@@ -4164,7 +4164,7 @@
           </a:lstStyle>
           <a:p>
             <a:r>
-              <a:rPr sz="1500"/>
+              <a:rPr sz="1800" dirty="0"/>
               <a:t>On your computer</a:t>
             </a:r>
           </a:p>
@@ -4186,8 +4186,8 @@
         </p:blipFill>
         <p:spPr>
           <a:xfrm>
-            <a:off x="3075747" y="1801281"/>
-            <a:ext cx="6535637" cy="4329774"/>
+            <a:off x="2616485" y="1550048"/>
+            <a:ext cx="7665117" cy="5078040"/>
           </a:xfrm>
           <a:prstGeom prst="rect">
             <a:avLst/>
@@ -4205,8 +4205,8 @@
         </p:nvSpPr>
         <p:spPr>
           <a:xfrm>
-            <a:off x="42932" y="1311065"/>
-            <a:ext cx="3620863" cy="189796"/>
+            <a:off x="422073" y="1221753"/>
+            <a:ext cx="3620863" cy="328295"/>
           </a:xfrm>
           <a:prstGeom prst="rect">
             <a:avLst/>
@@ -4216,7 +4216,7 @@
           </a:ln>
           <a:extLst>
             <a:ext uri="{C572A759-6A51-4108-AA02-DFA0A04FC94B}">
-              <ma14:wrappingTextBoxFlag xmlns="" xmlns:m="http://schemas.openxmlformats.org/officeDocument/2006/math" xmlns:a14="http://schemas.microsoft.com/office/drawing/2010/main" xmlns:ma14="http://schemas.microsoft.com/office/mac/drawingml/2011/main" val="1"/>
+              <ma14:wrappingTextBoxFlag xmlns:ma14="http://schemas.microsoft.com/office/mac/drawingml/2011/main" xmlns:a14="http://schemas.microsoft.com/office/drawing/2010/main" xmlns:m="http://schemas.openxmlformats.org/officeDocument/2006/math" xmlns="" val="1"/>
             </a:ext>
           </a:extLst>
         </p:spPr>
@@ -4236,9 +4236,10 @@
               <a:defRPr u="none"/>
             </a:pPr>
             <a:r>
-              <a:rPr sz="900"/>
+              <a:rPr dirty="0" err="1"/>
               <a:t>desktop.github.com</a:t>
             </a:r>
+            <a:endParaRPr dirty="0"/>
           </a:p>
         </p:txBody>
       </p:sp>
@@ -4406,208 +4407,120 @@
           <a:chExt cx="0" cy="0"/>
         </a:xfrm>
       </p:grpSpPr>
-      <p:sp>
-        <p:nvSpPr>
-          <p:cNvPr id="201" name="Why Learn R?"/>
+      <p:pic>
+        <p:nvPicPr>
+          <p:cNvPr id="2" name="Picture 1">
+            <a:extLst>
+              <a:ext uri="{FF2B5EF4-FFF2-40B4-BE49-F238E27FC236}">
+                <a16:creationId xmlns:a16="http://schemas.microsoft.com/office/drawing/2014/main" id="{AE91AE22-ED0D-518C-6078-DB6B1ACCFB24}"/>
+              </a:ext>
+            </a:extLst>
+          </p:cNvPr>
+          <p:cNvPicPr>
+            <a:picLocks noChangeAspect="1"/>
+          </p:cNvPicPr>
+          <p:nvPr/>
+        </p:nvPicPr>
+        <p:blipFill>
+          <a:blip r:embed="rId2"/>
+          <a:stretch>
+            <a:fillRect/>
+          </a:stretch>
+        </p:blipFill>
+        <p:spPr>
+          <a:xfrm>
+            <a:off x="2834269" y="686610"/>
+            <a:ext cx="7772400" cy="5484778"/>
+          </a:xfrm>
+          <a:prstGeom prst="rect">
+            <a:avLst/>
+          </a:prstGeom>
+        </p:spPr>
+      </p:pic>
+      <p:sp>
+        <p:nvSpPr>
+          <p:cNvPr id="3" name="TextBox 2">
+            <a:extLst>
+              <a:ext uri="{FF2B5EF4-FFF2-40B4-BE49-F238E27FC236}">
+                <a16:creationId xmlns:a16="http://schemas.microsoft.com/office/drawing/2014/main" id="{C575E93E-0CB7-600F-88E8-89A1B2A0726B}"/>
+              </a:ext>
+            </a:extLst>
+          </p:cNvPr>
           <p:cNvSpPr txBox="1"/>
           <p:nvPr/>
         </p:nvSpPr>
         <p:spPr>
           <a:xfrm>
-            <a:off x="5129098" y="415088"/>
-            <a:ext cx="1951753" cy="420628"/>
-          </a:xfrm>
-          <a:prstGeom prst="rect">
-            <a:avLst/>
-          </a:prstGeom>
-          <a:ln w="12700">
-            <a:miter lim="400000"/>
-          </a:ln>
-          <a:extLst>
-            <a:ext uri="{C572A759-6A51-4108-AA02-DFA0A04FC94B}">
-              <ma14:wrappingTextBoxFlag xmlns="" xmlns:m="http://schemas.openxmlformats.org/officeDocument/2006/math" xmlns:a14="http://schemas.microsoft.com/office/drawing/2010/main" xmlns:ma14="http://schemas.microsoft.com/office/mac/drawingml/2011/main" val="1"/>
-            </a:ext>
-          </a:extLst>
-        </p:spPr>
-        <p:txBody>
-          <a:bodyPr wrap="none" lIns="25400" tIns="25400" rIns="25400" bIns="25400" anchor="ctr">
-            <a:spAutoFit/>
-          </a:bodyPr>
-          <a:lstStyle>
-            <a:lvl1pPr>
-              <a:defRPr sz="4800">
-                <a:latin typeface="Avenir Next Regular"/>
-                <a:ea typeface="Avenir Next Regular"/>
-                <a:cs typeface="Avenir Next Regular"/>
-                <a:sym typeface="Avenir Next Regular"/>
-              </a:defRPr>
-            </a:lvl1pPr>
-          </a:lstStyle>
-          <a:p>
-            <a:r>
-              <a:rPr sz="2400"/>
-              <a:t>Why Learn R?</a:t>
-            </a:r>
-          </a:p>
-        </p:txBody>
-      </p:sp>
-      <p:sp>
-        <p:nvSpPr>
-          <p:cNvPr id="202" name="Extremely powerful statistical tools…"/>
-          <p:cNvSpPr txBox="1"/>
-          <p:nvPr/>
-        </p:nvSpPr>
-        <p:spPr>
-          <a:xfrm>
-            <a:off x="2988069" y="944044"/>
-            <a:ext cx="12773946" cy="4314001"/>
-          </a:xfrm>
-          <a:prstGeom prst="rect">
-            <a:avLst/>
-          </a:prstGeom>
-          <a:ln w="12700">
-            <a:miter lim="400000"/>
-          </a:ln>
-          <a:extLst>
-            <a:ext uri="{C572A759-6A51-4108-AA02-DFA0A04FC94B}">
-              <ma14:wrappingTextBoxFlag xmlns="" xmlns:m="http://schemas.openxmlformats.org/officeDocument/2006/math" xmlns:a14="http://schemas.microsoft.com/office/drawing/2010/main" xmlns:ma14="http://schemas.microsoft.com/office/mac/drawingml/2011/main" val="1"/>
-            </a:ext>
-          </a:extLst>
-        </p:spPr>
-        <p:txBody>
-          <a:bodyPr wrap="none" lIns="25400" tIns="25400" rIns="25400" bIns="25400" anchor="ctr">
+            <a:off x="1795347" y="178420"/>
+            <a:ext cx="9417258" cy="461665"/>
+          </a:xfrm>
+          <a:prstGeom prst="rect">
+            <a:avLst/>
+          </a:prstGeom>
+          <a:noFill/>
+        </p:spPr>
+        <p:txBody>
+          <a:bodyPr wrap="none" rtlCol="0">
             <a:spAutoFit/>
           </a:bodyPr>
           <a:lstStyle/>
           <a:p>
-            <a:pPr marL="114300" indent="-114300">
-              <a:spcBef>
-                <a:spcPts val="500"/>
-              </a:spcBef>
-              <a:buSzPct val="100000"/>
-              <a:buChar char="•"/>
-              <a:defRPr sz="3600">
-                <a:latin typeface="Avenir Next Regular"/>
-                <a:ea typeface="Avenir Next Regular"/>
-                <a:cs typeface="Avenir Next Regular"/>
-                <a:sym typeface="Avenir Next Regular"/>
-              </a:defRPr>
-            </a:pPr>
-            <a:r>
-              <a:t>Extremely powerful statistical tools</a:t>
-            </a:r>
-          </a:p>
-          <a:p>
-            <a:pPr marL="114300" indent="-114300">
-              <a:spcBef>
-                <a:spcPts val="500"/>
-              </a:spcBef>
-              <a:buSzPct val="100000"/>
-              <a:buChar char="•"/>
-              <a:defRPr sz="3600">
-                <a:latin typeface="Avenir Next Regular"/>
-                <a:ea typeface="Avenir Next Regular"/>
-                <a:cs typeface="Avenir Next Regular"/>
-                <a:sym typeface="Avenir Next Regular"/>
-              </a:defRPr>
-            </a:pPr>
-            <a:r>
-              <a:t>Reproducibility</a:t>
-            </a:r>
-          </a:p>
-          <a:p>
-            <a:pPr marL="114300" indent="-114300">
-              <a:spcBef>
-                <a:spcPts val="500"/>
-              </a:spcBef>
-              <a:buSzPct val="100000"/>
-              <a:buChar char="•"/>
-              <a:defRPr sz="3600">
-                <a:latin typeface="Avenir Next Regular"/>
-                <a:ea typeface="Avenir Next Regular"/>
-                <a:cs typeface="Avenir Next Regular"/>
-                <a:sym typeface="Avenir Next Regular"/>
-              </a:defRPr>
-            </a:pPr>
-            <a:r>
-              <a:t>High quality visualizations</a:t>
-            </a:r>
-          </a:p>
-          <a:p>
-            <a:pPr marL="114300" indent="-114300">
-              <a:spcBef>
-                <a:spcPts val="500"/>
-              </a:spcBef>
-              <a:buSzPct val="100000"/>
-              <a:buChar char="•"/>
-              <a:defRPr sz="3600">
-                <a:latin typeface="Avenir Next Regular"/>
-                <a:ea typeface="Avenir Next Regular"/>
-                <a:cs typeface="Avenir Next Regular"/>
-                <a:sym typeface="Avenir Next Regular"/>
-              </a:defRPr>
-            </a:pPr>
-            <a:r>
-              <a:t>Multiple ways to do things</a:t>
-            </a:r>
-          </a:p>
-          <a:p>
-            <a:pPr marL="114300" indent="-114300">
-              <a:spcBef>
-                <a:spcPts val="500"/>
-              </a:spcBef>
-              <a:buSzPct val="100000"/>
-              <a:buChar char="•"/>
-              <a:defRPr sz="3600">
-                <a:latin typeface="Avenir Next Regular"/>
-                <a:ea typeface="Avenir Next Regular"/>
-                <a:cs typeface="Avenir Next Regular"/>
-                <a:sym typeface="Avenir Next Regular"/>
-              </a:defRPr>
-            </a:pPr>
-            <a:r>
-              <a:t>Great packages for biologists (RNAseq, ChIPseq, TF Motifs) </a:t>
-            </a:r>
-          </a:p>
-          <a:p>
-            <a:pPr marL="114300" indent="-114300">
-              <a:spcBef>
-                <a:spcPts val="500"/>
-              </a:spcBef>
-              <a:buSzPct val="100000"/>
-              <a:buChar char="•"/>
-              <a:defRPr sz="3600">
-                <a:latin typeface="Avenir Next Regular"/>
-                <a:ea typeface="Avenir Next Regular"/>
-                <a:cs typeface="Avenir Next Regular"/>
-                <a:sym typeface="Avenir Next Regular"/>
-              </a:defRPr>
-            </a:pPr>
-            <a:r>
-              <a:t>R is free, has a huge community (CRAN and Bioconductor)</a:t>
-            </a:r>
-          </a:p>
-          <a:p>
-            <a:pPr marL="114300" indent="-114300">
-              <a:spcBef>
-                <a:spcPts val="500"/>
-              </a:spcBef>
-              <a:buSzPct val="100000"/>
-              <a:buChar char="•"/>
-              <a:defRPr sz="3600">
-                <a:latin typeface="Avenir Next Regular"/>
-                <a:ea typeface="Avenir Next Regular"/>
-                <a:cs typeface="Avenir Next Regular"/>
-                <a:sym typeface="Avenir Next Regular"/>
-              </a:defRPr>
-            </a:pPr>
-            <a:r>
-              <a:t>Works on most operating systems (Linux, Mac, Windows)</a:t>
+            <a:r>
+              <a:rPr lang="en-US" sz="2400" dirty="0"/>
+              <a:t>Changes to code will be on </a:t>
+            </a:r>
+            <a:r>
+              <a:rPr lang="en-US" sz="2400" dirty="0" err="1"/>
+              <a:t>github</a:t>
+            </a:r>
+            <a:r>
+              <a:rPr lang="en-US" sz="2400" dirty="0"/>
+              <a:t> and Fetch can be used to grab them</a:t>
+            </a:r>
+          </a:p>
+        </p:txBody>
+      </p:sp>
+      <p:sp>
+        <p:nvSpPr>
+          <p:cNvPr id="4" name="TextBox 3">
+            <a:extLst>
+              <a:ext uri="{FF2B5EF4-FFF2-40B4-BE49-F238E27FC236}">
+                <a16:creationId xmlns:a16="http://schemas.microsoft.com/office/drawing/2014/main" id="{C5528D21-CCCB-4B08-092A-785E83DE0C74}"/>
+              </a:ext>
+            </a:extLst>
+          </p:cNvPr>
+          <p:cNvSpPr txBox="1"/>
+          <p:nvPr/>
+        </p:nvSpPr>
+        <p:spPr>
+          <a:xfrm>
+            <a:off x="557562" y="2828835"/>
+            <a:ext cx="2074126" cy="1200329"/>
+          </a:xfrm>
+          <a:prstGeom prst="rect">
+            <a:avLst/>
+          </a:prstGeom>
+          <a:noFill/>
+        </p:spPr>
+        <p:txBody>
+          <a:bodyPr wrap="square" rtlCol="0">
+            <a:spAutoFit/>
+          </a:bodyPr>
+          <a:lstStyle/>
+          <a:p>
+            <a:r>
+              <a:rPr lang="en-US" dirty="0"/>
+              <a:t>You may want to rename your files or create a new branch</a:t>
             </a:r>
           </a:p>
         </p:txBody>
       </p:sp>
     </p:spTree>
+    <p:extLst>
+      <p:ext uri="{BB962C8B-B14F-4D97-AF65-F5344CB8AC3E}">
+        <p14:creationId xmlns:p14="http://schemas.microsoft.com/office/powerpoint/2010/main" val="419232731"/>
+      </p:ext>
+    </p:extLst>
   </p:cSld>
   <p:clrMapOvr>
     <a:masterClrMapping/>
@@ -4634,14 +4547,14 @@
       </p:grpSpPr>
       <p:sp>
         <p:nvSpPr>
-          <p:cNvPr id="204" name="Downsides of R"/>
+          <p:cNvPr id="201" name="Why Learn R?"/>
           <p:cNvSpPr txBox="1"/>
           <p:nvPr/>
         </p:nvSpPr>
         <p:spPr>
           <a:xfrm>
-            <a:off x="4989805" y="416494"/>
-            <a:ext cx="2225930" cy="420628"/>
+            <a:off x="5129098" y="415088"/>
+            <a:ext cx="1951753" cy="420628"/>
           </a:xfrm>
           <a:prstGeom prst="rect">
             <a:avLst/>
@@ -4651,7 +4564,7 @@
           </a:ln>
           <a:extLst>
             <a:ext uri="{C572A759-6A51-4108-AA02-DFA0A04FC94B}">
-              <ma14:wrappingTextBoxFlag xmlns="" xmlns:m="http://schemas.openxmlformats.org/officeDocument/2006/math" xmlns:a14="http://schemas.microsoft.com/office/drawing/2010/main" xmlns:ma14="http://schemas.microsoft.com/office/mac/drawingml/2011/main" val="1"/>
+              <ma14:wrappingTextBoxFlag xmlns:ma14="http://schemas.microsoft.com/office/mac/drawingml/2011/main" xmlns:a14="http://schemas.microsoft.com/office/drawing/2010/main" xmlns:m="http://schemas.openxmlformats.org/officeDocument/2006/math" xmlns="" val="1"/>
             </a:ext>
           </a:extLst>
         </p:spPr>
@@ -4672,21 +4585,21 @@
           <a:p>
             <a:r>
               <a:rPr sz="2400"/>
-              <a:t>Downsides of R</a:t>
-            </a:r>
-          </a:p>
-        </p:txBody>
-      </p:sp>
-      <p:sp>
-        <p:nvSpPr>
-          <p:cNvPr id="205" name="Steep learning curve…"/>
+              <a:t>Why Learn R?</a:t>
+            </a:r>
+          </a:p>
+        </p:txBody>
+      </p:sp>
+      <p:sp>
+        <p:nvSpPr>
+          <p:cNvPr id="202" name="Extremely powerful statistical tools…"/>
           <p:cNvSpPr txBox="1"/>
           <p:nvPr/>
         </p:nvSpPr>
         <p:spPr>
           <a:xfrm>
-            <a:off x="3591230" y="1397590"/>
-            <a:ext cx="10053586" cy="2459648"/>
+            <a:off x="512499" y="1918330"/>
+            <a:ext cx="11400720" cy="3021340"/>
           </a:xfrm>
           <a:prstGeom prst="rect">
             <a:avLst/>
@@ -4696,12 +4609,12 @@
           </a:ln>
           <a:extLst>
             <a:ext uri="{C572A759-6A51-4108-AA02-DFA0A04FC94B}">
-              <ma14:wrappingTextBoxFlag xmlns="" xmlns:m="http://schemas.openxmlformats.org/officeDocument/2006/math" xmlns:a14="http://schemas.microsoft.com/office/drawing/2010/main" xmlns:ma14="http://schemas.microsoft.com/office/mac/drawingml/2011/main" val="1"/>
+              <ma14:wrappingTextBoxFlag xmlns:ma14="http://schemas.microsoft.com/office/mac/drawingml/2011/main" xmlns:a14="http://schemas.microsoft.com/office/drawing/2010/main" xmlns:m="http://schemas.openxmlformats.org/officeDocument/2006/math" xmlns="" val="1"/>
             </a:ext>
           </a:extLst>
         </p:spPr>
         <p:txBody>
-          <a:bodyPr wrap="none" lIns="25400" tIns="25400" rIns="25400" bIns="25400" anchor="ctr">
+          <a:bodyPr wrap="square" lIns="25400" tIns="25400" rIns="25400" bIns="25400" anchor="ctr">
             <a:spAutoFit/>
           </a:bodyPr>
           <a:lstStyle/>
@@ -4720,7 +4633,8 @@
               </a:defRPr>
             </a:pPr>
             <a:r>
-              <a:t>Steep learning curve </a:t>
+              <a:rPr sz="2400" dirty="0"/>
+              <a:t>Extremely powerful statistical tools</a:t>
             </a:r>
           </a:p>
           <a:p>
@@ -4738,7 +4652,8 @@
               </a:defRPr>
             </a:pPr>
             <a:r>
-              <a:t>Multiple ways to do things (base vs tidyverse)</a:t>
+              <a:rPr sz="2400" dirty="0"/>
+              <a:t>Reproducibility</a:t>
             </a:r>
           </a:p>
           <a:p>
@@ -4756,7 +4671,8 @@
               </a:defRPr>
             </a:pPr>
             <a:r>
-              <a:t>Syntax is unlike other programming languages</a:t>
+              <a:rPr sz="2400" dirty="0"/>
+              <a:t>High quality visualizations</a:t>
             </a:r>
           </a:p>
           <a:p>
@@ -4774,7 +4690,86 @@
               </a:defRPr>
             </a:pPr>
             <a:r>
-              <a:t>Not a general programming language</a:t>
+              <a:rPr sz="2400" dirty="0"/>
+              <a:t>Multiple ways to do things</a:t>
+            </a:r>
+          </a:p>
+          <a:p>
+            <a:pPr marL="114300" indent="-114300">
+              <a:spcBef>
+                <a:spcPts val="500"/>
+              </a:spcBef>
+              <a:buSzPct val="100000"/>
+              <a:buFontTx/>
+              <a:buChar char="•"/>
+              <a:defRPr sz="3600">
+                <a:latin typeface="Avenir Next Regular"/>
+                <a:ea typeface="Avenir Next Regular"/>
+                <a:cs typeface="Avenir Next Regular"/>
+                <a:sym typeface="Avenir Next Regular"/>
+              </a:defRPr>
+            </a:pPr>
+            <a:r>
+              <a:rPr sz="2400" dirty="0"/>
+              <a:t>R is free, has a huge </a:t>
+            </a:r>
+            <a:r>
+              <a:rPr lang="en-US" sz="2400" dirty="0"/>
+              <a:t>Great packages for biologists (</a:t>
+            </a:r>
+            <a:r>
+              <a:rPr lang="en-US" sz="2400" dirty="0" err="1"/>
+              <a:t>RNAseq</a:t>
+            </a:r>
+            <a:r>
+              <a:rPr lang="en-US" sz="2400" dirty="0"/>
+              <a:t>, </a:t>
+            </a:r>
+            <a:r>
+              <a:rPr lang="en-US" sz="2400" dirty="0" err="1"/>
+              <a:t>ChIPseq</a:t>
+            </a:r>
+            <a:r>
+              <a:rPr lang="en-US" sz="2400" dirty="0"/>
+              <a:t>, TF Motifs) </a:t>
+            </a:r>
+          </a:p>
+          <a:p>
+            <a:pPr marL="114300" indent="-114300">
+              <a:spcBef>
+                <a:spcPts val="500"/>
+              </a:spcBef>
+              <a:buSzPct val="100000"/>
+              <a:buChar char="•"/>
+              <a:defRPr sz="3600">
+                <a:latin typeface="Avenir Next Regular"/>
+                <a:ea typeface="Avenir Next Regular"/>
+                <a:cs typeface="Avenir Next Regular"/>
+                <a:sym typeface="Avenir Next Regular"/>
+              </a:defRPr>
+            </a:pPr>
+            <a:r>
+              <a:rPr sz="2400" dirty="0"/>
+              <a:t>community (CRAN and Bioconductor)</a:t>
+            </a:r>
+          </a:p>
+          <a:p>
+            <a:pPr marL="114300" indent="-114300">
+              <a:spcBef>
+                <a:spcPts val="500"/>
+              </a:spcBef>
+              <a:buSzPct val="100000"/>
+              <a:buChar char="•"/>
+              <a:defRPr sz="3600">
+                <a:latin typeface="Avenir Next Regular"/>
+                <a:ea typeface="Avenir Next Regular"/>
+                <a:cs typeface="Avenir Next Regular"/>
+                <a:sym typeface="Avenir Next Regular"/>
+              </a:defRPr>
+            </a:pPr>
+            <a:r>
+              <a:rPr sz="2400" dirty="0"/>
+              <a:t>Works on most operating systems (Linux, Mac, Windows)</a:t>
             </a:r>
           </a:p>
         </p:txBody>
@@ -4806,14 +4801,14 @@
       </p:grpSpPr>
       <p:sp>
         <p:nvSpPr>
-          <p:cNvPr id="207" name="Where to get more information?"/>
+          <p:cNvPr id="204" name="Downsides of R"/>
           <p:cNvSpPr txBox="1"/>
           <p:nvPr/>
         </p:nvSpPr>
         <p:spPr>
           <a:xfrm>
-            <a:off x="3826158" y="403264"/>
-            <a:ext cx="4226222" cy="420628"/>
+            <a:off x="4437757" y="413370"/>
+            <a:ext cx="3316485" cy="605294"/>
           </a:xfrm>
           <a:prstGeom prst="rect">
             <a:avLst/>
@@ -4823,7 +4818,7 @@
           </a:ln>
           <a:extLst>
             <a:ext uri="{C572A759-6A51-4108-AA02-DFA0A04FC94B}">
-              <ma14:wrappingTextBoxFlag xmlns="" xmlns:m="http://schemas.openxmlformats.org/officeDocument/2006/math" xmlns:a14="http://schemas.microsoft.com/office/drawing/2010/main" xmlns:ma14="http://schemas.microsoft.com/office/mac/drawingml/2011/main" val="1"/>
+              <ma14:wrappingTextBoxFlag xmlns:ma14="http://schemas.microsoft.com/office/mac/drawingml/2011/main" xmlns:a14="http://schemas.microsoft.com/office/drawing/2010/main" xmlns:m="http://schemas.openxmlformats.org/officeDocument/2006/math" xmlns="" val="1"/>
             </a:ext>
           </a:extLst>
         </p:spPr>
@@ -4833,27 +4828,32 @@
           </a:bodyPr>
           <a:lstStyle>
             <a:lvl1pPr>
-              <a:defRPr sz="4800"/>
+              <a:defRPr sz="4800">
+                <a:latin typeface="Avenir Next Regular"/>
+                <a:ea typeface="Avenir Next Regular"/>
+                <a:cs typeface="Avenir Next Regular"/>
+                <a:sym typeface="Avenir Next Regular"/>
+              </a:defRPr>
             </a:lvl1pPr>
           </a:lstStyle>
           <a:p>
             <a:r>
-              <a:rPr sz="2400"/>
-              <a:t>Where to get more information?</a:t>
-            </a:r>
-          </a:p>
-        </p:txBody>
-      </p:sp>
-      <p:sp>
-        <p:nvSpPr>
-          <p:cNvPr id="208" name="R for data science https://r4ds.hadley.nz/"/>
+              <a:rPr sz="3600" dirty="0"/>
+              <a:t>Downsides of R</a:t>
+            </a:r>
+          </a:p>
+        </p:txBody>
+      </p:sp>
+      <p:sp>
+        <p:nvSpPr>
+          <p:cNvPr id="205" name="Steep learning curve…"/>
           <p:cNvSpPr txBox="1"/>
           <p:nvPr/>
         </p:nvSpPr>
         <p:spPr>
           <a:xfrm>
-            <a:off x="3377401" y="1230549"/>
-            <a:ext cx="8234242" cy="605294"/>
+            <a:off x="2734117" y="1708016"/>
+            <a:ext cx="6723764" cy="1720984"/>
           </a:xfrm>
           <a:prstGeom prst="rect">
             <a:avLst/>
@@ -4863,7 +4863,7 @@
           </a:ln>
           <a:extLst>
             <a:ext uri="{C572A759-6A51-4108-AA02-DFA0A04FC94B}">
-              <ma14:wrappingTextBoxFlag xmlns="" xmlns:m="http://schemas.openxmlformats.org/officeDocument/2006/math" xmlns:a14="http://schemas.microsoft.com/office/drawing/2010/main" xmlns:ma14="http://schemas.microsoft.com/office/mac/drawingml/2011/main" val="1"/>
+              <ma14:wrappingTextBoxFlag xmlns:ma14="http://schemas.microsoft.com/office/mac/drawingml/2011/main" xmlns:a14="http://schemas.microsoft.com/office/drawing/2010/main" xmlns:m="http://schemas.openxmlformats.org/officeDocument/2006/math" xmlns="" val="1"/>
             </a:ext>
           </a:extLst>
         </p:spPr>
@@ -4873,188 +4873,87 @@
           </a:bodyPr>
           <a:lstStyle/>
           <a:p>
-            <a:pPr>
-              <a:defRPr sz="3600"/>
+            <a:pPr marL="114300" indent="-114300">
+              <a:spcBef>
+                <a:spcPts val="500"/>
+              </a:spcBef>
+              <a:buSzPct val="100000"/>
+              <a:buChar char="•"/>
+              <a:defRPr sz="3600">
+                <a:latin typeface="Avenir Next Regular"/>
+                <a:ea typeface="Avenir Next Regular"/>
+                <a:cs typeface="Avenir Next Regular"/>
+                <a:sym typeface="Avenir Next Regular"/>
+              </a:defRPr>
             </a:pPr>
             <a:r>
-              <a:t>R for data science </a:t>
-            </a:r>
-            <a:r>
-              <a:rPr u="sng">
-                <a:hlinkClick r:id="rId2"/>
-              </a:rPr>
-              <a:t>https://r4ds.hadley.nz/</a:t>
-            </a:r>
-          </a:p>
-        </p:txBody>
-      </p:sp>
-      <p:pic>
-        <p:nvPicPr>
-          <p:cNvPr id="209" name="Image" descr="Image"/>
-          <p:cNvPicPr>
-            <a:picLocks noChangeAspect="1"/>
-          </p:cNvPicPr>
-          <p:nvPr/>
-        </p:nvPicPr>
-        <p:blipFill>
-          <a:blip r:embed="rId3"/>
-          <a:stretch>
-            <a:fillRect/>
-          </a:stretch>
-        </p:blipFill>
-        <p:spPr>
-          <a:xfrm>
-            <a:off x="3049329" y="2799293"/>
-            <a:ext cx="5571061" cy="1931167"/>
-          </a:xfrm>
-          <a:prstGeom prst="rect">
-            <a:avLst/>
-          </a:prstGeom>
-          <a:ln w="12700">
-            <a:miter lim="400000"/>
-          </a:ln>
-        </p:spPr>
-      </p:pic>
-      <p:sp>
-        <p:nvSpPr>
-          <p:cNvPr id="210" name="https://style.tidyverse.org/syntax.html"/>
-          <p:cNvSpPr txBox="1"/>
-          <p:nvPr/>
-        </p:nvSpPr>
-        <p:spPr>
-          <a:xfrm>
-            <a:off x="484625" y="6051596"/>
-            <a:ext cx="1957267" cy="189796"/>
-          </a:xfrm>
-          <a:prstGeom prst="rect">
-            <a:avLst/>
-          </a:prstGeom>
-          <a:ln w="12700">
-            <a:miter lim="400000"/>
-          </a:ln>
-          <a:extLst>
-            <a:ext uri="{C572A759-6A51-4108-AA02-DFA0A04FC94B}">
-              <ma14:wrappingTextBoxFlag xmlns="" xmlns:m="http://schemas.openxmlformats.org/officeDocument/2006/math" xmlns:a14="http://schemas.microsoft.com/office/drawing/2010/main" xmlns:ma14="http://schemas.microsoft.com/office/mac/drawingml/2011/main" val="1"/>
-            </a:ext>
-          </a:extLst>
-        </p:spPr>
-        <p:txBody>
-          <a:bodyPr wrap="none" lIns="25400" tIns="25400" rIns="25400" bIns="25400" anchor="ctr">
-            <a:spAutoFit/>
-          </a:bodyPr>
-          <a:lstStyle/>
-          <a:p>
-            <a:r>
-              <a:rPr sz="900"/>
-              <a:t>https://style.tidyverse.org/syntax.html</a:t>
-            </a:r>
-          </a:p>
-        </p:txBody>
-      </p:sp>
-      <p:sp>
-        <p:nvSpPr>
-          <p:cNvPr id="211" name="Sticking to a style"/>
-          <p:cNvSpPr txBox="1"/>
-          <p:nvPr/>
-        </p:nvSpPr>
-        <p:spPr>
-          <a:xfrm>
-            <a:off x="1007677" y="5749652"/>
-            <a:ext cx="916918" cy="189796"/>
-          </a:xfrm>
-          <a:prstGeom prst="rect">
-            <a:avLst/>
-          </a:prstGeom>
-          <a:ln w="12700">
-            <a:miter lim="400000"/>
-          </a:ln>
-          <a:extLst>
-            <a:ext uri="{C572A759-6A51-4108-AA02-DFA0A04FC94B}">
-              <ma14:wrappingTextBoxFlag xmlns="" xmlns:m="http://schemas.openxmlformats.org/officeDocument/2006/math" xmlns:a14="http://schemas.microsoft.com/office/drawing/2010/main" xmlns:ma14="http://schemas.microsoft.com/office/mac/drawingml/2011/main" val="1"/>
-            </a:ext>
-          </a:extLst>
-        </p:spPr>
-        <p:txBody>
-          <a:bodyPr wrap="none" lIns="25400" tIns="25400" rIns="25400" bIns="25400" anchor="ctr">
-            <a:spAutoFit/>
-          </a:bodyPr>
-          <a:lstStyle/>
-          <a:p>
-            <a:r>
-              <a:rPr sz="900"/>
-              <a:t>Sticking to a style</a:t>
-            </a:r>
-          </a:p>
-        </p:txBody>
-      </p:sp>
-      <p:sp>
-        <p:nvSpPr>
-          <p:cNvPr id="212" name="https://melbournebioinformatics.github.io/r-intro-biologists/intro_r_biologists.html#R_for_Biologists_course"/>
-          <p:cNvSpPr txBox="1"/>
-          <p:nvPr/>
-        </p:nvSpPr>
-        <p:spPr>
-          <a:xfrm>
-            <a:off x="2807465" y="1924891"/>
-            <a:ext cx="5451813" cy="189796"/>
-          </a:xfrm>
-          <a:prstGeom prst="rect">
-            <a:avLst/>
-          </a:prstGeom>
-          <a:ln w="12700">
-            <a:miter lim="400000"/>
-          </a:ln>
-          <a:extLst>
-            <a:ext uri="{C572A759-6A51-4108-AA02-DFA0A04FC94B}">
-              <ma14:wrappingTextBoxFlag xmlns="" xmlns:m="http://schemas.openxmlformats.org/officeDocument/2006/math" xmlns:a14="http://schemas.microsoft.com/office/drawing/2010/main" xmlns:ma14="http://schemas.microsoft.com/office/mac/drawingml/2011/main" val="1"/>
-            </a:ext>
-          </a:extLst>
-        </p:spPr>
-        <p:txBody>
-          <a:bodyPr wrap="none" lIns="25400" tIns="25400" rIns="25400" bIns="25400" anchor="ctr">
-            <a:spAutoFit/>
-          </a:bodyPr>
-          <a:lstStyle/>
-          <a:p>
-            <a:r>
-              <a:rPr sz="900"/>
-              <a:t>https://melbournebioinformatics.github.io/r-intro-biologists/intro_r_biologists.html#R_for_Biologists_course</a:t>
-            </a:r>
-          </a:p>
-        </p:txBody>
-      </p:sp>
-      <p:sp>
-        <p:nvSpPr>
-          <p:cNvPr id="213" name="http://r-statistics.co/Complete-Ggplot2-Tutorial-Part1-With-R-Code.html"/>
-          <p:cNvSpPr txBox="1"/>
-          <p:nvPr/>
-        </p:nvSpPr>
-        <p:spPr>
-          <a:xfrm>
-            <a:off x="2817961" y="1712592"/>
-            <a:ext cx="3699731" cy="189796"/>
-          </a:xfrm>
-          <a:prstGeom prst="rect">
-            <a:avLst/>
-          </a:prstGeom>
-          <a:ln w="12700">
-            <a:miter lim="400000"/>
-          </a:ln>
-          <a:extLst>
-            <a:ext uri="{C572A759-6A51-4108-AA02-DFA0A04FC94B}">
-              <ma14:wrappingTextBoxFlag xmlns="" xmlns:m="http://schemas.openxmlformats.org/officeDocument/2006/math" xmlns:a14="http://schemas.microsoft.com/office/drawing/2010/main" xmlns:ma14="http://schemas.microsoft.com/office/mac/drawingml/2011/main" val="1"/>
-            </a:ext>
-          </a:extLst>
-        </p:spPr>
-        <p:txBody>
-          <a:bodyPr wrap="none" lIns="25400" tIns="25400" rIns="25400" bIns="25400" anchor="ctr">
-            <a:spAutoFit/>
-          </a:bodyPr>
-          <a:lstStyle/>
-          <a:p>
-            <a:r>
-              <a:rPr sz="900"/>
-              <a:t>http://r-statistics.co/Complete-Ggplot2-Tutorial-Part1-With-R-Code.html</a:t>
+              <a:rPr sz="2400" dirty="0"/>
+              <a:t>Steep learning curve </a:t>
+            </a:r>
+          </a:p>
+          <a:p>
+            <a:pPr marL="114300" indent="-114300">
+              <a:spcBef>
+                <a:spcPts val="500"/>
+              </a:spcBef>
+              <a:buSzPct val="100000"/>
+              <a:buChar char="•"/>
+              <a:defRPr sz="3600">
+                <a:latin typeface="Avenir Next Regular"/>
+                <a:ea typeface="Avenir Next Regular"/>
+                <a:cs typeface="Avenir Next Regular"/>
+                <a:sym typeface="Avenir Next Regular"/>
+              </a:defRPr>
+            </a:pPr>
+            <a:r>
+              <a:rPr sz="2400" dirty="0"/>
+              <a:t>Multiple ways to do things (base vs </a:t>
+            </a:r>
+            <a:r>
+              <a:rPr sz="2400" dirty="0" err="1"/>
+              <a:t>tidyverse</a:t>
+            </a:r>
+            <a:r>
+              <a:rPr sz="2400" dirty="0"/>
+              <a:t>)</a:t>
+            </a:r>
+          </a:p>
+          <a:p>
+            <a:pPr marL="114300" indent="-114300">
+              <a:spcBef>
+                <a:spcPts val="500"/>
+              </a:spcBef>
+              <a:buSzPct val="100000"/>
+              <a:buChar char="•"/>
+              <a:defRPr sz="3600">
+                <a:latin typeface="Avenir Next Regular"/>
+                <a:ea typeface="Avenir Next Regular"/>
+                <a:cs typeface="Avenir Next Regular"/>
+                <a:sym typeface="Avenir Next Regular"/>
+              </a:defRPr>
+            </a:pPr>
+            <a:r>
+              <a:rPr sz="2400" dirty="0"/>
+              <a:t>Syntax is unlike other programming languages</a:t>
+            </a:r>
+          </a:p>
+          <a:p>
+            <a:pPr marL="114300" indent="-114300">
+              <a:spcBef>
+                <a:spcPts val="500"/>
+              </a:spcBef>
+              <a:buSzPct val="100000"/>
+              <a:buChar char="•"/>
+              <a:defRPr sz="3600">
+                <a:latin typeface="Avenir Next Regular"/>
+                <a:ea typeface="Avenir Next Regular"/>
+                <a:cs typeface="Avenir Next Regular"/>
+                <a:sym typeface="Avenir Next Regular"/>
+              </a:defRPr>
+            </a:pPr>
+            <a:r>
+              <a:rPr sz="2400" dirty="0"/>
+              <a:t>Not a general programming language</a:t>
             </a:r>
           </a:p>
         </p:txBody>
@@ -5086,14 +4985,14 @@
       </p:grpSpPr>
       <p:sp>
         <p:nvSpPr>
-          <p:cNvPr id="215" name="Basic Syntax"/>
+          <p:cNvPr id="207" name="Where to get more information?"/>
           <p:cNvSpPr txBox="1"/>
           <p:nvPr/>
         </p:nvSpPr>
         <p:spPr>
           <a:xfrm>
-            <a:off x="5284159" y="326809"/>
-            <a:ext cx="1730795" cy="420628"/>
+            <a:off x="3049329" y="282952"/>
+            <a:ext cx="6321795" cy="605294"/>
           </a:xfrm>
           <a:prstGeom prst="rect">
             <a:avLst/>
@@ -5103,7 +5002,7 @@
           </a:ln>
           <a:extLst>
             <a:ext uri="{C572A759-6A51-4108-AA02-DFA0A04FC94B}">
-              <ma14:wrappingTextBoxFlag xmlns="" xmlns:m="http://schemas.openxmlformats.org/officeDocument/2006/math" xmlns:a14="http://schemas.microsoft.com/office/drawing/2010/main" xmlns:ma14="http://schemas.microsoft.com/office/mac/drawingml/2011/main" val="1"/>
+              <ma14:wrappingTextBoxFlag xmlns:ma14="http://schemas.microsoft.com/office/mac/drawingml/2011/main" xmlns:a14="http://schemas.microsoft.com/office/drawing/2010/main" xmlns:m="http://schemas.openxmlformats.org/officeDocument/2006/math" xmlns="" val="1"/>
             </a:ext>
           </a:extLst>
         </p:spPr>
@@ -5118,22 +5017,22 @@
           </a:lstStyle>
           <a:p>
             <a:r>
-              <a:rPr sz="2400"/>
-              <a:t>Basic Syntax</a:t>
-            </a:r>
-          </a:p>
-        </p:txBody>
-      </p:sp>
-      <p:sp>
-        <p:nvSpPr>
-          <p:cNvPr id="216" name="a &lt;- “some string”"/>
+              <a:rPr sz="3600" dirty="0"/>
+              <a:t>Where to get more information?</a:t>
+            </a:r>
+          </a:p>
+        </p:txBody>
+      </p:sp>
+      <p:sp>
+        <p:nvSpPr>
+          <p:cNvPr id="208" name="R for data science https://r4ds.hadley.nz/"/>
           <p:cNvSpPr txBox="1"/>
           <p:nvPr/>
         </p:nvSpPr>
         <p:spPr>
           <a:xfrm>
-            <a:off x="5019358" y="2073515"/>
-            <a:ext cx="1824474" cy="328295"/>
+            <a:off x="1717738" y="1109597"/>
+            <a:ext cx="8234242" cy="605294"/>
           </a:xfrm>
           <a:prstGeom prst="rect">
             <a:avLst/>
@@ -5143,7 +5042,7 @@
           </a:ln>
           <a:extLst>
             <a:ext uri="{C572A759-6A51-4108-AA02-DFA0A04FC94B}">
-              <ma14:wrappingTextBoxFlag xmlns="" xmlns:m="http://schemas.openxmlformats.org/officeDocument/2006/math" xmlns:a14="http://schemas.microsoft.com/office/drawing/2010/main" xmlns:ma14="http://schemas.microsoft.com/office/mac/drawingml/2011/main" val="1"/>
+              <ma14:wrappingTextBoxFlag xmlns:ma14="http://schemas.microsoft.com/office/mac/drawingml/2011/main" xmlns:a14="http://schemas.microsoft.com/office/drawing/2010/main" xmlns:m="http://schemas.openxmlformats.org/officeDocument/2006/math" xmlns="" val="1"/>
             </a:ext>
           </a:extLst>
         </p:spPr>
@@ -5151,29 +5050,61 @@
           <a:bodyPr wrap="none" lIns="25400" tIns="25400" rIns="25400" bIns="25400" anchor="ctr">
             <a:spAutoFit/>
           </a:bodyPr>
-          <a:lstStyle>
-            <a:lvl1pPr>
+          <a:lstStyle/>
+          <a:p>
+            <a:pPr>
               <a:defRPr sz="3600"/>
-            </a:lvl1pPr>
-          </a:lstStyle>
-          <a:p>
-            <a:r>
-              <a:rPr sz="1800"/>
-              <a:t>a &lt;- “some string”</a:t>
-            </a:r>
-          </a:p>
-        </p:txBody>
-      </p:sp>
-      <p:sp>
-        <p:nvSpPr>
-          <p:cNvPr id="217" name="variable"/>
+            </a:pPr>
+            <a:r>
+              <a:rPr dirty="0"/>
+              <a:t>R for data science </a:t>
+            </a:r>
+            <a:r>
+              <a:rPr u="sng" dirty="0">
+                <a:hlinkClick r:id="rId2"/>
+              </a:rPr>
+              <a:t>https://r4ds.hadley.nz/</a:t>
+            </a:r>
+          </a:p>
+        </p:txBody>
+      </p:sp>
+      <p:pic>
+        <p:nvPicPr>
+          <p:cNvPr id="209" name="Image" descr="Image"/>
+          <p:cNvPicPr>
+            <a:picLocks noChangeAspect="1"/>
+          </p:cNvPicPr>
+          <p:nvPr/>
+        </p:nvPicPr>
+        <p:blipFill>
+          <a:blip r:embed="rId3"/>
+          <a:stretch>
+            <a:fillRect/>
+          </a:stretch>
+        </p:blipFill>
+        <p:spPr>
+          <a:xfrm>
+            <a:off x="2837456" y="3178435"/>
+            <a:ext cx="8836067" cy="3062957"/>
+          </a:xfrm>
+          <a:prstGeom prst="rect">
+            <a:avLst/>
+          </a:prstGeom>
+          <a:ln w="12700">
+            <a:miter lim="400000"/>
+          </a:ln>
+        </p:spPr>
+      </p:pic>
+      <p:sp>
+        <p:nvSpPr>
+          <p:cNvPr id="210" name="https://style.tidyverse.org/syntax.html"/>
           <p:cNvSpPr txBox="1"/>
           <p:nvPr/>
         </p:nvSpPr>
         <p:spPr>
           <a:xfrm>
-            <a:off x="3805679" y="3091917"/>
-            <a:ext cx="844014" cy="328295"/>
+            <a:off x="197525" y="6241392"/>
+            <a:ext cx="3378297" cy="297517"/>
           </a:xfrm>
           <a:prstGeom prst="rect">
             <a:avLst/>
@@ -5183,7 +5114,7 @@
           </a:ln>
           <a:extLst>
             <a:ext uri="{C572A759-6A51-4108-AA02-DFA0A04FC94B}">
-              <ma14:wrappingTextBoxFlag xmlns="" xmlns:m="http://schemas.openxmlformats.org/officeDocument/2006/math" xmlns:a14="http://schemas.microsoft.com/office/drawing/2010/main" xmlns:ma14="http://schemas.microsoft.com/office/mac/drawingml/2011/main" val="1"/>
+              <ma14:wrappingTextBoxFlag xmlns:ma14="http://schemas.microsoft.com/office/mac/drawingml/2011/main" xmlns:a14="http://schemas.microsoft.com/office/drawing/2010/main" xmlns:m="http://schemas.openxmlformats.org/officeDocument/2006/math" xmlns="" val="1"/>
             </a:ext>
           </a:extLst>
         </p:spPr>
@@ -5191,29 +5122,38 @@
           <a:bodyPr wrap="none" lIns="25400" tIns="25400" rIns="25400" bIns="25400" anchor="ctr">
             <a:spAutoFit/>
           </a:bodyPr>
-          <a:lstStyle>
-            <a:lvl1pPr>
-              <a:defRPr sz="3600"/>
-            </a:lvl1pPr>
-          </a:lstStyle>
-          <a:p>
-            <a:r>
-              <a:rPr sz="1800"/>
-              <a:t>variable</a:t>
-            </a:r>
-          </a:p>
-        </p:txBody>
-      </p:sp>
-      <p:sp>
-        <p:nvSpPr>
-          <p:cNvPr id="218" name="assignment"/>
+          <a:lstStyle/>
+          <a:p>
+            <a:r>
+              <a:rPr sz="1600" dirty="0"/>
+              <a:t>https://</a:t>
+            </a:r>
+            <a:r>
+              <a:rPr sz="1600" dirty="0" err="1"/>
+              <a:t>style.tidyverse.org</a:t>
+            </a:r>
+            <a:r>
+              <a:rPr sz="1600" dirty="0"/>
+              <a:t>/</a:t>
+            </a:r>
+            <a:r>
+              <a:rPr sz="1600" dirty="0" err="1"/>
+              <a:t>syntax.html</a:t>
+            </a:r>
+            <a:endParaRPr sz="1600" dirty="0"/>
+          </a:p>
+        </p:txBody>
+      </p:sp>
+      <p:sp>
+        <p:nvSpPr>
+          <p:cNvPr id="211" name="Sticking to a style"/>
           <p:cNvSpPr txBox="1"/>
           <p:nvPr/>
         </p:nvSpPr>
         <p:spPr>
           <a:xfrm>
-            <a:off x="4783282" y="3264853"/>
-            <a:ext cx="1213474" cy="328295"/>
+            <a:off x="197525" y="5943875"/>
+            <a:ext cx="1581523" cy="297517"/>
           </a:xfrm>
           <a:prstGeom prst="rect">
             <a:avLst/>
@@ -5223,7 +5163,7 @@
           </a:ln>
           <a:extLst>
             <a:ext uri="{C572A759-6A51-4108-AA02-DFA0A04FC94B}">
-              <ma14:wrappingTextBoxFlag xmlns="" xmlns:m="http://schemas.openxmlformats.org/officeDocument/2006/math" xmlns:a14="http://schemas.microsoft.com/office/drawing/2010/main" xmlns:ma14="http://schemas.microsoft.com/office/mac/drawingml/2011/main" val="1"/>
+              <ma14:wrappingTextBoxFlag xmlns:ma14="http://schemas.microsoft.com/office/mac/drawingml/2011/main" xmlns:a14="http://schemas.microsoft.com/office/drawing/2010/main" xmlns:m="http://schemas.openxmlformats.org/officeDocument/2006/math" xmlns="" val="1"/>
             </a:ext>
           </a:extLst>
         </p:spPr>
@@ -5231,29 +5171,25 @@
           <a:bodyPr wrap="none" lIns="25400" tIns="25400" rIns="25400" bIns="25400" anchor="ctr">
             <a:spAutoFit/>
           </a:bodyPr>
-          <a:lstStyle>
-            <a:lvl1pPr>
-              <a:defRPr sz="3600"/>
-            </a:lvl1pPr>
-          </a:lstStyle>
-          <a:p>
-            <a:r>
-              <a:rPr sz="1800"/>
-              <a:t>assignment</a:t>
-            </a:r>
-          </a:p>
-        </p:txBody>
-      </p:sp>
-      <p:sp>
-        <p:nvSpPr>
-          <p:cNvPr id="219" name="string"/>
+          <a:lstStyle/>
+          <a:p>
+            <a:r>
+              <a:rPr sz="1600" dirty="0"/>
+              <a:t>Sticking to a style</a:t>
+            </a:r>
+          </a:p>
+        </p:txBody>
+      </p:sp>
+      <p:sp>
+        <p:nvSpPr>
+          <p:cNvPr id="212" name="https://melbournebioinformatics.github.io/r-intro-biologists/intro_r_biologists.html#R_for_Biologists_course"/>
           <p:cNvSpPr txBox="1"/>
           <p:nvPr/>
         </p:nvSpPr>
         <p:spPr>
           <a:xfrm>
-            <a:off x="6542774" y="3264853"/>
-            <a:ext cx="607795" cy="328295"/>
+            <a:off x="1187074" y="2155334"/>
+            <a:ext cx="11592499" cy="789960"/>
           </a:xfrm>
           <a:prstGeom prst="rect">
             <a:avLst/>
@@ -5263,7 +5199,56 @@
           </a:ln>
           <a:extLst>
             <a:ext uri="{C572A759-6A51-4108-AA02-DFA0A04FC94B}">
-              <ma14:wrappingTextBoxFlag xmlns="" xmlns:m="http://schemas.openxmlformats.org/officeDocument/2006/math" xmlns:a14="http://schemas.microsoft.com/office/drawing/2010/main" xmlns:ma14="http://schemas.microsoft.com/office/mac/drawingml/2011/main" val="1"/>
+              <ma14:wrappingTextBoxFlag xmlns:ma14="http://schemas.microsoft.com/office/mac/drawingml/2011/main" xmlns:a14="http://schemas.microsoft.com/office/drawing/2010/main" xmlns:m="http://schemas.openxmlformats.org/officeDocument/2006/math" xmlns="" val="1"/>
+            </a:ext>
+          </a:extLst>
+        </p:spPr>
+        <p:txBody>
+          <a:bodyPr wrap="square" lIns="25400" tIns="25400" rIns="25400" bIns="25400" anchor="ctr">
+            <a:spAutoFit/>
+          </a:bodyPr>
+          <a:lstStyle/>
+          <a:p>
+            <a:r>
+              <a:rPr sz="2400" dirty="0"/>
+              <a:t>https://</a:t>
+            </a:r>
+            <a:r>
+              <a:rPr sz="2400" dirty="0" err="1"/>
+              <a:t>melbournebioinformatics.github.io</a:t>
+            </a:r>
+            <a:r>
+              <a:rPr sz="2400" dirty="0"/>
+              <a:t>/r-intro-biologists/</a:t>
+            </a:r>
+            <a:r>
+              <a:rPr sz="2400" dirty="0" err="1"/>
+              <a:t>intro_r_biologists.html#R_for_Biologists_course</a:t>
+            </a:r>
+            <a:endParaRPr sz="2400" dirty="0"/>
+          </a:p>
+        </p:txBody>
+      </p:sp>
+      <p:sp>
+        <p:nvSpPr>
+          <p:cNvPr id="213" name="http://r-statistics.co/Complete-Ggplot2-Tutorial-Part1-With-R-Code.html"/>
+          <p:cNvSpPr txBox="1"/>
+          <p:nvPr/>
+        </p:nvSpPr>
+        <p:spPr>
+          <a:xfrm>
+            <a:off x="1717738" y="1714891"/>
+            <a:ext cx="7281032" cy="328295"/>
+          </a:xfrm>
+          <a:prstGeom prst="rect">
+            <a:avLst/>
+          </a:prstGeom>
+          <a:ln w="12700">
+            <a:miter lim="400000"/>
+          </a:ln>
+          <a:extLst>
+            <a:ext uri="{C572A759-6A51-4108-AA02-DFA0A04FC94B}">
+              <ma14:wrappingTextBoxFlag xmlns:ma14="http://schemas.microsoft.com/office/mac/drawingml/2011/main" xmlns:a14="http://schemas.microsoft.com/office/drawing/2010/main" xmlns:m="http://schemas.openxmlformats.org/officeDocument/2006/math" xmlns="" val="1"/>
             </a:ext>
           </a:extLst>
         </p:spPr>
@@ -5271,106 +5256,20 @@
           <a:bodyPr wrap="none" lIns="25400" tIns="25400" rIns="25400" bIns="25400" anchor="ctr">
             <a:spAutoFit/>
           </a:bodyPr>
-          <a:lstStyle>
-            <a:lvl1pPr>
-              <a:defRPr sz="3600"/>
-            </a:lvl1pPr>
-          </a:lstStyle>
-          <a:p>
-            <a:r>
-              <a:rPr sz="1800"/>
-              <a:t>string</a:t>
-            </a:r>
-          </a:p>
-        </p:txBody>
-      </p:sp>
-      <p:sp>
-        <p:nvSpPr>
-          <p:cNvPr id="220" name="Line"/>
-          <p:cNvSpPr/>
-          <p:nvPr/>
-        </p:nvSpPr>
-        <p:spPr>
-          <a:xfrm flipV="1">
-            <a:off x="4356580" y="2410148"/>
-            <a:ext cx="635001" cy="635001"/>
-          </a:xfrm>
-          <a:prstGeom prst="line">
-            <a:avLst/>
-          </a:prstGeom>
-          <a:ln w="25400">
-            <a:solidFill>
-              <a:srgbClr val="000000"/>
-            </a:solidFill>
-            <a:miter lim="400000"/>
-            <a:tailEnd type="triangle"/>
-          </a:ln>
-        </p:spPr>
-        <p:txBody>
-          <a:bodyPr lIns="25400" tIns="25400" rIns="25400" bIns="25400" anchor="ctr"/>
           <a:lstStyle/>
           <a:p>
-            <a:endParaRPr sz="900"/>
-          </a:p>
-        </p:txBody>
-      </p:sp>
-      <p:sp>
-        <p:nvSpPr>
-          <p:cNvPr id="221" name="Line"/>
-          <p:cNvSpPr/>
-          <p:nvPr/>
-        </p:nvSpPr>
-        <p:spPr>
-          <a:xfrm flipV="1">
-            <a:off x="5400502" y="2418247"/>
-            <a:ext cx="1" cy="757798"/>
-          </a:xfrm>
-          <a:prstGeom prst="line">
-            <a:avLst/>
-          </a:prstGeom>
-          <a:ln w="25400">
-            <a:solidFill>
-              <a:srgbClr val="000000"/>
-            </a:solidFill>
-            <a:miter lim="400000"/>
-            <a:tailEnd type="triangle"/>
-          </a:ln>
-        </p:spPr>
-        <p:txBody>
-          <a:bodyPr lIns="25400" tIns="25400" rIns="25400" bIns="25400" anchor="ctr"/>
-          <a:lstStyle/>
-          <a:p>
-            <a:endParaRPr sz="900"/>
-          </a:p>
-        </p:txBody>
-      </p:sp>
-      <p:sp>
-        <p:nvSpPr>
-          <p:cNvPr id="222" name="Line"/>
-          <p:cNvSpPr/>
-          <p:nvPr/>
-        </p:nvSpPr>
-        <p:spPr>
-          <a:xfrm flipH="1" flipV="1">
-            <a:off x="6386329" y="2418247"/>
-            <a:ext cx="261206" cy="755660"/>
-          </a:xfrm>
-          <a:prstGeom prst="line">
-            <a:avLst/>
-          </a:prstGeom>
-          <a:ln w="25400">
-            <a:solidFill>
-              <a:srgbClr val="000000"/>
-            </a:solidFill>
-            <a:miter lim="400000"/>
-            <a:tailEnd type="triangle"/>
-          </a:ln>
-        </p:spPr>
-        <p:txBody>
-          <a:bodyPr lIns="25400" tIns="25400" rIns="25400" bIns="25400" anchor="ctr"/>
-          <a:lstStyle/>
-          <a:p>
-            <a:endParaRPr sz="900"/>
+            <a:r>
+              <a:rPr dirty="0"/>
+              <a:t>http://r-</a:t>
+            </a:r>
+            <a:r>
+              <a:rPr dirty="0" err="1"/>
+              <a:t>statistics.co</a:t>
+            </a:r>
+            <a:r>
+              <a:rPr dirty="0"/>
+              <a:t>/Complete-Ggplot2-Tutorial-Part1-With-R-Code.html</a:t>
+            </a:r>
           </a:p>
         </p:txBody>
       </p:sp>
@@ -5401,7 +5300,7 @@
       </p:grpSpPr>
       <p:sp>
         <p:nvSpPr>
-          <p:cNvPr id="224" name="Basic Syntax"/>
+          <p:cNvPr id="215" name="Basic Syntax"/>
           <p:cNvSpPr txBox="1"/>
           <p:nvPr/>
         </p:nvSpPr>
@@ -5418,7 +5317,7 @@
           </a:ln>
           <a:extLst>
             <a:ext uri="{C572A759-6A51-4108-AA02-DFA0A04FC94B}">
-              <ma14:wrappingTextBoxFlag xmlns="" xmlns:m="http://schemas.openxmlformats.org/officeDocument/2006/math" xmlns:a14="http://schemas.microsoft.com/office/drawing/2010/main" xmlns:ma14="http://schemas.microsoft.com/office/mac/drawingml/2011/main" val="1"/>
+              <ma14:wrappingTextBoxFlag xmlns:ma14="http://schemas.microsoft.com/office/mac/drawingml/2011/main" xmlns:a14="http://schemas.microsoft.com/office/drawing/2010/main" xmlns:m="http://schemas.openxmlformats.org/officeDocument/2006/math" xmlns="" val="1"/>
             </a:ext>
           </a:extLst>
         </p:spPr>
@@ -5441,14 +5340,14 @@
       </p:sp>
       <p:sp>
         <p:nvSpPr>
-          <p:cNvPr id="225" name="a &lt;- “some string”"/>
+          <p:cNvPr id="216" name="a &lt;- “some string”"/>
           <p:cNvSpPr txBox="1"/>
           <p:nvPr/>
         </p:nvSpPr>
         <p:spPr>
           <a:xfrm>
-            <a:off x="5023598" y="2036899"/>
-            <a:ext cx="2069156" cy="366767"/>
+            <a:off x="5019358" y="2073515"/>
+            <a:ext cx="1824474" cy="328295"/>
           </a:xfrm>
           <a:prstGeom prst="rect">
             <a:avLst/>
@@ -5458,7 +5357,7 @@
           </a:ln>
           <a:extLst>
             <a:ext uri="{C572A759-6A51-4108-AA02-DFA0A04FC94B}">
-              <ma14:wrappingTextBoxFlag xmlns="" xmlns:m="http://schemas.openxmlformats.org/officeDocument/2006/math" xmlns:a14="http://schemas.microsoft.com/office/drawing/2010/main" xmlns:ma14="http://schemas.microsoft.com/office/mac/drawingml/2011/main" val="1"/>
+              <ma14:wrappingTextBoxFlag xmlns:ma14="http://schemas.microsoft.com/office/mac/drawingml/2011/main" xmlns:a14="http://schemas.microsoft.com/office/drawing/2010/main" xmlns:m="http://schemas.openxmlformats.org/officeDocument/2006/math" xmlns="" val="1"/>
             </a:ext>
           </a:extLst>
         </p:spPr>
@@ -5468,12 +5367,12 @@
           </a:bodyPr>
           <a:lstStyle>
             <a:lvl1pPr>
-              <a:defRPr sz="4100"/>
+              <a:defRPr sz="3600"/>
             </a:lvl1pPr>
           </a:lstStyle>
           <a:p>
             <a:r>
-              <a:rPr sz="2050"/>
+              <a:rPr sz="1800"/>
               <a:t>a &lt;- “some string”</a:t>
             </a:r>
           </a:p>
@@ -5481,14 +5380,14 @@
       </p:sp>
       <p:sp>
         <p:nvSpPr>
-          <p:cNvPr id="226" name="b &lt;- c( “a”, “vector”, “of”, “words”)"/>
+          <p:cNvPr id="217" name="variable"/>
           <p:cNvSpPr txBox="1"/>
           <p:nvPr/>
         </p:nvSpPr>
         <p:spPr>
           <a:xfrm>
-            <a:off x="5023598" y="2541687"/>
-            <a:ext cx="3814442" cy="366767"/>
+            <a:off x="3805679" y="3091917"/>
+            <a:ext cx="844014" cy="328295"/>
           </a:xfrm>
           <a:prstGeom prst="rect">
             <a:avLst/>
@@ -5498,7 +5397,7 @@
           </a:ln>
           <a:extLst>
             <a:ext uri="{C572A759-6A51-4108-AA02-DFA0A04FC94B}">
-              <ma14:wrappingTextBoxFlag xmlns="" xmlns:m="http://schemas.openxmlformats.org/officeDocument/2006/math" xmlns:a14="http://schemas.microsoft.com/office/drawing/2010/main" xmlns:ma14="http://schemas.microsoft.com/office/mac/drawingml/2011/main" val="1"/>
+              <ma14:wrappingTextBoxFlag xmlns:ma14="http://schemas.microsoft.com/office/mac/drawingml/2011/main" xmlns:a14="http://schemas.microsoft.com/office/drawing/2010/main" xmlns:m="http://schemas.openxmlformats.org/officeDocument/2006/math" xmlns="" val="1"/>
             </a:ext>
           </a:extLst>
         </p:spPr>
@@ -5508,27 +5407,27 @@
           </a:bodyPr>
           <a:lstStyle>
             <a:lvl1pPr>
-              <a:defRPr sz="4100"/>
+              <a:defRPr sz="3600"/>
             </a:lvl1pPr>
           </a:lstStyle>
           <a:p>
             <a:r>
-              <a:rPr sz="2050"/>
-              <a:t>b &lt;- c( “a”, “vector”, “of”, “words”)</a:t>
-            </a:r>
-          </a:p>
-        </p:txBody>
-      </p:sp>
-      <p:sp>
-        <p:nvSpPr>
-          <p:cNvPr id="227" name="d &lt;- list( “also” “a”, “list”)"/>
+              <a:rPr sz="1800"/>
+              <a:t>variable</a:t>
+            </a:r>
+          </a:p>
+        </p:txBody>
+      </p:sp>
+      <p:sp>
+        <p:nvSpPr>
+          <p:cNvPr id="218" name="assignment"/>
           <p:cNvSpPr txBox="1"/>
           <p:nvPr/>
         </p:nvSpPr>
         <p:spPr>
           <a:xfrm>
-            <a:off x="5013991" y="3018312"/>
-            <a:ext cx="2843599" cy="366767"/>
+            <a:off x="4783282" y="3264853"/>
+            <a:ext cx="1213474" cy="328295"/>
           </a:xfrm>
           <a:prstGeom prst="rect">
             <a:avLst/>
@@ -5538,7 +5437,7 @@
           </a:ln>
           <a:extLst>
             <a:ext uri="{C572A759-6A51-4108-AA02-DFA0A04FC94B}">
-              <ma14:wrappingTextBoxFlag xmlns="" xmlns:m="http://schemas.openxmlformats.org/officeDocument/2006/math" xmlns:a14="http://schemas.microsoft.com/office/drawing/2010/main" xmlns:ma14="http://schemas.microsoft.com/office/mac/drawingml/2011/main" val="1"/>
+              <ma14:wrappingTextBoxFlag xmlns:ma14="http://schemas.microsoft.com/office/mac/drawingml/2011/main" xmlns:a14="http://schemas.microsoft.com/office/drawing/2010/main" xmlns:m="http://schemas.openxmlformats.org/officeDocument/2006/math" xmlns="" val="1"/>
             </a:ext>
           </a:extLst>
         </p:spPr>
@@ -5548,27 +5447,27 @@
           </a:bodyPr>
           <a:lstStyle>
             <a:lvl1pPr>
-              <a:defRPr sz="4100"/>
+              <a:defRPr sz="3600"/>
             </a:lvl1pPr>
           </a:lstStyle>
           <a:p>
             <a:r>
-              <a:rPr sz="2050"/>
-              <a:t>d &lt;- list( “also” “a”, “list”)</a:t>
-            </a:r>
-          </a:p>
-        </p:txBody>
-      </p:sp>
-      <p:sp>
-        <p:nvSpPr>
-          <p:cNvPr id="228" name="vector"/>
+              <a:rPr sz="1800"/>
+              <a:t>assignment</a:t>
+            </a:r>
+          </a:p>
+        </p:txBody>
+      </p:sp>
+      <p:sp>
+        <p:nvSpPr>
+          <p:cNvPr id="219" name="string"/>
           <p:cNvSpPr txBox="1"/>
           <p:nvPr/>
         </p:nvSpPr>
         <p:spPr>
           <a:xfrm>
-            <a:off x="3874735" y="2434829"/>
-            <a:ext cx="759182" cy="366767"/>
+            <a:off x="6542774" y="3264853"/>
+            <a:ext cx="607795" cy="328295"/>
           </a:xfrm>
           <a:prstGeom prst="rect">
             <a:avLst/>
@@ -5578,7 +5477,7 @@
           </a:ln>
           <a:extLst>
             <a:ext uri="{C572A759-6A51-4108-AA02-DFA0A04FC94B}">
-              <ma14:wrappingTextBoxFlag xmlns="" xmlns:m="http://schemas.openxmlformats.org/officeDocument/2006/math" xmlns:a14="http://schemas.microsoft.com/office/drawing/2010/main" xmlns:ma14="http://schemas.microsoft.com/office/mac/drawingml/2011/main" val="1"/>
+              <ma14:wrappingTextBoxFlag xmlns:ma14="http://schemas.microsoft.com/office/mac/drawingml/2011/main" xmlns:a14="http://schemas.microsoft.com/office/drawing/2010/main" xmlns:m="http://schemas.openxmlformats.org/officeDocument/2006/math" xmlns="" val="1"/>
             </a:ext>
           </a:extLst>
         </p:spPr>
@@ -5588,182 +5487,104 @@
           </a:bodyPr>
           <a:lstStyle>
             <a:lvl1pPr>
-              <a:defRPr sz="4100"/>
+              <a:defRPr sz="3600"/>
             </a:lvl1pPr>
           </a:lstStyle>
           <a:p>
             <a:r>
-              <a:rPr sz="2050"/>
-              <a:t>vector</a:t>
-            </a:r>
-          </a:p>
-        </p:txBody>
-      </p:sp>
-      <p:sp>
-        <p:nvSpPr>
-          <p:cNvPr id="229" name="character"/>
-          <p:cNvSpPr txBox="1"/>
-          <p:nvPr/>
-        </p:nvSpPr>
-        <p:spPr>
-          <a:xfrm>
-            <a:off x="3503476" y="2045332"/>
-            <a:ext cx="1140249" cy="366767"/>
-          </a:xfrm>
-          <a:prstGeom prst="rect">
-            <a:avLst/>
-          </a:prstGeom>
-          <a:ln w="12700">
-            <a:miter lim="400000"/>
-          </a:ln>
-          <a:extLst>
-            <a:ext uri="{C572A759-6A51-4108-AA02-DFA0A04FC94B}">
-              <ma14:wrappingTextBoxFlag xmlns="" xmlns:m="http://schemas.openxmlformats.org/officeDocument/2006/math" xmlns:a14="http://schemas.microsoft.com/office/drawing/2010/main" xmlns:ma14="http://schemas.microsoft.com/office/mac/drawingml/2011/main" val="1"/>
-            </a:ext>
-          </a:extLst>
-        </p:spPr>
-        <p:txBody>
-          <a:bodyPr wrap="none" lIns="25400" tIns="25400" rIns="25400" bIns="25400" anchor="ctr">
-            <a:spAutoFit/>
-          </a:bodyPr>
-          <a:lstStyle>
-            <a:lvl1pPr>
-              <a:defRPr sz="4100"/>
-            </a:lvl1pPr>
-          </a:lstStyle>
-          <a:p>
-            <a:r>
-              <a:rPr sz="2050"/>
-              <a:t>character</a:t>
-            </a:r>
-          </a:p>
-        </p:txBody>
-      </p:sp>
-      <p:sp>
-        <p:nvSpPr>
-          <p:cNvPr id="230" name="list"/>
-          <p:cNvSpPr txBox="1"/>
-          <p:nvPr/>
-        </p:nvSpPr>
-        <p:spPr>
-          <a:xfrm>
-            <a:off x="4082904" y="2844201"/>
-            <a:ext cx="394403" cy="366767"/>
-          </a:xfrm>
-          <a:prstGeom prst="rect">
-            <a:avLst/>
-          </a:prstGeom>
-          <a:ln w="12700">
-            <a:miter lim="400000"/>
-          </a:ln>
-          <a:extLst>
-            <a:ext uri="{C572A759-6A51-4108-AA02-DFA0A04FC94B}">
-              <ma14:wrappingTextBoxFlag xmlns="" xmlns:m="http://schemas.openxmlformats.org/officeDocument/2006/math" xmlns:a14="http://schemas.microsoft.com/office/drawing/2010/main" xmlns:ma14="http://schemas.microsoft.com/office/mac/drawingml/2011/main" val="1"/>
-            </a:ext>
-          </a:extLst>
-        </p:spPr>
-        <p:txBody>
-          <a:bodyPr wrap="none" lIns="25400" tIns="25400" rIns="25400" bIns="25400" anchor="ctr">
-            <a:spAutoFit/>
-          </a:bodyPr>
-          <a:lstStyle>
-            <a:lvl1pPr>
-              <a:defRPr sz="4100"/>
-            </a:lvl1pPr>
-          </a:lstStyle>
-          <a:p>
-            <a:r>
-              <a:rPr sz="2050"/>
-              <a:t>list</a:t>
-            </a:r>
-          </a:p>
-        </p:txBody>
-      </p:sp>
-      <p:sp>
-        <p:nvSpPr>
-          <p:cNvPr id="231" name="data.frame"/>
-          <p:cNvSpPr txBox="1"/>
-          <p:nvPr/>
-        </p:nvSpPr>
-        <p:spPr>
-          <a:xfrm>
-            <a:off x="3348828" y="3399338"/>
-            <a:ext cx="1289007" cy="366767"/>
-          </a:xfrm>
-          <a:prstGeom prst="rect">
-            <a:avLst/>
-          </a:prstGeom>
-          <a:ln w="12700">
-            <a:miter lim="400000"/>
-          </a:ln>
-          <a:extLst>
-            <a:ext uri="{C572A759-6A51-4108-AA02-DFA0A04FC94B}">
-              <ma14:wrappingTextBoxFlag xmlns="" xmlns:m="http://schemas.openxmlformats.org/officeDocument/2006/math" xmlns:a14="http://schemas.microsoft.com/office/drawing/2010/main" xmlns:ma14="http://schemas.microsoft.com/office/mac/drawingml/2011/main" val="1"/>
-            </a:ext>
-          </a:extLst>
-        </p:spPr>
-        <p:txBody>
-          <a:bodyPr wrap="none" lIns="25400" tIns="25400" rIns="25400" bIns="25400" anchor="ctr">
-            <a:spAutoFit/>
-          </a:bodyPr>
-          <a:lstStyle>
-            <a:lvl1pPr>
-              <a:defRPr sz="4100"/>
-            </a:lvl1pPr>
-          </a:lstStyle>
-          <a:p>
-            <a:r>
-              <a:rPr sz="2050"/>
-              <a:t>data.frame</a:t>
-            </a:r>
-          </a:p>
-        </p:txBody>
-      </p:sp>
-      <p:sp>
-        <p:nvSpPr>
-          <p:cNvPr id="232" name="df &lt;- data.frame( c(column1 = c(‘a’, ‘b’, ‘c’),…"/>
-          <p:cNvSpPr txBox="1"/>
-          <p:nvPr/>
-        </p:nvSpPr>
-        <p:spPr>
-          <a:xfrm>
-            <a:off x="5033206" y="3406106"/>
-            <a:ext cx="4875117" cy="682238"/>
-          </a:xfrm>
-          <a:prstGeom prst="rect">
-            <a:avLst/>
-          </a:prstGeom>
-          <a:ln w="12700">
-            <a:miter lim="400000"/>
-          </a:ln>
-          <a:extLst>
-            <a:ext uri="{C572A759-6A51-4108-AA02-DFA0A04FC94B}">
-              <ma14:wrappingTextBoxFlag xmlns="" xmlns:m="http://schemas.openxmlformats.org/officeDocument/2006/math" xmlns:a14="http://schemas.microsoft.com/office/drawing/2010/main" xmlns:ma14="http://schemas.microsoft.com/office/mac/drawingml/2011/main" val="1"/>
-            </a:ext>
-          </a:extLst>
-        </p:spPr>
-        <p:txBody>
-          <a:bodyPr wrap="none" lIns="25400" tIns="25400" rIns="25400" bIns="25400" anchor="ctr">
-            <a:spAutoFit/>
-          </a:bodyPr>
+              <a:rPr sz="1800"/>
+              <a:t>string</a:t>
+            </a:r>
+          </a:p>
+        </p:txBody>
+      </p:sp>
+      <p:sp>
+        <p:nvSpPr>
+          <p:cNvPr id="220" name="Line"/>
+          <p:cNvSpPr/>
+          <p:nvPr/>
+        </p:nvSpPr>
+        <p:spPr>
+          <a:xfrm flipV="1">
+            <a:off x="4356580" y="2410148"/>
+            <a:ext cx="635001" cy="635001"/>
+          </a:xfrm>
+          <a:prstGeom prst="line">
+            <a:avLst/>
+          </a:prstGeom>
+          <a:ln w="25400">
+            <a:solidFill>
+              <a:srgbClr val="000000"/>
+            </a:solidFill>
+            <a:miter lim="400000"/>
+            <a:tailEnd type="triangle"/>
+          </a:ln>
+        </p:spPr>
+        <p:txBody>
+          <a:bodyPr lIns="25400" tIns="25400" rIns="25400" bIns="25400" anchor="ctr"/>
           <a:lstStyle/>
           <a:p>
-            <a:pPr>
-              <a:defRPr sz="4100"/>
-            </a:pPr>
-            <a:r>
-              <a:rPr sz="2050"/>
-              <a:t>df &lt;- data.frame( c(column1 = c(‘a’, ‘b’, ‘c’), </a:t>
-            </a:r>
-          </a:p>
-          <a:p>
-            <a:pPr>
-              <a:defRPr sz="4100"/>
-            </a:pPr>
-            <a:r>
-              <a:rPr sz="2050"/>
-              <a:t>                            c(column2 = c(‘d’, ‘e’, ‘f’) )</a:t>
-            </a:r>
+            <a:endParaRPr sz="900"/>
+          </a:p>
+        </p:txBody>
+      </p:sp>
+      <p:sp>
+        <p:nvSpPr>
+          <p:cNvPr id="221" name="Line"/>
+          <p:cNvSpPr/>
+          <p:nvPr/>
+        </p:nvSpPr>
+        <p:spPr>
+          <a:xfrm flipV="1">
+            <a:off x="5400502" y="2418247"/>
+            <a:ext cx="1" cy="757798"/>
+          </a:xfrm>
+          <a:prstGeom prst="line">
+            <a:avLst/>
+          </a:prstGeom>
+          <a:ln w="25400">
+            <a:solidFill>
+              <a:srgbClr val="000000"/>
+            </a:solidFill>
+            <a:miter lim="400000"/>
+            <a:tailEnd type="triangle"/>
+          </a:ln>
+        </p:spPr>
+        <p:txBody>
+          <a:bodyPr lIns="25400" tIns="25400" rIns="25400" bIns="25400" anchor="ctr"/>
+          <a:lstStyle/>
+          <a:p>
+            <a:endParaRPr sz="900"/>
+          </a:p>
+        </p:txBody>
+      </p:sp>
+      <p:sp>
+        <p:nvSpPr>
+          <p:cNvPr id="222" name="Line"/>
+          <p:cNvSpPr/>
+          <p:nvPr/>
+        </p:nvSpPr>
+        <p:spPr>
+          <a:xfrm flipH="1" flipV="1">
+            <a:off x="6386329" y="2418247"/>
+            <a:ext cx="261206" cy="755660"/>
+          </a:xfrm>
+          <a:prstGeom prst="line">
+            <a:avLst/>
+          </a:prstGeom>
+          <a:ln w="25400">
+            <a:solidFill>
+              <a:srgbClr val="000000"/>
+            </a:solidFill>
+            <a:miter lim="400000"/>
+            <a:tailEnd type="triangle"/>
+          </a:ln>
+        </p:spPr>
+        <p:txBody>
+          <a:bodyPr lIns="25400" tIns="25400" rIns="25400" bIns="25400" anchor="ctr"/>
+          <a:lstStyle/>
+          <a:p>
+            <a:endParaRPr sz="900"/>
           </a:p>
         </p:txBody>
       </p:sp>
@@ -5794,14 +5615,14 @@
       </p:grpSpPr>
       <p:sp>
         <p:nvSpPr>
-          <p:cNvPr id="234" name="Getting data into R"/>
+          <p:cNvPr id="224" name="Basic Syntax"/>
           <p:cNvSpPr txBox="1"/>
           <p:nvPr/>
         </p:nvSpPr>
         <p:spPr>
           <a:xfrm>
-            <a:off x="4633067" y="-1453250"/>
-            <a:ext cx="2503314" cy="2906501"/>
+            <a:off x="5284159" y="326809"/>
+            <a:ext cx="1730795" cy="420628"/>
           </a:xfrm>
           <a:prstGeom prst="rect">
             <a:avLst/>
@@ -5811,7 +5632,7 @@
           </a:ln>
           <a:extLst>
             <a:ext uri="{C572A759-6A51-4108-AA02-DFA0A04FC94B}">
-              <ma14:wrappingTextBoxFlag xmlns="" xmlns:m="http://schemas.openxmlformats.org/officeDocument/2006/math" xmlns:a14="http://schemas.microsoft.com/office/drawing/2010/main" xmlns:ma14="http://schemas.microsoft.com/office/mac/drawingml/2011/main" val="1"/>
+              <ma14:wrappingTextBoxFlag xmlns:ma14="http://schemas.microsoft.com/office/mac/drawingml/2011/main" xmlns:a14="http://schemas.microsoft.com/office/drawing/2010/main" xmlns:m="http://schemas.openxmlformats.org/officeDocument/2006/math" xmlns="" val="1"/>
             </a:ext>
           </a:extLst>
         </p:spPr>
@@ -5821,30 +5642,27 @@
           </a:bodyPr>
           <a:lstStyle>
             <a:lvl1pPr>
-              <a:lnSpc>
-                <a:spcPct val="1000000"/>
-              </a:lnSpc>
               <a:defRPr sz="4800"/>
             </a:lvl1pPr>
           </a:lstStyle>
           <a:p>
             <a:r>
-              <a:rPr sz="2400" dirty="0"/>
-              <a:t>Getting data into R</a:t>
-            </a:r>
-          </a:p>
-        </p:txBody>
-      </p:sp>
-      <p:sp>
-        <p:nvSpPr>
-          <p:cNvPr id="235" name="df &lt;- read_csv(‘somefile.csv’)…"/>
+              <a:rPr sz="2400"/>
+              <a:t>Basic Syntax</a:t>
+            </a:r>
+          </a:p>
+        </p:txBody>
+      </p:sp>
+      <p:sp>
+        <p:nvSpPr>
+          <p:cNvPr id="225" name="a &lt;- “some string”"/>
           <p:cNvSpPr txBox="1"/>
           <p:nvPr/>
         </p:nvSpPr>
         <p:spPr>
           <a:xfrm>
-            <a:off x="3935959" y="998336"/>
-            <a:ext cx="8216095" cy="2267287"/>
+            <a:off x="5023598" y="2036899"/>
+            <a:ext cx="2069156" cy="366767"/>
           </a:xfrm>
           <a:prstGeom prst="rect">
             <a:avLst/>
@@ -5854,7 +5672,287 @@
           </a:ln>
           <a:extLst>
             <a:ext uri="{C572A759-6A51-4108-AA02-DFA0A04FC94B}">
-              <ma14:wrappingTextBoxFlag xmlns="" xmlns:m="http://schemas.openxmlformats.org/officeDocument/2006/math" xmlns:a14="http://schemas.microsoft.com/office/drawing/2010/main" xmlns:ma14="http://schemas.microsoft.com/office/mac/drawingml/2011/main" val="1"/>
+              <ma14:wrappingTextBoxFlag xmlns:ma14="http://schemas.microsoft.com/office/mac/drawingml/2011/main" xmlns:a14="http://schemas.microsoft.com/office/drawing/2010/main" xmlns:m="http://schemas.openxmlformats.org/officeDocument/2006/math" xmlns="" val="1"/>
+            </a:ext>
+          </a:extLst>
+        </p:spPr>
+        <p:txBody>
+          <a:bodyPr wrap="none" lIns="25400" tIns="25400" rIns="25400" bIns="25400" anchor="ctr">
+            <a:spAutoFit/>
+          </a:bodyPr>
+          <a:lstStyle>
+            <a:lvl1pPr>
+              <a:defRPr sz="4100"/>
+            </a:lvl1pPr>
+          </a:lstStyle>
+          <a:p>
+            <a:r>
+              <a:rPr sz="2050"/>
+              <a:t>a &lt;- “some string”</a:t>
+            </a:r>
+          </a:p>
+        </p:txBody>
+      </p:sp>
+      <p:sp>
+        <p:nvSpPr>
+          <p:cNvPr id="226" name="b &lt;- c( “a”, “vector”, “of”, “words”)"/>
+          <p:cNvSpPr txBox="1"/>
+          <p:nvPr/>
+        </p:nvSpPr>
+        <p:spPr>
+          <a:xfrm>
+            <a:off x="5023598" y="2541687"/>
+            <a:ext cx="3814442" cy="366767"/>
+          </a:xfrm>
+          <a:prstGeom prst="rect">
+            <a:avLst/>
+          </a:prstGeom>
+          <a:ln w="12700">
+            <a:miter lim="400000"/>
+          </a:ln>
+          <a:extLst>
+            <a:ext uri="{C572A759-6A51-4108-AA02-DFA0A04FC94B}">
+              <ma14:wrappingTextBoxFlag xmlns:ma14="http://schemas.microsoft.com/office/mac/drawingml/2011/main" xmlns:a14="http://schemas.microsoft.com/office/drawing/2010/main" xmlns:m="http://schemas.openxmlformats.org/officeDocument/2006/math" xmlns="" val="1"/>
+            </a:ext>
+          </a:extLst>
+        </p:spPr>
+        <p:txBody>
+          <a:bodyPr wrap="none" lIns="25400" tIns="25400" rIns="25400" bIns="25400" anchor="ctr">
+            <a:spAutoFit/>
+          </a:bodyPr>
+          <a:lstStyle>
+            <a:lvl1pPr>
+              <a:defRPr sz="4100"/>
+            </a:lvl1pPr>
+          </a:lstStyle>
+          <a:p>
+            <a:r>
+              <a:rPr sz="2050"/>
+              <a:t>b &lt;- c( “a”, “vector”, “of”, “words”)</a:t>
+            </a:r>
+          </a:p>
+        </p:txBody>
+      </p:sp>
+      <p:sp>
+        <p:nvSpPr>
+          <p:cNvPr id="227" name="d &lt;- list( “also” “a”, “list”)"/>
+          <p:cNvSpPr txBox="1"/>
+          <p:nvPr/>
+        </p:nvSpPr>
+        <p:spPr>
+          <a:xfrm>
+            <a:off x="5013991" y="3018312"/>
+            <a:ext cx="2843599" cy="366767"/>
+          </a:xfrm>
+          <a:prstGeom prst="rect">
+            <a:avLst/>
+          </a:prstGeom>
+          <a:ln w="12700">
+            <a:miter lim="400000"/>
+          </a:ln>
+          <a:extLst>
+            <a:ext uri="{C572A759-6A51-4108-AA02-DFA0A04FC94B}">
+              <ma14:wrappingTextBoxFlag xmlns:ma14="http://schemas.microsoft.com/office/mac/drawingml/2011/main" xmlns:a14="http://schemas.microsoft.com/office/drawing/2010/main" xmlns:m="http://schemas.openxmlformats.org/officeDocument/2006/math" xmlns="" val="1"/>
+            </a:ext>
+          </a:extLst>
+        </p:spPr>
+        <p:txBody>
+          <a:bodyPr wrap="none" lIns="25400" tIns="25400" rIns="25400" bIns="25400" anchor="ctr">
+            <a:spAutoFit/>
+          </a:bodyPr>
+          <a:lstStyle>
+            <a:lvl1pPr>
+              <a:defRPr sz="4100"/>
+            </a:lvl1pPr>
+          </a:lstStyle>
+          <a:p>
+            <a:r>
+              <a:rPr sz="2050"/>
+              <a:t>d &lt;- list( “also” “a”, “list”)</a:t>
+            </a:r>
+          </a:p>
+        </p:txBody>
+      </p:sp>
+      <p:sp>
+        <p:nvSpPr>
+          <p:cNvPr id="228" name="vector"/>
+          <p:cNvSpPr txBox="1"/>
+          <p:nvPr/>
+        </p:nvSpPr>
+        <p:spPr>
+          <a:xfrm>
+            <a:off x="3874735" y="2434829"/>
+            <a:ext cx="759182" cy="366767"/>
+          </a:xfrm>
+          <a:prstGeom prst="rect">
+            <a:avLst/>
+          </a:prstGeom>
+          <a:ln w="12700">
+            <a:miter lim="400000"/>
+          </a:ln>
+          <a:extLst>
+            <a:ext uri="{C572A759-6A51-4108-AA02-DFA0A04FC94B}">
+              <ma14:wrappingTextBoxFlag xmlns:ma14="http://schemas.microsoft.com/office/mac/drawingml/2011/main" xmlns:a14="http://schemas.microsoft.com/office/drawing/2010/main" xmlns:m="http://schemas.openxmlformats.org/officeDocument/2006/math" xmlns="" val="1"/>
+            </a:ext>
+          </a:extLst>
+        </p:spPr>
+        <p:txBody>
+          <a:bodyPr wrap="none" lIns="25400" tIns="25400" rIns="25400" bIns="25400" anchor="ctr">
+            <a:spAutoFit/>
+          </a:bodyPr>
+          <a:lstStyle>
+            <a:lvl1pPr>
+              <a:defRPr sz="4100"/>
+            </a:lvl1pPr>
+          </a:lstStyle>
+          <a:p>
+            <a:r>
+              <a:rPr sz="2050"/>
+              <a:t>vector</a:t>
+            </a:r>
+          </a:p>
+        </p:txBody>
+      </p:sp>
+      <p:sp>
+        <p:nvSpPr>
+          <p:cNvPr id="229" name="character"/>
+          <p:cNvSpPr txBox="1"/>
+          <p:nvPr/>
+        </p:nvSpPr>
+        <p:spPr>
+          <a:xfrm>
+            <a:off x="3503476" y="2045332"/>
+            <a:ext cx="1140249" cy="366767"/>
+          </a:xfrm>
+          <a:prstGeom prst="rect">
+            <a:avLst/>
+          </a:prstGeom>
+          <a:ln w="12700">
+            <a:miter lim="400000"/>
+          </a:ln>
+          <a:extLst>
+            <a:ext uri="{C572A759-6A51-4108-AA02-DFA0A04FC94B}">
+              <ma14:wrappingTextBoxFlag xmlns:ma14="http://schemas.microsoft.com/office/mac/drawingml/2011/main" xmlns:a14="http://schemas.microsoft.com/office/drawing/2010/main" xmlns:m="http://schemas.openxmlformats.org/officeDocument/2006/math" xmlns="" val="1"/>
+            </a:ext>
+          </a:extLst>
+        </p:spPr>
+        <p:txBody>
+          <a:bodyPr wrap="none" lIns="25400" tIns="25400" rIns="25400" bIns="25400" anchor="ctr">
+            <a:spAutoFit/>
+          </a:bodyPr>
+          <a:lstStyle>
+            <a:lvl1pPr>
+              <a:defRPr sz="4100"/>
+            </a:lvl1pPr>
+          </a:lstStyle>
+          <a:p>
+            <a:r>
+              <a:rPr sz="2050"/>
+              <a:t>character</a:t>
+            </a:r>
+          </a:p>
+        </p:txBody>
+      </p:sp>
+      <p:sp>
+        <p:nvSpPr>
+          <p:cNvPr id="230" name="list"/>
+          <p:cNvSpPr txBox="1"/>
+          <p:nvPr/>
+        </p:nvSpPr>
+        <p:spPr>
+          <a:xfrm>
+            <a:off x="4082904" y="2844201"/>
+            <a:ext cx="394403" cy="366767"/>
+          </a:xfrm>
+          <a:prstGeom prst="rect">
+            <a:avLst/>
+          </a:prstGeom>
+          <a:ln w="12700">
+            <a:miter lim="400000"/>
+          </a:ln>
+          <a:extLst>
+            <a:ext uri="{C572A759-6A51-4108-AA02-DFA0A04FC94B}">
+              <ma14:wrappingTextBoxFlag xmlns:ma14="http://schemas.microsoft.com/office/mac/drawingml/2011/main" xmlns:a14="http://schemas.microsoft.com/office/drawing/2010/main" xmlns:m="http://schemas.openxmlformats.org/officeDocument/2006/math" xmlns="" val="1"/>
+            </a:ext>
+          </a:extLst>
+        </p:spPr>
+        <p:txBody>
+          <a:bodyPr wrap="none" lIns="25400" tIns="25400" rIns="25400" bIns="25400" anchor="ctr">
+            <a:spAutoFit/>
+          </a:bodyPr>
+          <a:lstStyle>
+            <a:lvl1pPr>
+              <a:defRPr sz="4100"/>
+            </a:lvl1pPr>
+          </a:lstStyle>
+          <a:p>
+            <a:r>
+              <a:rPr sz="2050"/>
+              <a:t>list</a:t>
+            </a:r>
+          </a:p>
+        </p:txBody>
+      </p:sp>
+      <p:sp>
+        <p:nvSpPr>
+          <p:cNvPr id="231" name="data.frame"/>
+          <p:cNvSpPr txBox="1"/>
+          <p:nvPr/>
+        </p:nvSpPr>
+        <p:spPr>
+          <a:xfrm>
+            <a:off x="3348828" y="3399338"/>
+            <a:ext cx="1289007" cy="366767"/>
+          </a:xfrm>
+          <a:prstGeom prst="rect">
+            <a:avLst/>
+          </a:prstGeom>
+          <a:ln w="12700">
+            <a:miter lim="400000"/>
+          </a:ln>
+          <a:extLst>
+            <a:ext uri="{C572A759-6A51-4108-AA02-DFA0A04FC94B}">
+              <ma14:wrappingTextBoxFlag xmlns:ma14="http://schemas.microsoft.com/office/mac/drawingml/2011/main" xmlns:a14="http://schemas.microsoft.com/office/drawing/2010/main" xmlns:m="http://schemas.openxmlformats.org/officeDocument/2006/math" xmlns="" val="1"/>
+            </a:ext>
+          </a:extLst>
+        </p:spPr>
+        <p:txBody>
+          <a:bodyPr wrap="none" lIns="25400" tIns="25400" rIns="25400" bIns="25400" anchor="ctr">
+            <a:spAutoFit/>
+          </a:bodyPr>
+          <a:lstStyle>
+            <a:lvl1pPr>
+              <a:defRPr sz="4100"/>
+            </a:lvl1pPr>
+          </a:lstStyle>
+          <a:p>
+            <a:r>
+              <a:rPr sz="2050"/>
+              <a:t>data.frame</a:t>
+            </a:r>
+          </a:p>
+        </p:txBody>
+      </p:sp>
+      <p:sp>
+        <p:nvSpPr>
+          <p:cNvPr id="232" name="df &lt;- data.frame( c(column1 = c(‘a’, ‘b’, ‘c’),…"/>
+          <p:cNvSpPr txBox="1"/>
+          <p:nvPr/>
+        </p:nvSpPr>
+        <p:spPr>
+          <a:xfrm>
+            <a:off x="5033206" y="3406106"/>
+            <a:ext cx="4875117" cy="682238"/>
+          </a:xfrm>
+          <a:prstGeom prst="rect">
+            <a:avLst/>
+          </a:prstGeom>
+          <a:ln w="12700">
+            <a:miter lim="400000"/>
+          </a:ln>
+          <a:extLst>
+            <a:ext uri="{C572A759-6A51-4108-AA02-DFA0A04FC94B}">
+              <ma14:wrappingTextBoxFlag xmlns:ma14="http://schemas.microsoft.com/office/mac/drawingml/2011/main" xmlns:a14="http://schemas.microsoft.com/office/drawing/2010/main" xmlns:m="http://schemas.openxmlformats.org/officeDocument/2006/math" xmlns="" val="1"/>
             </a:ext>
           </a:extLst>
         </p:spPr>
@@ -5864,229 +5962,22 @@
           </a:bodyPr>
           <a:lstStyle/>
           <a:p>
-            <a:pPr algn="l">
-              <a:defRPr sz="3600"/>
+            <a:pPr>
+              <a:defRPr sz="4100"/>
             </a:pPr>
             <a:r>
-              <a:rPr dirty="0" err="1"/>
-              <a:t>df</a:t>
-            </a:r>
-            <a:r>
-              <a:rPr dirty="0"/>
-              <a:t> &lt;- </a:t>
-            </a:r>
-            <a:r>
-              <a:rPr dirty="0" err="1"/>
-              <a:t>read_csv</a:t>
-            </a:r>
-            <a:r>
-              <a:rPr dirty="0"/>
-              <a:t>(‘</a:t>
-            </a:r>
-            <a:r>
-              <a:rPr dirty="0" err="1"/>
-              <a:t>somefile.csv</a:t>
-            </a:r>
-            <a:r>
-              <a:rPr dirty="0"/>
-              <a:t>’) </a:t>
-            </a:r>
-          </a:p>
-          <a:p>
-            <a:pPr algn="l">
-              <a:defRPr sz="3600"/>
+              <a:rPr sz="2050"/>
+              <a:t>df &lt;- data.frame( c(column1 = c(‘a’, ‘b’, ‘c’), </a:t>
+            </a:r>
+          </a:p>
+          <a:p>
+            <a:pPr>
+              <a:defRPr sz="4100"/>
             </a:pPr>
             <a:r>
-              <a:rPr dirty="0" err="1"/>
-              <a:t>df</a:t>
-            </a:r>
-            <a:r>
-              <a:rPr dirty="0"/>
-              <a:t> &lt;- </a:t>
-            </a:r>
-            <a:r>
-              <a:rPr dirty="0" err="1"/>
-              <a:t>read_tsv</a:t>
-            </a:r>
-            <a:r>
-              <a:rPr dirty="0"/>
-              <a:t>(‘</a:t>
-            </a:r>
-            <a:r>
-              <a:rPr dirty="0" err="1"/>
-              <a:t>somefile.tsv</a:t>
-            </a:r>
-            <a:r>
-              <a:rPr dirty="0"/>
-              <a:t>’)</a:t>
-            </a:r>
-          </a:p>
-          <a:p>
-            <a:pPr algn="l">
-              <a:defRPr sz="3600"/>
-            </a:pPr>
-            <a:r>
-              <a:rPr dirty="0" err="1"/>
-              <a:t>df</a:t>
-            </a:r>
-            <a:r>
-              <a:rPr dirty="0"/>
-              <a:t> &lt;- </a:t>
-            </a:r>
-            <a:r>
-              <a:rPr dirty="0" err="1"/>
-              <a:t>read_table</a:t>
-            </a:r>
-            <a:r>
-              <a:rPr dirty="0"/>
-              <a:t>(‘</a:t>
-            </a:r>
-            <a:r>
-              <a:rPr dirty="0" err="1"/>
-              <a:t>somefile.tsv</a:t>
-            </a:r>
-            <a:r>
-              <a:rPr dirty="0"/>
-              <a:t>’, </a:t>
-            </a:r>
-            <a:r>
-              <a:rPr dirty="0" err="1"/>
-              <a:t>sep</a:t>
-            </a:r>
-            <a:r>
-              <a:rPr dirty="0"/>
-              <a:t> = “\t”) </a:t>
-            </a:r>
-          </a:p>
-          <a:p>
-            <a:pPr algn="l">
-              <a:defRPr sz="3600"/>
-            </a:pPr>
-            <a:r>
-              <a:rPr dirty="0" err="1"/>
-              <a:t>df</a:t>
-            </a:r>
-            <a:r>
-              <a:rPr dirty="0"/>
-              <a:t> &lt;- </a:t>
-            </a:r>
-            <a:r>
-              <a:rPr dirty="0" err="1"/>
-              <a:t>read.csv</a:t>
-            </a:r>
-            <a:r>
-              <a:rPr dirty="0"/>
-              <a:t>(‘</a:t>
-            </a:r>
-            <a:r>
-              <a:rPr dirty="0" err="1"/>
-              <a:t>somefile.csv</a:t>
-            </a:r>
-            <a:r>
-              <a:rPr dirty="0"/>
-              <a:t>’) </a:t>
-            </a:r>
-          </a:p>
-        </p:txBody>
-      </p:sp>
-      <p:sp>
-        <p:nvSpPr>
-          <p:cNvPr id="236" name="Tidyverse"/>
-          <p:cNvSpPr txBox="1"/>
-          <p:nvPr/>
-        </p:nvSpPr>
-        <p:spPr>
-          <a:xfrm>
-            <a:off x="2944268" y="1671993"/>
-            <a:ext cx="519373" cy="189796"/>
-          </a:xfrm>
-          <a:prstGeom prst="rect">
-            <a:avLst/>
-          </a:prstGeom>
-          <a:ln w="12700">
-            <a:miter lim="400000"/>
-          </a:ln>
-          <a:extLst>
-            <a:ext uri="{C572A759-6A51-4108-AA02-DFA0A04FC94B}">
-              <ma14:wrappingTextBoxFlag xmlns="" xmlns:m="http://schemas.openxmlformats.org/officeDocument/2006/math" xmlns:a14="http://schemas.microsoft.com/office/drawing/2010/main" xmlns:ma14="http://schemas.microsoft.com/office/mac/drawingml/2011/main" val="1"/>
-            </a:ext>
-          </a:extLst>
-        </p:spPr>
-        <p:txBody>
-          <a:bodyPr wrap="none" lIns="25400" tIns="25400" rIns="25400" bIns="25400" anchor="ctr">
-            <a:spAutoFit/>
-          </a:bodyPr>
-          <a:lstStyle/>
-          <a:p>
-            <a:r>
-              <a:rPr sz="900"/>
-              <a:t>Tidyverse</a:t>
-            </a:r>
-          </a:p>
-        </p:txBody>
-      </p:sp>
-      <p:sp>
-        <p:nvSpPr>
-          <p:cNvPr id="237" name="base"/>
-          <p:cNvSpPr txBox="1"/>
-          <p:nvPr/>
-        </p:nvSpPr>
-        <p:spPr>
-          <a:xfrm>
-            <a:off x="3221789" y="2273517"/>
-            <a:ext cx="293350" cy="189796"/>
-          </a:xfrm>
-          <a:prstGeom prst="rect">
-            <a:avLst/>
-          </a:prstGeom>
-          <a:ln w="12700">
-            <a:miter lim="400000"/>
-          </a:ln>
-          <a:extLst>
-            <a:ext uri="{C572A759-6A51-4108-AA02-DFA0A04FC94B}">
-              <ma14:wrappingTextBoxFlag xmlns="" xmlns:m="http://schemas.openxmlformats.org/officeDocument/2006/math" xmlns:a14="http://schemas.microsoft.com/office/drawing/2010/main" xmlns:ma14="http://schemas.microsoft.com/office/mac/drawingml/2011/main" val="1"/>
-            </a:ext>
-          </a:extLst>
-        </p:spPr>
-        <p:txBody>
-          <a:bodyPr wrap="none" lIns="25400" tIns="25400" rIns="25400" bIns="25400" anchor="ctr">
-            <a:spAutoFit/>
-          </a:bodyPr>
-          <a:lstStyle/>
-          <a:p>
-            <a:r>
-              <a:rPr sz="900"/>
-              <a:t>base</a:t>
-            </a:r>
-          </a:p>
-        </p:txBody>
-      </p:sp>
-      <p:sp>
-        <p:nvSpPr>
-          <p:cNvPr id="238" name="Line"/>
-          <p:cNvSpPr/>
-          <p:nvPr/>
-        </p:nvSpPr>
-        <p:spPr>
-          <a:xfrm flipV="1">
-            <a:off x="3857888" y="1583897"/>
-            <a:ext cx="1" cy="551427"/>
-          </a:xfrm>
-          <a:prstGeom prst="line">
-            <a:avLst/>
-          </a:prstGeom>
-          <a:ln w="101600">
-            <a:solidFill>
-              <a:srgbClr val="000000"/>
-            </a:solidFill>
-            <a:miter lim="400000"/>
-          </a:ln>
-        </p:spPr>
-        <p:txBody>
-          <a:bodyPr lIns="25400" tIns="25400" rIns="25400" bIns="25400" anchor="ctr"/>
-          <a:lstStyle/>
-          <a:p>
-            <a:endParaRPr sz="900"/>
+              <a:rPr sz="2050"/>
+              <a:t>                            c(column2 = c(‘d’, ‘e’, ‘f’) )</a:t>
+            </a:r>
           </a:p>
         </p:txBody>
       </p:sp>
@@ -6117,14 +6008,14 @@
       </p:grpSpPr>
       <p:sp>
         <p:nvSpPr>
-          <p:cNvPr id="240" name="Getting data into R"/>
+          <p:cNvPr id="234" name="Getting data into R"/>
           <p:cNvSpPr txBox="1"/>
           <p:nvPr/>
         </p:nvSpPr>
         <p:spPr>
           <a:xfrm>
-            <a:off x="4664964" y="-839267"/>
-            <a:ext cx="2503314" cy="2906501"/>
+            <a:off x="4577311" y="297614"/>
+            <a:ext cx="3898503" cy="605294"/>
           </a:xfrm>
           <a:prstGeom prst="rect">
             <a:avLst/>
@@ -6139,7 +6030,7 @@
           </a:extLst>
         </p:spPr>
         <p:txBody>
-          <a:bodyPr wrap="none" lIns="25400" tIns="25400" rIns="25400" bIns="25400" anchor="ctr">
+          <a:bodyPr wrap="none" lIns="25400" tIns="25400" rIns="25400" bIns="25400" anchor="t">
             <a:spAutoFit/>
           </a:bodyPr>
           <a:lstStyle>
@@ -6151,8 +6042,16 @@
             </a:lvl1pPr>
           </a:lstStyle>
           <a:p>
-            <a:r>
-              <a:rPr sz="2400"/>
+            <a:pPr>
+              <a:lnSpc>
+                <a:spcPct val="100000"/>
+              </a:lnSpc>
+            </a:pPr>
+            <a:r>
+              <a:rPr sz="3600" dirty="0">
+                <a:latin typeface="Arial" panose="020B0604020202020204" pitchFamily="34" charset="0"/>
+                <a:cs typeface="Arial" panose="020B0604020202020204" pitchFamily="34" charset="0"/>
+              </a:rPr>
               <a:t>Getting data into R</a:t>
             </a:r>
           </a:p>
@@ -6160,14 +6059,14 @@
       </p:sp>
       <p:sp>
         <p:nvSpPr>
-          <p:cNvPr id="241" name="df &lt;- read_csv(‘somefile.csv’)…"/>
+          <p:cNvPr id="235" name="df &lt;- read_csv(‘somefile.csv’)…"/>
           <p:cNvSpPr txBox="1"/>
           <p:nvPr/>
         </p:nvSpPr>
         <p:spPr>
           <a:xfrm>
-            <a:off x="3945566" y="1601992"/>
-            <a:ext cx="5841151" cy="1713290"/>
+            <a:off x="2766298" y="2025508"/>
+            <a:ext cx="8216095" cy="2267287"/>
           </a:xfrm>
           <a:prstGeom prst="rect">
             <a:avLst/>
@@ -6191,7 +6090,28 @@
               <a:defRPr sz="3600"/>
             </a:pPr>
             <a:r>
-              <a:t>df &lt;- read_csv(‘somefile.csv’)</a:t>
+              <a:rPr dirty="0" err="1"/>
+              <a:t>df</a:t>
+            </a:r>
+            <a:r>
+              <a:rPr dirty="0"/>
+              <a:t> &lt;- </a:t>
+            </a:r>
+            <a:r>
+              <a:rPr dirty="0" err="1"/>
+              <a:t>read_csv</a:t>
+            </a:r>
+            <a:r>
+              <a:rPr dirty="0"/>
+              <a:t>(‘</a:t>
+            </a:r>
+            <a:r>
+              <a:rPr dirty="0" err="1"/>
+              <a:t>somefile.csv</a:t>
+            </a:r>
+            <a:r>
+              <a:rPr dirty="0"/>
+              <a:t>’) </a:t>
             </a:r>
           </a:p>
           <a:p>
@@ -6199,7 +6119,28 @@
               <a:defRPr sz="3600"/>
             </a:pPr>
             <a:r>
-              <a:t> </a:t>
+              <a:rPr dirty="0" err="1"/>
+              <a:t>df</a:t>
+            </a:r>
+            <a:r>
+              <a:rPr dirty="0"/>
+              <a:t> &lt;- </a:t>
+            </a:r>
+            <a:r>
+              <a:rPr dirty="0" err="1"/>
+              <a:t>read_tsv</a:t>
+            </a:r>
+            <a:r>
+              <a:rPr dirty="0"/>
+              <a:t>(‘</a:t>
+            </a:r>
+            <a:r>
+              <a:rPr dirty="0" err="1"/>
+              <a:t>somefile.tsv</a:t>
+            </a:r>
+            <a:r>
+              <a:rPr dirty="0"/>
+              <a:t>’)</a:t>
             </a:r>
           </a:p>
           <a:p>
@@ -6207,21 +6148,79 @@
               <a:defRPr sz="3600"/>
             </a:pPr>
             <a:r>
-              <a:t>df &lt;- read.csv(‘somefile.csv’) </a:t>
-            </a:r>
-          </a:p>
-        </p:txBody>
-      </p:sp>
-      <p:sp>
-        <p:nvSpPr>
-          <p:cNvPr id="242" name="Tidyverse"/>
+              <a:rPr dirty="0" err="1"/>
+              <a:t>df</a:t>
+            </a:r>
+            <a:r>
+              <a:rPr dirty="0"/>
+              <a:t> &lt;- </a:t>
+            </a:r>
+            <a:r>
+              <a:rPr dirty="0" err="1"/>
+              <a:t>read_table</a:t>
+            </a:r>
+            <a:r>
+              <a:rPr dirty="0"/>
+              <a:t>(‘</a:t>
+            </a:r>
+            <a:r>
+              <a:rPr dirty="0" err="1"/>
+              <a:t>somefile.tsv</a:t>
+            </a:r>
+            <a:r>
+              <a:rPr dirty="0"/>
+              <a:t>’, </a:t>
+            </a:r>
+            <a:r>
+              <a:rPr dirty="0" err="1"/>
+              <a:t>sep</a:t>
+            </a:r>
+            <a:r>
+              <a:rPr dirty="0"/>
+              <a:t> = “\t”) </a:t>
+            </a:r>
+          </a:p>
+          <a:p>
+            <a:pPr algn="l">
+              <a:defRPr sz="3600"/>
+            </a:pPr>
+            <a:r>
+              <a:rPr dirty="0" err="1"/>
+              <a:t>df</a:t>
+            </a:r>
+            <a:r>
+              <a:rPr dirty="0"/>
+              <a:t> &lt;- </a:t>
+            </a:r>
+            <a:r>
+              <a:rPr dirty="0" err="1"/>
+              <a:t>read.csv</a:t>
+            </a:r>
+            <a:r>
+              <a:rPr dirty="0"/>
+              <a:t>(‘</a:t>
+            </a:r>
+            <a:r>
+              <a:rPr dirty="0" err="1"/>
+              <a:t>somefile.csv</a:t>
+            </a:r>
+            <a:r>
+              <a:rPr dirty="0"/>
+              <a:t>’) </a:t>
+            </a:r>
+          </a:p>
+        </p:txBody>
+      </p:sp>
+      <p:sp>
+        <p:nvSpPr>
+          <p:cNvPr id="236" name="Tidyverse"/>
           <p:cNvSpPr txBox="1"/>
           <p:nvPr/>
         </p:nvSpPr>
         <p:spPr>
           <a:xfrm>
-            <a:off x="2721554" y="1900579"/>
-            <a:ext cx="982962" cy="328295"/>
+            <a:off x="1215829" y="2348313"/>
+            <a:ext cx="1294009" cy="420628"/>
           </a:xfrm>
           <a:prstGeom prst="rect">
             <a:avLst/>
@@ -6239,37 +6238,26 @@
           <a:bodyPr wrap="none" lIns="25400" tIns="25400" rIns="25400" bIns="25400" anchor="ctr">
             <a:spAutoFit/>
           </a:bodyPr>
-          <a:lstStyle>
-            <a:lvl1pPr algn="r">
-              <a:defRPr sz="3600">
-                <a:solidFill>
-                  <a:schemeClr val="accent5">
-                    <a:hueOff val="-82419"/>
-                    <a:satOff val="-9513"/>
-                    <a:lumOff val="-16343"/>
-                  </a:schemeClr>
-                </a:solidFill>
-              </a:defRPr>
-            </a:lvl1pPr>
-          </a:lstStyle>
-          <a:p>
-            <a:r>
-              <a:rPr sz="1800"/>
+          <a:lstStyle/>
+          <a:p>
+            <a:r>
+              <a:rPr sz="2400" dirty="0" err="1"/>
               <a:t>Tidyverse</a:t>
             </a:r>
-          </a:p>
-        </p:txBody>
-      </p:sp>
-      <p:sp>
-        <p:nvSpPr>
-          <p:cNvPr id="243" name="Base R"/>
+            <a:endParaRPr sz="2400" dirty="0"/>
+          </a:p>
+        </p:txBody>
+      </p:sp>
+      <p:sp>
+        <p:nvSpPr>
+          <p:cNvPr id="237" name="base"/>
           <p:cNvSpPr txBox="1"/>
           <p:nvPr/>
         </p:nvSpPr>
         <p:spPr>
           <a:xfrm>
-            <a:off x="2970340" y="2425242"/>
-            <a:ext cx="734176" cy="328295"/>
+            <a:off x="1534744" y="3325903"/>
+            <a:ext cx="698909" cy="420628"/>
           </a:xfrm>
           <a:prstGeom prst="rect">
             <a:avLst/>
@@ -6287,191 +6275,168 @@
           <a:bodyPr wrap="none" lIns="25400" tIns="25400" rIns="25400" bIns="25400" anchor="ctr">
             <a:spAutoFit/>
           </a:bodyPr>
-          <a:lstStyle>
-            <a:lvl1pPr algn="r">
-              <a:defRPr sz="3600">
-                <a:solidFill>
-                  <a:schemeClr val="accent5">
-                    <a:hueOff val="-82419"/>
-                    <a:satOff val="-9513"/>
-                    <a:lumOff val="-16343"/>
-                  </a:schemeClr>
-                </a:solidFill>
-              </a:defRPr>
-            </a:lvl1pPr>
-          </a:lstStyle>
-          <a:p>
-            <a:r>
-              <a:rPr sz="1800"/>
-              <a:t>Base R</a:t>
-            </a:r>
-          </a:p>
-        </p:txBody>
-      </p:sp>
-      <p:sp>
-        <p:nvSpPr>
-          <p:cNvPr id="244" name="df is a tibble, strings are characters"/>
+          <a:lstStyle/>
+          <a:p>
+            <a:r>
+              <a:rPr sz="2400" dirty="0"/>
+              <a:t>base</a:t>
+            </a:r>
+          </a:p>
+        </p:txBody>
+      </p:sp>
+      <p:sp>
+        <p:nvSpPr>
+          <p:cNvPr id="238" name="Line"/>
+          <p:cNvSpPr/>
+          <p:nvPr/>
+        </p:nvSpPr>
+        <p:spPr>
+          <a:xfrm flipV="1">
+            <a:off x="2638067" y="2290413"/>
+            <a:ext cx="1" cy="667227"/>
+          </a:xfrm>
+          <a:prstGeom prst="line">
+            <a:avLst/>
+          </a:prstGeom>
+          <a:ln w="101600">
+            <a:solidFill>
+              <a:srgbClr val="000000"/>
+            </a:solidFill>
+            <a:miter lim="400000"/>
+          </a:ln>
+        </p:spPr>
+        <p:txBody>
+          <a:bodyPr lIns="25400" tIns="25400" rIns="25400" bIns="25400" anchor="ctr"/>
+          <a:lstStyle/>
+          <a:p>
+            <a:endParaRPr sz="900"/>
+          </a:p>
+        </p:txBody>
+      </p:sp>
+      <p:sp>
+        <p:nvSpPr>
+          <p:cNvPr id="2" name="Line">
+            <a:extLst>
+              <a:ext uri="{FF2B5EF4-FFF2-40B4-BE49-F238E27FC236}">
+                <a16:creationId xmlns:a16="http://schemas.microsoft.com/office/drawing/2014/main" id="{D28483D4-FF4A-2F4C-D1F7-8FA938411022}"/>
+              </a:ext>
+            </a:extLst>
+          </p:cNvPr>
+          <p:cNvSpPr/>
+          <p:nvPr/>
+        </p:nvSpPr>
+        <p:spPr>
+          <a:xfrm flipV="1">
+            <a:off x="2647222" y="3268003"/>
+            <a:ext cx="1" cy="667227"/>
+          </a:xfrm>
+          <a:prstGeom prst="line">
+            <a:avLst/>
+          </a:prstGeom>
+          <a:ln w="101600">
+            <a:solidFill>
+              <a:srgbClr val="000000"/>
+            </a:solidFill>
+            <a:miter lim="400000"/>
+          </a:ln>
+        </p:spPr>
+        <p:txBody>
+          <a:bodyPr lIns="25400" tIns="25400" rIns="25400" bIns="25400" anchor="ctr"/>
+          <a:lstStyle/>
+          <a:p>
+            <a:endParaRPr sz="900"/>
+          </a:p>
+        </p:txBody>
+      </p:sp>
+      <p:sp>
+        <p:nvSpPr>
+          <p:cNvPr id="4" name="TextBox 3">
+            <a:extLst>
+              <a:ext uri="{FF2B5EF4-FFF2-40B4-BE49-F238E27FC236}">
+                <a16:creationId xmlns:a16="http://schemas.microsoft.com/office/drawing/2014/main" id="{42B63C57-77B0-7D03-6FBC-760F644FC6A7}"/>
+              </a:ext>
+            </a:extLst>
+          </p:cNvPr>
           <p:cNvSpPr txBox="1"/>
           <p:nvPr/>
         </p:nvSpPr>
         <p:spPr>
           <a:xfrm>
-            <a:off x="7260224" y="1969828"/>
-            <a:ext cx="1790555" cy="189796"/>
-          </a:xfrm>
-          <a:prstGeom prst="rect">
-            <a:avLst/>
-          </a:prstGeom>
-          <a:ln w="12700">
-            <a:miter lim="400000"/>
-          </a:ln>
-          <a:extLst>
-            <a:ext uri="{C572A759-6A51-4108-AA02-DFA0A04FC94B}">
-              <ma14:wrappingTextBoxFlag xmlns="" xmlns:m="http://schemas.openxmlformats.org/officeDocument/2006/math" xmlns:a14="http://schemas.microsoft.com/office/drawing/2010/main" xmlns:ma14="http://schemas.microsoft.com/office/mac/drawingml/2011/main" val="1"/>
-            </a:ext>
-          </a:extLst>
-        </p:spPr>
-        <p:txBody>
-          <a:bodyPr wrap="none" lIns="25400" tIns="25400" rIns="25400" bIns="25400" anchor="ctr">
+            <a:off x="2509838" y="4522039"/>
+            <a:ext cx="6099716" cy="646331"/>
+          </a:xfrm>
+          <a:prstGeom prst="rect">
+            <a:avLst/>
+          </a:prstGeom>
+          <a:noFill/>
+        </p:spPr>
+        <p:txBody>
+          <a:bodyPr wrap="square">
             <a:spAutoFit/>
           </a:bodyPr>
-          <a:lstStyle>
-            <a:lvl1pPr algn="l"/>
-          </a:lstStyle>
-          <a:p>
-            <a:r>
-              <a:rPr sz="900"/>
-              <a:t>df is a tibble, strings are characters</a:t>
-            </a:r>
-          </a:p>
-        </p:txBody>
-      </p:sp>
-      <p:sp>
-        <p:nvSpPr>
-          <p:cNvPr id="245" name="df is a data frame, strings are factors"/>
+          <a:lstStyle/>
+          <a:p>
+            <a:r>
+              <a:rPr lang="en-US" sz="1800" dirty="0"/>
+              <a:t>For this class these are similar enough that you can read them either way.</a:t>
+            </a:r>
+          </a:p>
+        </p:txBody>
+      </p:sp>
+      <p:sp>
+        <p:nvSpPr>
+          <p:cNvPr id="6" name="TextBox 5">
+            <a:extLst>
+              <a:ext uri="{FF2B5EF4-FFF2-40B4-BE49-F238E27FC236}">
+                <a16:creationId xmlns:a16="http://schemas.microsoft.com/office/drawing/2014/main" id="{C02DB74E-BDA0-23D1-BC51-5A5B1C37F1E9}"/>
+              </a:ext>
+            </a:extLst>
+          </p:cNvPr>
           <p:cNvSpPr txBox="1"/>
           <p:nvPr/>
         </p:nvSpPr>
         <p:spPr>
           <a:xfrm>
-            <a:off x="7260224" y="2494491"/>
-            <a:ext cx="1861087" cy="189796"/>
-          </a:xfrm>
-          <a:prstGeom prst="rect">
-            <a:avLst/>
-          </a:prstGeom>
-          <a:ln w="12700">
-            <a:miter lim="400000"/>
-          </a:ln>
-          <a:extLst>
-            <a:ext uri="{C572A759-6A51-4108-AA02-DFA0A04FC94B}">
-              <ma14:wrappingTextBoxFlag xmlns="" xmlns:m="http://schemas.openxmlformats.org/officeDocument/2006/math" xmlns:a14="http://schemas.microsoft.com/office/drawing/2010/main" xmlns:ma14="http://schemas.microsoft.com/office/mac/drawingml/2011/main" val="1"/>
-            </a:ext>
-          </a:extLst>
-        </p:spPr>
-        <p:txBody>
-          <a:bodyPr wrap="none" lIns="25400" tIns="25400" rIns="25400" bIns="25400" anchor="ctr">
+            <a:off x="2376098" y="5487862"/>
+            <a:ext cx="6099716" cy="369332"/>
+          </a:xfrm>
+          <a:prstGeom prst="rect">
+            <a:avLst/>
+          </a:prstGeom>
+          <a:noFill/>
+        </p:spPr>
+        <p:txBody>
+          <a:bodyPr wrap="square">
             <a:spAutoFit/>
           </a:bodyPr>
-          <a:lstStyle>
-            <a:lvl1pPr algn="l"/>
-          </a:lstStyle>
-          <a:p>
-            <a:r>
-              <a:rPr sz="900"/>
-              <a:t>df is a data frame, strings are factors</a:t>
-            </a:r>
-          </a:p>
-        </p:txBody>
-      </p:sp>
-      <p:sp>
-        <p:nvSpPr>
-          <p:cNvPr id="246" name="For this class these are similar enough that you can read them either way."/>
-          <p:cNvSpPr txBox="1"/>
-          <p:nvPr/>
-        </p:nvSpPr>
-        <p:spPr>
-          <a:xfrm>
-            <a:off x="2320099" y="3264853"/>
-            <a:ext cx="7288214" cy="328295"/>
-          </a:xfrm>
-          <a:prstGeom prst="rect">
-            <a:avLst/>
-          </a:prstGeom>
-          <a:ln w="12700">
-            <a:miter lim="400000"/>
-          </a:ln>
-          <a:extLst>
-            <a:ext uri="{C572A759-6A51-4108-AA02-DFA0A04FC94B}">
-              <ma14:wrappingTextBoxFlag xmlns="" xmlns:m="http://schemas.openxmlformats.org/officeDocument/2006/math" xmlns:a14="http://schemas.microsoft.com/office/drawing/2010/main" xmlns:ma14="http://schemas.microsoft.com/office/mac/drawingml/2011/main" val="1"/>
-            </a:ext>
-          </a:extLst>
-        </p:spPr>
-        <p:txBody>
-          <a:bodyPr wrap="none" lIns="25400" tIns="25400" rIns="25400" bIns="25400" anchor="ctr">
-            <a:spAutoFit/>
-          </a:bodyPr>
-          <a:lstStyle>
-            <a:lvl1pPr>
-              <a:defRPr sz="3600">
-                <a:solidFill>
-                  <a:schemeClr val="accent1">
-                    <a:hueOff val="114395"/>
-                    <a:lumOff val="-24975"/>
-                  </a:schemeClr>
-                </a:solidFill>
-              </a:defRPr>
-            </a:lvl1pPr>
-          </a:lstStyle>
-          <a:p>
-            <a:r>
-              <a:rPr sz="1800"/>
-              <a:t>For this class these are similar enough that you can read them either way.</a:t>
-            </a:r>
-          </a:p>
-        </p:txBody>
-      </p:sp>
-      <p:sp>
-        <p:nvSpPr>
-          <p:cNvPr id="247" name="https://r4ds.had.co.nz/tibbles.html#tibbles-vs.-data.frame"/>
-          <p:cNvSpPr txBox="1"/>
-          <p:nvPr/>
-        </p:nvSpPr>
-        <p:spPr>
-          <a:xfrm>
-            <a:off x="4011635" y="6033703"/>
-            <a:ext cx="7821628" cy="420628"/>
-          </a:xfrm>
-          <a:prstGeom prst="rect">
-            <a:avLst/>
-          </a:prstGeom>
-          <a:ln w="12700">
-            <a:miter lim="400000"/>
-          </a:ln>
-          <a:extLst>
-            <a:ext uri="{C572A759-6A51-4108-AA02-DFA0A04FC94B}">
-              <ma14:wrappingTextBoxFlag xmlns="" xmlns:m="http://schemas.openxmlformats.org/officeDocument/2006/math" xmlns:a14="http://schemas.microsoft.com/office/drawing/2010/main" xmlns:ma14="http://schemas.microsoft.com/office/mac/drawingml/2011/main" val="1"/>
-            </a:ext>
-          </a:extLst>
-        </p:spPr>
-        <p:txBody>
-          <a:bodyPr wrap="none" lIns="25400" tIns="25400" rIns="25400" bIns="25400" anchor="ctr">
-            <a:spAutoFit/>
-          </a:bodyPr>
-          <a:lstStyle>
-            <a:lvl1pPr>
-              <a:defRPr sz="4800"/>
-            </a:lvl1pPr>
-          </a:lstStyle>
-          <a:p>
-            <a:r>
-              <a:rPr sz="2400"/>
-              <a:t>https://r4ds.had.co.nz/tibbles.html#tibbles-vs.-data.frame</a:t>
-            </a:r>
+          <a:lstStyle/>
+          <a:p>
+            <a:r>
+              <a:rPr lang="en-US" sz="1800" dirty="0"/>
+              <a:t>https://r4ds.had.co.nz/tibbles.</a:t>
+            </a:r>
+            <a:r>
+              <a:rPr lang="en-US" sz="1800" dirty="0" err="1"/>
+              <a:t>html#tibbles-vs</a:t>
+            </a:r>
+            <a:r>
+              <a:rPr lang="en-US" sz="1800" dirty="0"/>
+              <a:t>.-</a:t>
+            </a:r>
+            <a:r>
+              <a:rPr lang="en-US" sz="1800" dirty="0" err="1"/>
+              <a:t>data.frame</a:t>
+            </a:r>
+            <a:endParaRPr lang="en-US" sz="1800" dirty="0"/>
           </a:p>
         </p:txBody>
       </p:sp>
     </p:spTree>
+    <p:extLst>
+      <p:ext uri="{BB962C8B-B14F-4D97-AF65-F5344CB8AC3E}">
+        <p14:creationId xmlns:p14="http://schemas.microsoft.com/office/powerpoint/2010/main" val="3638709808"/>
+      </p:ext>
+    </p:extLst>
   </p:cSld>
   <p:clrMapOvr>
     <a:masterClrMapping/>
@@ -6515,7 +6480,7 @@
           </a:ln>
           <a:extLst>
             <a:ext uri="{C572A759-6A51-4108-AA02-DFA0A04FC94B}">
-              <ma14:wrappingTextBoxFlag xmlns="" xmlns:m="http://schemas.openxmlformats.org/officeDocument/2006/math" xmlns:a14="http://schemas.microsoft.com/office/drawing/2010/main" xmlns:ma14="http://schemas.microsoft.com/office/mac/drawingml/2011/main" val="1"/>
+              <ma14:wrappingTextBoxFlag xmlns:ma14="http://schemas.microsoft.com/office/mac/drawingml/2011/main" xmlns:a14="http://schemas.microsoft.com/office/drawing/2010/main" xmlns:m="http://schemas.openxmlformats.org/officeDocument/2006/math" xmlns="" val="1"/>
             </a:ext>
           </a:extLst>
         </p:spPr>
@@ -6555,7 +6520,7 @@
           </a:ln>
           <a:extLst>
             <a:ext uri="{C572A759-6A51-4108-AA02-DFA0A04FC94B}">
-              <ma14:wrappingTextBoxFlag xmlns="" xmlns:m="http://schemas.openxmlformats.org/officeDocument/2006/math" xmlns:a14="http://schemas.microsoft.com/office/drawing/2010/main" xmlns:ma14="http://schemas.microsoft.com/office/mac/drawingml/2011/main" val="1"/>
+              <ma14:wrappingTextBoxFlag xmlns:ma14="http://schemas.microsoft.com/office/mac/drawingml/2011/main" xmlns:a14="http://schemas.microsoft.com/office/drawing/2010/main" xmlns:m="http://schemas.openxmlformats.org/officeDocument/2006/math" xmlns="" val="1"/>
             </a:ext>
           </a:extLst>
         </p:spPr>
@@ -6625,7 +6590,7 @@
           </a:ln>
           <a:extLst>
             <a:ext uri="{C572A759-6A51-4108-AA02-DFA0A04FC94B}">
-              <ma14:wrappingTextBoxFlag xmlns="" xmlns:m="http://schemas.openxmlformats.org/officeDocument/2006/math" xmlns:a14="http://schemas.microsoft.com/office/drawing/2010/main" xmlns:ma14="http://schemas.microsoft.com/office/mac/drawingml/2011/main" val="1"/>
+              <ma14:wrappingTextBoxFlag xmlns:ma14="http://schemas.microsoft.com/office/mac/drawingml/2011/main" xmlns:a14="http://schemas.microsoft.com/office/drawing/2010/main" xmlns:m="http://schemas.openxmlformats.org/officeDocument/2006/math" xmlns="" val="1"/>
             </a:ext>
           </a:extLst>
         </p:spPr>
@@ -6773,7 +6738,7 @@
           </a:ln>
           <a:extLst>
             <a:ext uri="{C572A759-6A51-4108-AA02-DFA0A04FC94B}">
-              <ma14:wrappingTextBoxFlag xmlns="" xmlns:m="http://schemas.openxmlformats.org/officeDocument/2006/math" xmlns:a14="http://schemas.microsoft.com/office/drawing/2010/main" xmlns:ma14="http://schemas.microsoft.com/office/mac/drawingml/2011/main" val="1"/>
+              <ma14:wrappingTextBoxFlag xmlns:ma14="http://schemas.microsoft.com/office/mac/drawingml/2011/main" xmlns:a14="http://schemas.microsoft.com/office/drawing/2010/main" xmlns:m="http://schemas.openxmlformats.org/officeDocument/2006/math" xmlns="" val="1"/>
             </a:ext>
           </a:extLst>
         </p:spPr>
@@ -6813,7 +6778,7 @@
           </a:ln>
           <a:extLst>
             <a:ext uri="{C572A759-6A51-4108-AA02-DFA0A04FC94B}">
-              <ma14:wrappingTextBoxFlag xmlns="" xmlns:m="http://schemas.openxmlformats.org/officeDocument/2006/math" xmlns:a14="http://schemas.microsoft.com/office/drawing/2010/main" xmlns:ma14="http://schemas.microsoft.com/office/mac/drawingml/2011/main" val="1"/>
+              <ma14:wrappingTextBoxFlag xmlns:ma14="http://schemas.microsoft.com/office/mac/drawingml/2011/main" xmlns:a14="http://schemas.microsoft.com/office/drawing/2010/main" xmlns:m="http://schemas.openxmlformats.org/officeDocument/2006/math" xmlns="" val="1"/>
             </a:ext>
           </a:extLst>
         </p:spPr>
@@ -6907,7 +6872,7 @@
           </a:ln>
           <a:extLst>
             <a:ext uri="{C572A759-6A51-4108-AA02-DFA0A04FC94B}">
-              <ma14:wrappingTextBoxFlag xmlns="" xmlns:m="http://schemas.openxmlformats.org/officeDocument/2006/math" xmlns:a14="http://schemas.microsoft.com/office/drawing/2010/main" xmlns:ma14="http://schemas.microsoft.com/office/mac/drawingml/2011/main" val="1"/>
+              <ma14:wrappingTextBoxFlag xmlns:ma14="http://schemas.microsoft.com/office/mac/drawingml/2011/main" xmlns:a14="http://schemas.microsoft.com/office/drawing/2010/main" xmlns:m="http://schemas.openxmlformats.org/officeDocument/2006/math" xmlns="" val="1"/>
             </a:ext>
           </a:extLst>
         </p:spPr>
@@ -6968,7 +6933,7 @@
           </a:ln>
           <a:extLst>
             <a:ext uri="{C572A759-6A51-4108-AA02-DFA0A04FC94B}">
-              <ma14:wrappingTextBoxFlag xmlns="" xmlns:m="http://schemas.openxmlformats.org/officeDocument/2006/math" xmlns:a14="http://schemas.microsoft.com/office/drawing/2010/main" xmlns:ma14="http://schemas.microsoft.com/office/mac/drawingml/2011/main" val="1"/>
+              <ma14:wrappingTextBoxFlag xmlns:ma14="http://schemas.microsoft.com/office/mac/drawingml/2011/main" xmlns:a14="http://schemas.microsoft.com/office/drawing/2010/main" xmlns:m="http://schemas.openxmlformats.org/officeDocument/2006/math" xmlns="" val="1"/>
             </a:ext>
           </a:extLst>
         </p:spPr>
@@ -7005,8 +6970,8 @@
         </p:blipFill>
         <p:spPr>
           <a:xfrm>
-            <a:off x="5570494" y="1415547"/>
-            <a:ext cx="5592507" cy="3168536"/>
+            <a:off x="4784390" y="959600"/>
+            <a:ext cx="6690845" cy="3790819"/>
           </a:xfrm>
           <a:prstGeom prst="rect">
             <a:avLst/>
@@ -7024,8 +6989,8 @@
         </p:nvSpPr>
         <p:spPr>
           <a:xfrm>
-            <a:off x="6429865" y="4369125"/>
-            <a:ext cx="5459499" cy="328295"/>
+            <a:off x="5760792" y="5363365"/>
+            <a:ext cx="5459499" cy="882293"/>
           </a:xfrm>
           <a:prstGeom prst="rect">
             <a:avLst/>
@@ -7035,7 +7000,7 @@
           </a:ln>
           <a:extLst>
             <a:ext uri="{C572A759-6A51-4108-AA02-DFA0A04FC94B}">
-              <ma14:wrappingTextBoxFlag xmlns="" xmlns:m="http://schemas.openxmlformats.org/officeDocument/2006/math" xmlns:a14="http://schemas.microsoft.com/office/drawing/2010/main" xmlns:ma14="http://schemas.microsoft.com/office/mac/drawingml/2011/main" val="1"/>
+              <ma14:wrappingTextBoxFlag xmlns:ma14="http://schemas.microsoft.com/office/mac/drawingml/2011/main" xmlns:a14="http://schemas.microsoft.com/office/drawing/2010/main" xmlns:m="http://schemas.openxmlformats.org/officeDocument/2006/math" xmlns="" val="1"/>
             </a:ext>
           </a:extLst>
         </p:spPr>
@@ -7046,8 +7011,16 @@
           <a:lstStyle/>
           <a:p>
             <a:r>
-              <a:rPr sz="900"/>
-              <a:t>https://towardsdatascience.com/tidyverse-vs-base-r-how-to-choose-the-best-framework-for-you-29b702bdb384</a:t>
+              <a:rPr dirty="0"/>
+              <a:t>https://</a:t>
+            </a:r>
+            <a:r>
+              <a:rPr dirty="0" err="1"/>
+              <a:t>towardsdatascience.com</a:t>
+            </a:r>
+            <a:r>
+              <a:rPr dirty="0"/>
+              <a:t>/tidyverse-vs-base-r-how-to-choose-the-best-framework-for-you-29b702bdb384</a:t>
             </a:r>
           </a:p>
         </p:txBody>
@@ -7071,7 +7044,7 @@
           </a:ln>
           <a:extLst>
             <a:ext uri="{C572A759-6A51-4108-AA02-DFA0A04FC94B}">
-              <ma14:wrappingTextBoxFlag xmlns="" xmlns:m="http://schemas.openxmlformats.org/officeDocument/2006/math" xmlns:a14="http://schemas.microsoft.com/office/drawing/2010/main" xmlns:ma14="http://schemas.microsoft.com/office/mac/drawingml/2011/main" val="1"/>
+              <ma14:wrappingTextBoxFlag xmlns:ma14="http://schemas.microsoft.com/office/mac/drawingml/2011/main" xmlns:a14="http://schemas.microsoft.com/office/drawing/2010/main" xmlns:m="http://schemas.openxmlformats.org/officeDocument/2006/math" xmlns="" val="1"/>
             </a:ext>
           </a:extLst>
         </p:spPr>
@@ -7086,7 +7059,7 @@
           </a:lstStyle>
           <a:p>
             <a:r>
-              <a:rPr sz="2400"/>
+              <a:rPr sz="2400" dirty="0"/>
               <a:t>Base R</a:t>
             </a:r>
           </a:p>
@@ -7100,7 +7073,7 @@
         </p:nvSpPr>
         <p:spPr>
           <a:xfrm>
-            <a:off x="971016" y="2941688"/>
+            <a:off x="855182" y="2438369"/>
             <a:ext cx="3053465" cy="974626"/>
           </a:xfrm>
           <a:prstGeom prst="rect">
@@ -7111,7 +7084,7 @@
           </a:ln>
           <a:extLst>
             <a:ext uri="{C572A759-6A51-4108-AA02-DFA0A04FC94B}">
-              <ma14:wrappingTextBoxFlag xmlns="" xmlns:m="http://schemas.openxmlformats.org/officeDocument/2006/math" xmlns:a14="http://schemas.microsoft.com/office/drawing/2010/main" xmlns:ma14="http://schemas.microsoft.com/office/mac/drawingml/2011/main" val="1"/>
+              <ma14:wrappingTextBoxFlag xmlns:ma14="http://schemas.microsoft.com/office/mac/drawingml/2011/main" xmlns:a14="http://schemas.microsoft.com/office/drawing/2010/main" xmlns:m="http://schemas.openxmlformats.org/officeDocument/2006/math" xmlns="" val="1"/>
             </a:ext>
           </a:extLst>
         </p:spPr>
@@ -7127,7 +7100,7 @@
               <a:defRPr sz="3000"/>
             </a:pPr>
             <a:r>
-              <a:rPr sz="1500"/>
+              <a:rPr sz="1500" dirty="0"/>
               <a:t>Can be faster</a:t>
             </a:r>
           </a:p>
@@ -7138,7 +7111,7 @@
               <a:defRPr sz="3000"/>
             </a:pPr>
             <a:r>
-              <a:rPr sz="1500"/>
+              <a:rPr sz="1500" dirty="0"/>
               <a:t>Older/Can be more stable</a:t>
             </a:r>
           </a:p>
@@ -7149,7 +7122,7 @@
               <a:defRPr sz="3000"/>
             </a:pPr>
             <a:r>
-              <a:rPr sz="1500"/>
+              <a:rPr sz="1500" dirty="0"/>
               <a:t>Easier for some specific cases</a:t>
             </a:r>
           </a:p>
@@ -7160,7 +7133,7 @@
               <a:defRPr sz="3000"/>
             </a:pPr>
             <a:r>
-              <a:rPr sz="1500"/>
+              <a:rPr sz="1500" dirty="0"/>
               <a:t>Don’t need to install anything extra</a:t>
             </a:r>
           </a:p>
@@ -7210,7 +7183,7 @@
           </a:ln>
           <a:extLst>
             <a:ext uri="{C572A759-6A51-4108-AA02-DFA0A04FC94B}">
-              <ma14:wrappingTextBoxFlag xmlns="" xmlns:m="http://schemas.openxmlformats.org/officeDocument/2006/math" xmlns:a14="http://schemas.microsoft.com/office/drawing/2010/main" xmlns:ma14="http://schemas.microsoft.com/office/mac/drawingml/2011/main" val="1"/>
+              <ma14:wrappingTextBoxFlag xmlns:ma14="http://schemas.microsoft.com/office/mac/drawingml/2011/main" xmlns:a14="http://schemas.microsoft.com/office/drawing/2010/main" xmlns:m="http://schemas.openxmlformats.org/officeDocument/2006/math" xmlns="" val="1"/>
             </a:ext>
           </a:extLst>
         </p:spPr>
@@ -7277,7 +7250,7 @@
           </a:ln>
           <a:extLst>
             <a:ext uri="{C572A759-6A51-4108-AA02-DFA0A04FC94B}">
-              <ma14:wrappingTextBoxFlag xmlns="" xmlns:m="http://schemas.openxmlformats.org/officeDocument/2006/math" xmlns:a14="http://schemas.microsoft.com/office/drawing/2010/main" xmlns:ma14="http://schemas.microsoft.com/office/mac/drawingml/2011/main" val="1"/>
+              <ma14:wrappingTextBoxFlag xmlns:ma14="http://schemas.microsoft.com/office/mac/drawingml/2011/main" xmlns:a14="http://schemas.microsoft.com/office/drawing/2010/main" xmlns:m="http://schemas.openxmlformats.org/officeDocument/2006/math" xmlns="" val="1"/>
             </a:ext>
           </a:extLst>
         </p:spPr>
@@ -7313,7 +7286,7 @@
           </a:ln>
           <a:extLst>
             <a:ext uri="{C572A759-6A51-4108-AA02-DFA0A04FC94B}">
-              <ma14:wrappingTextBoxFlag xmlns="" xmlns:m="http://schemas.openxmlformats.org/officeDocument/2006/math" xmlns:a14="http://schemas.microsoft.com/office/drawing/2010/main" xmlns:ma14="http://schemas.microsoft.com/office/mac/drawingml/2011/main" val="1"/>
+              <ma14:wrappingTextBoxFlag xmlns:ma14="http://schemas.microsoft.com/office/mac/drawingml/2011/main" xmlns:a14="http://schemas.microsoft.com/office/drawing/2010/main" xmlns:m="http://schemas.openxmlformats.org/officeDocument/2006/math" xmlns="" val="1"/>
             </a:ext>
           </a:extLst>
         </p:spPr>
@@ -7353,7 +7326,7 @@
           </a:ln>
           <a:extLst>
             <a:ext uri="{C572A759-6A51-4108-AA02-DFA0A04FC94B}">
-              <ma14:wrappingTextBoxFlag xmlns="" xmlns:m="http://schemas.openxmlformats.org/officeDocument/2006/math" xmlns:a14="http://schemas.microsoft.com/office/drawing/2010/main" xmlns:ma14="http://schemas.microsoft.com/office/mac/drawingml/2011/main" val="1"/>
+              <ma14:wrappingTextBoxFlag xmlns:ma14="http://schemas.microsoft.com/office/mac/drawingml/2011/main" xmlns:a14="http://schemas.microsoft.com/office/drawing/2010/main" xmlns:m="http://schemas.openxmlformats.org/officeDocument/2006/math" xmlns="" val="1"/>
             </a:ext>
           </a:extLst>
         </p:spPr>
@@ -7369,8 +7342,16 @@
               <a:defRPr sz="3000"/>
             </a:pPr>
             <a:r>
-              <a:rPr sz="1500"/>
-              <a:t>More readable (left to right like english)</a:t>
+              <a:rPr sz="1500" dirty="0"/>
+              <a:t>More readable (left to right like </a:t>
+            </a:r>
+            <a:r>
+              <a:rPr sz="1500" dirty="0" err="1"/>
+              <a:t>english</a:t>
+            </a:r>
+            <a:r>
+              <a:rPr sz="1500" dirty="0"/>
+              <a:t>)</a:t>
             </a:r>
           </a:p>
           <a:p>
@@ -7380,7 +7361,7 @@
               <a:defRPr sz="3000"/>
             </a:pPr>
             <a:r>
-              <a:rPr sz="1500"/>
+              <a:rPr sz="1500" dirty="0"/>
               <a:t>Standardized</a:t>
             </a:r>
           </a:p>
@@ -7391,8 +7372,24 @@
               <a:defRPr sz="3000"/>
             </a:pPr>
             <a:r>
-              <a:rPr sz="1500"/>
-              <a:t>Different parts work well together (dplyr, pipes, ggplot)</a:t>
+              <a:rPr sz="1500" dirty="0"/>
+              <a:t>Different parts work well together (</a:t>
+            </a:r>
+            <a:r>
+              <a:rPr sz="1500" dirty="0" err="1"/>
+              <a:t>dplyr</a:t>
+            </a:r>
+            <a:r>
+              <a:rPr sz="1500" dirty="0"/>
+              <a:t>, pipes, </a:t>
+            </a:r>
+            <a:r>
+              <a:rPr sz="1500" dirty="0" err="1"/>
+              <a:t>ggplot</a:t>
+            </a:r>
+            <a:r>
+              <a:rPr sz="1500" dirty="0"/>
+              <a:t>)</a:t>
             </a:r>
           </a:p>
           <a:p>
@@ -7402,7 +7399,7 @@
               <a:defRPr sz="3000"/>
             </a:pPr>
             <a:r>
-              <a:rPr sz="1500"/>
+              <a:rPr sz="1500" dirty="0"/>
               <a:t>Many useful functions (verbs)</a:t>
             </a:r>
           </a:p>
@@ -7452,7 +7449,7 @@
           </a:ln>
           <a:extLst>
             <a:ext uri="{C572A759-6A51-4108-AA02-DFA0A04FC94B}">
-              <ma14:wrappingTextBoxFlag xmlns="" xmlns:m="http://schemas.openxmlformats.org/officeDocument/2006/math" xmlns:a14="http://schemas.microsoft.com/office/drawing/2010/main" xmlns:ma14="http://schemas.microsoft.com/office/mac/drawingml/2011/main" val="1"/>
+              <ma14:wrappingTextBoxFlag xmlns:ma14="http://schemas.microsoft.com/office/mac/drawingml/2011/main" xmlns:a14="http://schemas.microsoft.com/office/drawing/2010/main" xmlns:m="http://schemas.openxmlformats.org/officeDocument/2006/math" xmlns="" val="1"/>
             </a:ext>
           </a:extLst>
         </p:spPr>
@@ -7519,7 +7516,7 @@
           </a:ln>
           <a:extLst>
             <a:ext uri="{C572A759-6A51-4108-AA02-DFA0A04FC94B}">
-              <ma14:wrappingTextBoxFlag xmlns="" xmlns:m="http://schemas.openxmlformats.org/officeDocument/2006/math" xmlns:a14="http://schemas.microsoft.com/office/drawing/2010/main" xmlns:ma14="http://schemas.microsoft.com/office/mac/drawingml/2011/main" val="1"/>
+              <ma14:wrappingTextBoxFlag xmlns:ma14="http://schemas.microsoft.com/office/mac/drawingml/2011/main" xmlns:a14="http://schemas.microsoft.com/office/drawing/2010/main" xmlns:m="http://schemas.openxmlformats.org/officeDocument/2006/math" xmlns="" val="1"/>
             </a:ext>
           </a:extLst>
         </p:spPr>
@@ -7667,7 +7664,7 @@
           </a:ln>
           <a:extLst>
             <a:ext uri="{C572A759-6A51-4108-AA02-DFA0A04FC94B}">
-              <ma14:wrappingTextBoxFlag xmlns="" xmlns:m="http://schemas.openxmlformats.org/officeDocument/2006/math" xmlns:a14="http://schemas.microsoft.com/office/drawing/2010/main" xmlns:ma14="http://schemas.microsoft.com/office/mac/drawingml/2011/main" val="1"/>
+              <ma14:wrappingTextBoxFlag xmlns:ma14="http://schemas.microsoft.com/office/mac/drawingml/2011/main" xmlns:a14="http://schemas.microsoft.com/office/drawing/2010/main" xmlns:m="http://schemas.openxmlformats.org/officeDocument/2006/math" xmlns="" val="1"/>
             </a:ext>
           </a:extLst>
         </p:spPr>
@@ -7696,8 +7693,8 @@
         </p:nvSpPr>
         <p:spPr>
           <a:xfrm>
-            <a:off x="8536072" y="5825898"/>
-            <a:ext cx="2434962" cy="189796"/>
+            <a:off x="6784390" y="6145738"/>
+            <a:ext cx="5260671" cy="359073"/>
           </a:xfrm>
           <a:prstGeom prst="rect">
             <a:avLst/>
@@ -7707,7 +7704,7 @@
           </a:ln>
           <a:extLst>
             <a:ext uri="{C572A759-6A51-4108-AA02-DFA0A04FC94B}">
-              <ma14:wrappingTextBoxFlag xmlns="" xmlns:m="http://schemas.openxmlformats.org/officeDocument/2006/math" xmlns:a14="http://schemas.microsoft.com/office/drawing/2010/main" xmlns:ma14="http://schemas.microsoft.com/office/mac/drawingml/2011/main" val="1"/>
+              <ma14:wrappingTextBoxFlag xmlns:ma14="http://schemas.microsoft.com/office/mac/drawingml/2011/main" xmlns:a14="http://schemas.microsoft.com/office/drawing/2010/main" xmlns:m="http://schemas.openxmlformats.org/officeDocument/2006/math" xmlns="" val="1"/>
             </a:ext>
           </a:extLst>
         </p:spPr>
@@ -7718,9 +7715,22 @@
           <a:lstStyle/>
           <a:p>
             <a:r>
-              <a:rPr sz="900"/>
-              <a:t>https://dplyr.tidyverse.org/reference/index.html</a:t>
-            </a:r>
+              <a:rPr sz="2000" dirty="0"/>
+              <a:t>https://</a:t>
+            </a:r>
+            <a:r>
+              <a:rPr sz="2000" dirty="0" err="1"/>
+              <a:t>dplyr.tidyverse.org</a:t>
+            </a:r>
+            <a:r>
+              <a:rPr sz="2000" dirty="0"/>
+              <a:t>/reference/</a:t>
+            </a:r>
+            <a:r>
+              <a:rPr sz="2000" dirty="0" err="1"/>
+              <a:t>index.html</a:t>
+            </a:r>
+            <a:endParaRPr sz="2000" dirty="0"/>
           </a:p>
         </p:txBody>
       </p:sp>
@@ -7740,7 +7750,7 @@
         </p:blipFill>
         <p:spPr>
           <a:xfrm>
-            <a:off x="816331" y="1654870"/>
+            <a:off x="794028" y="1137830"/>
             <a:ext cx="4864101" cy="4582339"/>
           </a:xfrm>
           <a:prstGeom prst="rect">
@@ -7849,7 +7859,7 @@
           </a:ln>
           <a:extLst>
             <a:ext uri="{C572A759-6A51-4108-AA02-DFA0A04FC94B}">
-              <ma14:wrappingTextBoxFlag xmlns="" xmlns:m="http://schemas.openxmlformats.org/officeDocument/2006/math" xmlns:a14="http://schemas.microsoft.com/office/drawing/2010/main" xmlns:ma14="http://schemas.microsoft.com/office/mac/drawingml/2011/main" val="1"/>
+              <ma14:wrappingTextBoxFlag xmlns:ma14="http://schemas.microsoft.com/office/mac/drawingml/2011/main" xmlns:a14="http://schemas.microsoft.com/office/drawing/2010/main" xmlns:m="http://schemas.openxmlformats.org/officeDocument/2006/math" xmlns="" val="1"/>
             </a:ext>
           </a:extLst>
         </p:spPr>
@@ -7878,8 +7888,8 @@
         </p:nvSpPr>
         <p:spPr>
           <a:xfrm>
-            <a:off x="829337" y="1527880"/>
-            <a:ext cx="3238066" cy="189796"/>
+            <a:off x="806615" y="1640481"/>
+            <a:ext cx="6395725" cy="328295"/>
           </a:xfrm>
           <a:prstGeom prst="rect">
             <a:avLst/>
@@ -7889,7 +7899,7 @@
           </a:ln>
           <a:extLst>
             <a:ext uri="{C572A759-6A51-4108-AA02-DFA0A04FC94B}">
-              <ma14:wrappingTextBoxFlag xmlns="" xmlns:m="http://schemas.openxmlformats.org/officeDocument/2006/math" xmlns:a14="http://schemas.microsoft.com/office/drawing/2010/main" xmlns:ma14="http://schemas.microsoft.com/office/mac/drawingml/2011/main" val="1"/>
+              <ma14:wrappingTextBoxFlag xmlns:ma14="http://schemas.microsoft.com/office/mac/drawingml/2011/main" xmlns:a14="http://schemas.microsoft.com/office/drawing/2010/main" xmlns:m="http://schemas.openxmlformats.org/officeDocument/2006/math" xmlns="" val="1"/>
             </a:ext>
           </a:extLst>
         </p:spPr>
@@ -7900,7 +7910,7 @@
           <a:lstStyle/>
           <a:p>
             <a:r>
-              <a:rPr sz="900" dirty="0"/>
+              <a:rPr dirty="0"/>
               <a:t>In Unix Pipes let you chain commands together with the pipe ( | ) </a:t>
             </a:r>
           </a:p>
@@ -7914,8 +7924,8 @@
         </p:nvSpPr>
         <p:spPr>
           <a:xfrm>
-            <a:off x="7587194" y="1364551"/>
-            <a:ext cx="2237792" cy="189796"/>
+            <a:off x="711013" y="2881730"/>
+            <a:ext cx="4412234" cy="328295"/>
           </a:xfrm>
           <a:prstGeom prst="rect">
             <a:avLst/>
@@ -7925,7 +7935,7 @@
           </a:ln>
           <a:extLst>
             <a:ext uri="{C572A759-6A51-4108-AA02-DFA0A04FC94B}">
-              <ma14:wrappingTextBoxFlag xmlns="" xmlns:m="http://schemas.openxmlformats.org/officeDocument/2006/math" xmlns:a14="http://schemas.microsoft.com/office/drawing/2010/main" xmlns:ma14="http://schemas.microsoft.com/office/mac/drawingml/2011/main" val="1"/>
+              <ma14:wrappingTextBoxFlag xmlns:ma14="http://schemas.microsoft.com/office/mac/drawingml/2011/main" xmlns:a14="http://schemas.microsoft.com/office/drawing/2010/main" xmlns:m="http://schemas.openxmlformats.org/officeDocument/2006/math" xmlns="" val="1"/>
             </a:ext>
           </a:extLst>
         </p:spPr>
@@ -7936,8 +7946,12 @@
           <a:lstStyle/>
           <a:p>
             <a:r>
-              <a:rPr sz="900"/>
-              <a:t>Tidyverse uses %&gt;% or  |&gt; to link commands</a:t>
+              <a:rPr dirty="0" err="1"/>
+              <a:t>Tidyverse</a:t>
+            </a:r>
+            <a:r>
+              <a:rPr dirty="0"/>
+              <a:t> uses %&gt;% or  |&gt; to link commands</a:t>
             </a:r>
           </a:p>
         </p:txBody>
@@ -7950,8 +7964,8 @@
         </p:nvSpPr>
         <p:spPr>
           <a:xfrm>
-            <a:off x="806615" y="2113941"/>
-            <a:ext cx="1418658" cy="189796"/>
+            <a:off x="806615" y="2075469"/>
+            <a:ext cx="2142190" cy="266740"/>
           </a:xfrm>
           <a:prstGeom prst="rect">
             <a:avLst/>
@@ -7961,7 +7975,7 @@
           </a:ln>
           <a:extLst>
             <a:ext uri="{C572A759-6A51-4108-AA02-DFA0A04FC94B}">
-              <ma14:wrappingTextBoxFlag xmlns="" xmlns:m="http://schemas.openxmlformats.org/officeDocument/2006/math" xmlns:a14="http://schemas.microsoft.com/office/drawing/2010/main" xmlns:ma14="http://schemas.microsoft.com/office/mac/drawingml/2011/main" val="1"/>
+              <ma14:wrappingTextBoxFlag xmlns:ma14="http://schemas.microsoft.com/office/mac/drawingml/2011/main" xmlns:a14="http://schemas.microsoft.com/office/drawing/2010/main" xmlns:m="http://schemas.openxmlformats.org/officeDocument/2006/math" xmlns="" val="1"/>
             </a:ext>
           </a:extLst>
         </p:spPr>
@@ -7972,8 +7986,24 @@
           <a:lstStyle/>
           <a:p>
             <a:r>
-              <a:rPr sz="900"/>
-              <a:t>cat file.txt | grep ‘sometext’ </a:t>
+              <a:rPr sz="1400" dirty="0"/>
+              <a:t>cat </a:t>
+            </a:r>
+            <a:r>
+              <a:rPr sz="1400" dirty="0" err="1"/>
+              <a:t>file.txt</a:t>
+            </a:r>
+            <a:r>
+              <a:rPr sz="1400" dirty="0"/>
+              <a:t> | grep ‘</a:t>
+            </a:r>
+            <a:r>
+              <a:rPr sz="1400" dirty="0" err="1"/>
+              <a:t>sometext</a:t>
+            </a:r>
+            <a:r>
+              <a:rPr sz="1400" dirty="0"/>
+              <a:t>’ </a:t>
             </a:r>
           </a:p>
         </p:txBody>
@@ -7986,8 +8016,8 @@
         </p:nvSpPr>
         <p:spPr>
           <a:xfrm>
-            <a:off x="7964207" y="2113941"/>
-            <a:ext cx="2016578" cy="189796"/>
+            <a:off x="711013" y="3210025"/>
+            <a:ext cx="3978525" cy="328295"/>
           </a:xfrm>
           <a:prstGeom prst="rect">
             <a:avLst/>
@@ -7997,7 +8027,7 @@
           </a:ln>
           <a:extLst>
             <a:ext uri="{C572A759-6A51-4108-AA02-DFA0A04FC94B}">
-              <ma14:wrappingTextBoxFlag xmlns="" xmlns:m="http://schemas.openxmlformats.org/officeDocument/2006/math" xmlns:a14="http://schemas.microsoft.com/office/drawing/2010/main" xmlns:ma14="http://schemas.microsoft.com/office/mac/drawingml/2011/main" val="1"/>
+              <ma14:wrappingTextBoxFlag xmlns:ma14="http://schemas.microsoft.com/office/mac/drawingml/2011/main" xmlns:a14="http://schemas.microsoft.com/office/drawing/2010/main" xmlns:m="http://schemas.openxmlformats.org/officeDocument/2006/math" xmlns="" val="1"/>
             </a:ext>
           </a:extLst>
         </p:spPr>
@@ -8008,8 +8038,28 @@
           <a:lstStyle/>
           <a:p>
             <a:r>
-              <a:rPr sz="900"/>
-              <a:t>df |&gt; filter() |&gt; group_by() |&gt; summarise()</a:t>
+              <a:rPr dirty="0" err="1"/>
+              <a:t>df</a:t>
+            </a:r>
+            <a:r>
+              <a:rPr dirty="0"/>
+              <a:t> |&gt; filter() |&gt; </a:t>
+            </a:r>
+            <a:r>
+              <a:rPr dirty="0" err="1"/>
+              <a:t>group_by</a:t>
+            </a:r>
+            <a:r>
+              <a:rPr dirty="0"/>
+              <a:t>() |&gt; </a:t>
+            </a:r>
+            <a:r>
+              <a:rPr dirty="0" err="1"/>
+              <a:t>summarise</a:t>
+            </a:r>
+            <a:r>
+              <a:rPr dirty="0"/>
+              <a:t>()</a:t>
             </a:r>
           </a:p>
         </p:txBody>
@@ -8022,8 +8072,8 @@
         </p:nvSpPr>
         <p:spPr>
           <a:xfrm>
-            <a:off x="9205640" y="6097328"/>
-            <a:ext cx="1744067" cy="189796"/>
+            <a:off x="9205640" y="6028079"/>
+            <a:ext cx="3415294" cy="328295"/>
           </a:xfrm>
           <a:prstGeom prst="rect">
             <a:avLst/>
@@ -8033,7 +8083,7 @@
           </a:ln>
           <a:extLst>
             <a:ext uri="{C572A759-6A51-4108-AA02-DFA0A04FC94B}">
-              <ma14:wrappingTextBoxFlag xmlns="" xmlns:m="http://schemas.openxmlformats.org/officeDocument/2006/math" xmlns:a14="http://schemas.microsoft.com/office/drawing/2010/main" xmlns:ma14="http://schemas.microsoft.com/office/mac/drawingml/2011/main" val="1"/>
+              <ma14:wrappingTextBoxFlag xmlns:ma14="http://schemas.microsoft.com/office/mac/drawingml/2011/main" xmlns:a14="http://schemas.microsoft.com/office/drawing/2010/main" xmlns:m="http://schemas.openxmlformats.org/officeDocument/2006/math" xmlns="" val="1"/>
             </a:ext>
           </a:extLst>
         </p:spPr>
@@ -8044,9 +8094,14 @@
           <a:lstStyle/>
           <a:p>
             <a:r>
-              <a:rPr sz="900"/>
-              <a:t>https://r4ds.had.co.nz/pipes.html</a:t>
-            </a:r>
+              <a:rPr dirty="0"/>
+              <a:t>https://r4ds.had.co.nz/</a:t>
+            </a:r>
+            <a:r>
+              <a:rPr dirty="0" err="1"/>
+              <a:t>pipes.html</a:t>
+            </a:r>
+            <a:endParaRPr dirty="0"/>
           </a:p>
         </p:txBody>
       </p:sp>
@@ -8058,7 +8113,7 @@
         </p:nvSpPr>
         <p:spPr>
           <a:xfrm>
-            <a:off x="3853091" y="3264853"/>
+            <a:off x="3289479" y="5552502"/>
             <a:ext cx="4297715" cy="328295"/>
           </a:xfrm>
           <a:prstGeom prst="rect">
@@ -8069,7 +8124,7 @@
           </a:ln>
           <a:extLst>
             <a:ext uri="{C572A759-6A51-4108-AA02-DFA0A04FC94B}">
-              <ma14:wrappingTextBoxFlag xmlns="" xmlns:m="http://schemas.openxmlformats.org/officeDocument/2006/math" xmlns:a14="http://schemas.microsoft.com/office/drawing/2010/main" xmlns:ma14="http://schemas.microsoft.com/office/mac/drawingml/2011/main" val="1"/>
+              <ma14:wrappingTextBoxFlag xmlns:ma14="http://schemas.microsoft.com/office/mac/drawingml/2011/main" xmlns:a14="http://schemas.microsoft.com/office/drawing/2010/main" xmlns:m="http://schemas.openxmlformats.org/officeDocument/2006/math" xmlns="" val="1"/>
             </a:ext>
           </a:extLst>
         </p:spPr>
@@ -8091,7 +8146,7 @@
           </a:lstStyle>
           <a:p>
             <a:r>
-              <a:rPr sz="1800"/>
+              <a:rPr sz="1800" dirty="0"/>
               <a:t>Pipes make reading a series of steps easier</a:t>
             </a:r>
           </a:p>
@@ -8141,7 +8196,7 @@
           </a:ln>
           <a:extLst>
             <a:ext uri="{C572A759-6A51-4108-AA02-DFA0A04FC94B}">
-              <ma14:wrappingTextBoxFlag xmlns="" xmlns:m="http://schemas.openxmlformats.org/officeDocument/2006/math" xmlns:a14="http://schemas.microsoft.com/office/drawing/2010/main" xmlns:ma14="http://schemas.microsoft.com/office/mac/drawingml/2011/main" val="1"/>
+              <ma14:wrappingTextBoxFlag xmlns:ma14="http://schemas.microsoft.com/office/mac/drawingml/2011/main" xmlns:a14="http://schemas.microsoft.com/office/drawing/2010/main" xmlns:m="http://schemas.openxmlformats.org/officeDocument/2006/math" xmlns="" val="1"/>
             </a:ext>
           </a:extLst>
         </p:spPr>
@@ -8186,7 +8241,7 @@
           </a:ln>
           <a:extLst>
             <a:ext uri="{C572A759-6A51-4108-AA02-DFA0A04FC94B}">
-              <ma14:wrappingTextBoxFlag xmlns="" xmlns:m="http://schemas.openxmlformats.org/officeDocument/2006/math" xmlns:a14="http://schemas.microsoft.com/office/drawing/2010/main" xmlns:ma14="http://schemas.microsoft.com/office/mac/drawingml/2011/main" val="1"/>
+              <ma14:wrappingTextBoxFlag xmlns:ma14="http://schemas.microsoft.com/office/mac/drawingml/2011/main" xmlns:a14="http://schemas.microsoft.com/office/drawing/2010/main" xmlns:m="http://schemas.openxmlformats.org/officeDocument/2006/math" xmlns="" val="1"/>
             </a:ext>
           </a:extLst>
         </p:spPr>
@@ -8226,7 +8281,7 @@
           </a:ln>
           <a:extLst>
             <a:ext uri="{C572A759-6A51-4108-AA02-DFA0A04FC94B}">
-              <ma14:wrappingTextBoxFlag xmlns="" xmlns:m="http://schemas.openxmlformats.org/officeDocument/2006/math" xmlns:a14="http://schemas.microsoft.com/office/drawing/2010/main" xmlns:ma14="http://schemas.microsoft.com/office/mac/drawingml/2011/main" val="1"/>
+              <ma14:wrappingTextBoxFlag xmlns:ma14="http://schemas.microsoft.com/office/mac/drawingml/2011/main" xmlns:a14="http://schemas.microsoft.com/office/drawing/2010/main" xmlns:m="http://schemas.openxmlformats.org/officeDocument/2006/math" xmlns="" val="1"/>
             </a:ext>
           </a:extLst>
         </p:spPr>
@@ -8266,7 +8321,7 @@
           </a:ln>
           <a:extLst>
             <a:ext uri="{C572A759-6A51-4108-AA02-DFA0A04FC94B}">
-              <ma14:wrappingTextBoxFlag xmlns="" xmlns:m="http://schemas.openxmlformats.org/officeDocument/2006/math" xmlns:a14="http://schemas.microsoft.com/office/drawing/2010/main" xmlns:ma14="http://schemas.microsoft.com/office/mac/drawingml/2011/main" val="1"/>
+              <ma14:wrappingTextBoxFlag xmlns:ma14="http://schemas.microsoft.com/office/mac/drawingml/2011/main" xmlns:a14="http://schemas.microsoft.com/office/drawing/2010/main" xmlns:m="http://schemas.openxmlformats.org/officeDocument/2006/math" xmlns="" val="1"/>
             </a:ext>
           </a:extLst>
         </p:spPr>
@@ -8281,7 +8336,7 @@
           </a:lstStyle>
           <a:p>
             <a:r>
-              <a:rPr sz="1800"/>
+              <a:rPr sz="1800" dirty="0"/>
               <a:t>iris</a:t>
             </a:r>
           </a:p>
@@ -8306,7 +8361,7 @@
           </a:ln>
           <a:extLst>
             <a:ext uri="{C572A759-6A51-4108-AA02-DFA0A04FC94B}">
-              <ma14:wrappingTextBoxFlag xmlns="" xmlns:m="http://schemas.openxmlformats.org/officeDocument/2006/math" xmlns:a14="http://schemas.microsoft.com/office/drawing/2010/main" xmlns:ma14="http://schemas.microsoft.com/office/mac/drawingml/2011/main" val="1"/>
+              <ma14:wrappingTextBoxFlag xmlns:ma14="http://schemas.microsoft.com/office/mac/drawingml/2011/main" xmlns:a14="http://schemas.microsoft.com/office/drawing/2010/main" xmlns:m="http://schemas.openxmlformats.org/officeDocument/2006/math" xmlns="" val="1"/>
             </a:ext>
           </a:extLst>
         </p:spPr>
@@ -8346,7 +8401,7 @@
           </a:ln>
           <a:extLst>
             <a:ext uri="{C572A759-6A51-4108-AA02-DFA0A04FC94B}">
-              <ma14:wrappingTextBoxFlag xmlns="" xmlns:m="http://schemas.openxmlformats.org/officeDocument/2006/math" xmlns:a14="http://schemas.microsoft.com/office/drawing/2010/main" xmlns:ma14="http://schemas.microsoft.com/office/mac/drawingml/2011/main" val="1"/>
+              <ma14:wrappingTextBoxFlag xmlns:ma14="http://schemas.microsoft.com/office/mac/drawingml/2011/main" xmlns:a14="http://schemas.microsoft.com/office/drawing/2010/main" xmlns:m="http://schemas.openxmlformats.org/officeDocument/2006/math" xmlns="" val="1"/>
             </a:ext>
           </a:extLst>
         </p:spPr>
@@ -8402,7 +8457,7 @@
           </a:ln>
           <a:extLst>
             <a:ext uri="{C572A759-6A51-4108-AA02-DFA0A04FC94B}">
-              <ma14:wrappingTextBoxFlag xmlns="" xmlns:m="http://schemas.openxmlformats.org/officeDocument/2006/math" xmlns:a14="http://schemas.microsoft.com/office/drawing/2010/main" xmlns:ma14="http://schemas.microsoft.com/office/mac/drawingml/2011/main" val="1"/>
+              <ma14:wrappingTextBoxFlag xmlns:ma14="http://schemas.microsoft.com/office/mac/drawingml/2011/main" xmlns:a14="http://schemas.microsoft.com/office/drawing/2010/main" xmlns:m="http://schemas.openxmlformats.org/officeDocument/2006/math" xmlns="" val="1"/>
             </a:ext>
           </a:extLst>
         </p:spPr>
@@ -8442,7 +8497,7 @@
           </a:ln>
           <a:extLst>
             <a:ext uri="{C572A759-6A51-4108-AA02-DFA0A04FC94B}">
-              <ma14:wrappingTextBoxFlag xmlns="" xmlns:m="http://schemas.openxmlformats.org/officeDocument/2006/math" xmlns:a14="http://schemas.microsoft.com/office/drawing/2010/main" xmlns:ma14="http://schemas.microsoft.com/office/mac/drawingml/2011/main" val="1"/>
+              <ma14:wrappingTextBoxFlag xmlns:ma14="http://schemas.microsoft.com/office/mac/drawingml/2011/main" xmlns:a14="http://schemas.microsoft.com/office/drawing/2010/main" xmlns:m="http://schemas.openxmlformats.org/officeDocument/2006/math" xmlns="" val="1"/>
             </a:ext>
           </a:extLst>
         </p:spPr>
@@ -8486,7 +8541,7 @@
           </a:ln>
           <a:extLst>
             <a:ext uri="{C572A759-6A51-4108-AA02-DFA0A04FC94B}">
-              <ma14:wrappingTextBoxFlag xmlns="" xmlns:m="http://schemas.openxmlformats.org/officeDocument/2006/math" xmlns:a14="http://schemas.microsoft.com/office/drawing/2010/main" xmlns:ma14="http://schemas.microsoft.com/office/mac/drawingml/2011/main" val="1"/>
+              <ma14:wrappingTextBoxFlag xmlns:ma14="http://schemas.microsoft.com/office/mac/drawingml/2011/main" xmlns:a14="http://schemas.microsoft.com/office/drawing/2010/main" xmlns:m="http://schemas.openxmlformats.org/officeDocument/2006/math" xmlns="" val="1"/>
             </a:ext>
           </a:extLst>
         </p:spPr>
@@ -8526,7 +8581,7 @@
           </a:ln>
           <a:extLst>
             <a:ext uri="{C572A759-6A51-4108-AA02-DFA0A04FC94B}">
-              <ma14:wrappingTextBoxFlag xmlns="" xmlns:m="http://schemas.openxmlformats.org/officeDocument/2006/math" xmlns:a14="http://schemas.microsoft.com/office/drawing/2010/main" xmlns:ma14="http://schemas.microsoft.com/office/mac/drawingml/2011/main" val="1"/>
+              <ma14:wrappingTextBoxFlag xmlns:ma14="http://schemas.microsoft.com/office/mac/drawingml/2011/main" xmlns:a14="http://schemas.microsoft.com/office/drawing/2010/main" xmlns:m="http://schemas.openxmlformats.org/officeDocument/2006/math" xmlns="" val="1"/>
             </a:ext>
           </a:extLst>
         </p:spPr>
@@ -8566,7 +8621,7 @@
           </a:ln>
           <a:extLst>
             <a:ext uri="{C572A759-6A51-4108-AA02-DFA0A04FC94B}">
-              <ma14:wrappingTextBoxFlag xmlns="" xmlns:m="http://schemas.openxmlformats.org/officeDocument/2006/math" xmlns:a14="http://schemas.microsoft.com/office/drawing/2010/main" xmlns:ma14="http://schemas.microsoft.com/office/mac/drawingml/2011/main" val="1"/>
+              <ma14:wrappingTextBoxFlag xmlns:ma14="http://schemas.microsoft.com/office/mac/drawingml/2011/main" xmlns:a14="http://schemas.microsoft.com/office/drawing/2010/main" xmlns:m="http://schemas.openxmlformats.org/officeDocument/2006/math" xmlns="" val="1"/>
             </a:ext>
           </a:extLst>
         </p:spPr>
@@ -8631,7 +8686,7 @@
           </a:ln>
           <a:extLst>
             <a:ext uri="{C572A759-6A51-4108-AA02-DFA0A04FC94B}">
-              <ma14:wrappingTextBoxFlag xmlns="" xmlns:m="http://schemas.openxmlformats.org/officeDocument/2006/math" xmlns:a14="http://schemas.microsoft.com/office/drawing/2010/main" xmlns:ma14="http://schemas.microsoft.com/office/mac/drawingml/2011/main" val="1"/>
+              <ma14:wrappingTextBoxFlag xmlns:ma14="http://schemas.microsoft.com/office/mac/drawingml/2011/main" xmlns:a14="http://schemas.microsoft.com/office/drawing/2010/main" xmlns:m="http://schemas.openxmlformats.org/officeDocument/2006/math" xmlns="" val="1"/>
             </a:ext>
           </a:extLst>
         </p:spPr>
@@ -8671,7 +8726,7 @@
           </a:ln>
           <a:extLst>
             <a:ext uri="{C572A759-6A51-4108-AA02-DFA0A04FC94B}">
-              <ma14:wrappingTextBoxFlag xmlns="" xmlns:m="http://schemas.openxmlformats.org/officeDocument/2006/math" xmlns:a14="http://schemas.microsoft.com/office/drawing/2010/main" xmlns:ma14="http://schemas.microsoft.com/office/mac/drawingml/2011/main" val="1"/>
+              <ma14:wrappingTextBoxFlag xmlns:ma14="http://schemas.microsoft.com/office/mac/drawingml/2011/main" xmlns:a14="http://schemas.microsoft.com/office/drawing/2010/main" xmlns:m="http://schemas.openxmlformats.org/officeDocument/2006/math" xmlns="" val="1"/>
             </a:ext>
           </a:extLst>
         </p:spPr>
@@ -8687,8 +8742,16 @@
               <a:defRPr sz="4000"/>
             </a:pPr>
             <a:r>
-              <a:rPr sz="2000"/>
-              <a:t>Installing R and Github and getting code</a:t>
+              <a:rPr sz="2000" dirty="0"/>
+              <a:t>Installing R and </a:t>
+            </a:r>
+            <a:r>
+              <a:rPr sz="2000" dirty="0" err="1"/>
+              <a:t>Github</a:t>
+            </a:r>
+            <a:r>
+              <a:rPr sz="2000" dirty="0"/>
+              <a:t> and getting code</a:t>
             </a:r>
           </a:p>
           <a:p>
@@ -8698,7 +8761,7 @@
               <a:defRPr sz="4000"/>
             </a:pPr>
             <a:r>
-              <a:rPr sz="2000"/>
+              <a:rPr sz="2000" dirty="0"/>
               <a:t>R syntax</a:t>
             </a:r>
           </a:p>
@@ -8709,7 +8772,7 @@
               <a:defRPr sz="4000"/>
             </a:pPr>
             <a:r>
-              <a:rPr sz="2000"/>
+              <a:rPr sz="2000" dirty="0"/>
               <a:t>Getting data into R</a:t>
             </a:r>
           </a:p>
@@ -8720,7 +8783,7 @@
               <a:defRPr sz="4000"/>
             </a:pPr>
             <a:r>
-              <a:rPr sz="2000"/>
+              <a:rPr sz="2000" dirty="0"/>
               <a:t>working with data in R</a:t>
             </a:r>
           </a:p>
@@ -8770,7 +8833,7 @@
           </a:ln>
           <a:extLst>
             <a:ext uri="{C572A759-6A51-4108-AA02-DFA0A04FC94B}">
-              <ma14:wrappingTextBoxFlag xmlns="" xmlns:m="http://schemas.openxmlformats.org/officeDocument/2006/math" xmlns:a14="http://schemas.microsoft.com/office/drawing/2010/main" xmlns:ma14="http://schemas.microsoft.com/office/mac/drawingml/2011/main" val="1"/>
+              <ma14:wrappingTextBoxFlag xmlns:ma14="http://schemas.microsoft.com/office/mac/drawingml/2011/main" xmlns:a14="http://schemas.microsoft.com/office/drawing/2010/main" xmlns:m="http://schemas.openxmlformats.org/officeDocument/2006/math" xmlns="" val="1"/>
             </a:ext>
           </a:extLst>
         </p:spPr>
@@ -8831,7 +8894,7 @@
           </a:ln>
           <a:extLst>
             <a:ext uri="{C572A759-6A51-4108-AA02-DFA0A04FC94B}">
-              <ma14:wrappingTextBoxFlag xmlns="" xmlns:m="http://schemas.openxmlformats.org/officeDocument/2006/math" xmlns:a14="http://schemas.microsoft.com/office/drawing/2010/main" xmlns:ma14="http://schemas.microsoft.com/office/mac/drawingml/2011/main" val="1"/>
+              <ma14:wrappingTextBoxFlag xmlns:ma14="http://schemas.microsoft.com/office/mac/drawingml/2011/main" xmlns:a14="http://schemas.microsoft.com/office/drawing/2010/main" xmlns:m="http://schemas.openxmlformats.org/officeDocument/2006/math" xmlns="" val="1"/>
             </a:ext>
           </a:extLst>
         </p:spPr>
@@ -8871,7 +8934,7 @@
           </a:ln>
           <a:extLst>
             <a:ext uri="{C572A759-6A51-4108-AA02-DFA0A04FC94B}">
-              <ma14:wrappingTextBoxFlag xmlns="" xmlns:m="http://schemas.openxmlformats.org/officeDocument/2006/math" xmlns:a14="http://schemas.microsoft.com/office/drawing/2010/main" xmlns:ma14="http://schemas.microsoft.com/office/mac/drawingml/2011/main" val="1"/>
+              <ma14:wrappingTextBoxFlag xmlns:ma14="http://schemas.microsoft.com/office/mac/drawingml/2011/main" xmlns:a14="http://schemas.microsoft.com/office/drawing/2010/main" xmlns:m="http://schemas.openxmlformats.org/officeDocument/2006/math" xmlns="" val="1"/>
             </a:ext>
           </a:extLst>
         </p:spPr>
@@ -8982,7 +9045,7 @@
           </a:ln>
           <a:extLst>
             <a:ext uri="{C572A759-6A51-4108-AA02-DFA0A04FC94B}">
-              <ma14:wrappingTextBoxFlag xmlns="" xmlns:m="http://schemas.openxmlformats.org/officeDocument/2006/math" xmlns:a14="http://schemas.microsoft.com/office/drawing/2010/main" xmlns:ma14="http://schemas.microsoft.com/office/mac/drawingml/2011/main" val="1"/>
+              <ma14:wrappingTextBoxFlag xmlns:ma14="http://schemas.microsoft.com/office/mac/drawingml/2011/main" xmlns:a14="http://schemas.microsoft.com/office/drawing/2010/main" xmlns:m="http://schemas.openxmlformats.org/officeDocument/2006/math" xmlns="" val="1"/>
             </a:ext>
           </a:extLst>
         </p:spPr>
@@ -9022,7 +9085,7 @@
           </a:ln>
           <a:extLst>
             <a:ext uri="{C572A759-6A51-4108-AA02-DFA0A04FC94B}">
-              <ma14:wrappingTextBoxFlag xmlns="" xmlns:m="http://schemas.openxmlformats.org/officeDocument/2006/math" xmlns:a14="http://schemas.microsoft.com/office/drawing/2010/main" xmlns:ma14="http://schemas.microsoft.com/office/mac/drawingml/2011/main" val="1"/>
+              <ma14:wrappingTextBoxFlag xmlns:ma14="http://schemas.microsoft.com/office/mac/drawingml/2011/main" xmlns:a14="http://schemas.microsoft.com/office/drawing/2010/main" xmlns:m="http://schemas.openxmlformats.org/officeDocument/2006/math" xmlns="" val="1"/>
             </a:ext>
           </a:extLst>
         </p:spPr>
@@ -9192,7 +9255,7 @@
           </a:ln>
           <a:extLst>
             <a:ext uri="{C572A759-6A51-4108-AA02-DFA0A04FC94B}">
-              <ma14:wrappingTextBoxFlag xmlns="" xmlns:m="http://schemas.openxmlformats.org/officeDocument/2006/math" xmlns:a14="http://schemas.microsoft.com/office/drawing/2010/main" xmlns:ma14="http://schemas.microsoft.com/office/mac/drawingml/2011/main" val="1"/>
+              <ma14:wrappingTextBoxFlag xmlns:ma14="http://schemas.microsoft.com/office/mac/drawingml/2011/main" xmlns:a14="http://schemas.microsoft.com/office/drawing/2010/main" xmlns:m="http://schemas.openxmlformats.org/officeDocument/2006/math" xmlns="" val="1"/>
             </a:ext>
           </a:extLst>
         </p:spPr>
@@ -9261,7 +9324,7 @@
           </a:ln>
           <a:extLst>
             <a:ext uri="{C572A759-6A51-4108-AA02-DFA0A04FC94B}">
-              <ma14:wrappingTextBoxFlag xmlns="" xmlns:m="http://schemas.openxmlformats.org/officeDocument/2006/math" xmlns:a14="http://schemas.microsoft.com/office/drawing/2010/main" xmlns:ma14="http://schemas.microsoft.com/office/mac/drawingml/2011/main" val="1"/>
+              <ma14:wrappingTextBoxFlag xmlns:ma14="http://schemas.microsoft.com/office/mac/drawingml/2011/main" xmlns:a14="http://schemas.microsoft.com/office/drawing/2010/main" xmlns:m="http://schemas.openxmlformats.org/officeDocument/2006/math" xmlns="" val="1"/>
             </a:ext>
           </a:extLst>
         </p:spPr>
@@ -9918,7 +9981,7 @@
           </a:ln>
           <a:extLst>
             <a:ext uri="{C572A759-6A51-4108-AA02-DFA0A04FC94B}">
-              <ma14:wrappingTextBoxFlag xmlns="" xmlns:m="http://schemas.openxmlformats.org/officeDocument/2006/math" xmlns:a14="http://schemas.microsoft.com/office/drawing/2010/main" xmlns:ma14="http://schemas.microsoft.com/office/mac/drawingml/2011/main" val="1"/>
+              <ma14:wrappingTextBoxFlag xmlns:ma14="http://schemas.microsoft.com/office/mac/drawingml/2011/main" xmlns:a14="http://schemas.microsoft.com/office/drawing/2010/main" xmlns:m="http://schemas.openxmlformats.org/officeDocument/2006/math" xmlns="" val="1"/>
             </a:ext>
           </a:extLst>
         </p:spPr>
@@ -9968,7 +10031,7 @@
           </a:ln>
           <a:extLst>
             <a:ext uri="{C572A759-6A51-4108-AA02-DFA0A04FC94B}">
-              <ma14:wrappingTextBoxFlag xmlns="" xmlns:m="http://schemas.openxmlformats.org/officeDocument/2006/math" xmlns:a14="http://schemas.microsoft.com/office/drawing/2010/main" xmlns:ma14="http://schemas.microsoft.com/office/mac/drawingml/2011/main" val="1"/>
+              <ma14:wrappingTextBoxFlag xmlns:ma14="http://schemas.microsoft.com/office/mac/drawingml/2011/main" xmlns:a14="http://schemas.microsoft.com/office/drawing/2010/main" xmlns:m="http://schemas.openxmlformats.org/officeDocument/2006/math" xmlns="" val="1"/>
             </a:ext>
           </a:extLst>
         </p:spPr>
@@ -10163,7 +10226,7 @@
           </a:ln>
           <a:extLst>
             <a:ext uri="{C572A759-6A51-4108-AA02-DFA0A04FC94B}">
-              <ma14:wrappingTextBoxFlag xmlns="" xmlns:m="http://schemas.openxmlformats.org/officeDocument/2006/math" xmlns:a14="http://schemas.microsoft.com/office/drawing/2010/main" xmlns:ma14="http://schemas.microsoft.com/office/mac/drawingml/2011/main" val="1"/>
+              <ma14:wrappingTextBoxFlag xmlns:ma14="http://schemas.microsoft.com/office/mac/drawingml/2011/main" xmlns:a14="http://schemas.microsoft.com/office/drawing/2010/main" xmlns:m="http://schemas.openxmlformats.org/officeDocument/2006/math" xmlns="" val="1"/>
             </a:ext>
           </a:extLst>
         </p:spPr>
@@ -10208,7 +10271,7 @@
           </a:ln>
           <a:extLst>
             <a:ext uri="{C572A759-6A51-4108-AA02-DFA0A04FC94B}">
-              <ma14:wrappingTextBoxFlag xmlns="" xmlns:m="http://schemas.openxmlformats.org/officeDocument/2006/math" xmlns:a14="http://schemas.microsoft.com/office/drawing/2010/main" xmlns:ma14="http://schemas.microsoft.com/office/mac/drawingml/2011/main" val="1"/>
+              <ma14:wrappingTextBoxFlag xmlns:ma14="http://schemas.microsoft.com/office/mac/drawingml/2011/main" xmlns:a14="http://schemas.microsoft.com/office/drawing/2010/main" xmlns:m="http://schemas.openxmlformats.org/officeDocument/2006/math" xmlns="" val="1"/>
             </a:ext>
           </a:extLst>
         </p:spPr>
@@ -10436,7 +10499,7 @@
           </a:ln>
           <a:extLst>
             <a:ext uri="{C572A759-6A51-4108-AA02-DFA0A04FC94B}">
-              <ma14:wrappingTextBoxFlag xmlns="" xmlns:m="http://schemas.openxmlformats.org/officeDocument/2006/math" xmlns:a14="http://schemas.microsoft.com/office/drawing/2010/main" xmlns:ma14="http://schemas.microsoft.com/office/mac/drawingml/2011/main" val="1"/>
+              <ma14:wrappingTextBoxFlag xmlns:ma14="http://schemas.microsoft.com/office/mac/drawingml/2011/main" xmlns:a14="http://schemas.microsoft.com/office/drawing/2010/main" xmlns:m="http://schemas.openxmlformats.org/officeDocument/2006/math" xmlns="" val="1"/>
             </a:ext>
           </a:extLst>
         </p:spPr>
@@ -10476,7 +10539,7 @@
           </a:ln>
           <a:extLst>
             <a:ext uri="{C572A759-6A51-4108-AA02-DFA0A04FC94B}">
-              <ma14:wrappingTextBoxFlag xmlns="" xmlns:m="http://schemas.openxmlformats.org/officeDocument/2006/math" xmlns:a14="http://schemas.microsoft.com/office/drawing/2010/main" xmlns:ma14="http://schemas.microsoft.com/office/mac/drawingml/2011/main" val="1"/>
+              <ma14:wrappingTextBoxFlag xmlns:ma14="http://schemas.microsoft.com/office/mac/drawingml/2011/main" xmlns:a14="http://schemas.microsoft.com/office/drawing/2010/main" xmlns:m="http://schemas.openxmlformats.org/officeDocument/2006/math" xmlns="" val="1"/>
             </a:ext>
           </a:extLst>
         </p:spPr>
@@ -10567,7 +10630,7 @@
           </a:ln>
           <a:extLst>
             <a:ext uri="{C572A759-6A51-4108-AA02-DFA0A04FC94B}">
-              <ma14:wrappingTextBoxFlag xmlns="" xmlns:m="http://schemas.openxmlformats.org/officeDocument/2006/math" xmlns:a14="http://schemas.microsoft.com/office/drawing/2010/main" xmlns:ma14="http://schemas.microsoft.com/office/mac/drawingml/2011/main" val="1"/>
+              <ma14:wrappingTextBoxFlag xmlns:ma14="http://schemas.microsoft.com/office/mac/drawingml/2011/main" xmlns:a14="http://schemas.microsoft.com/office/drawing/2010/main" xmlns:m="http://schemas.openxmlformats.org/officeDocument/2006/math" xmlns="" val="1"/>
             </a:ext>
           </a:extLst>
         </p:spPr>
@@ -10603,7 +10666,7 @@
           </a:ln>
           <a:extLst>
             <a:ext uri="{C572A759-6A51-4108-AA02-DFA0A04FC94B}">
-              <ma14:wrappingTextBoxFlag xmlns="" xmlns:m="http://schemas.openxmlformats.org/officeDocument/2006/math" xmlns:a14="http://schemas.microsoft.com/office/drawing/2010/main" xmlns:ma14="http://schemas.microsoft.com/office/mac/drawingml/2011/main" val="1"/>
+              <ma14:wrappingTextBoxFlag xmlns:ma14="http://schemas.microsoft.com/office/mac/drawingml/2011/main" xmlns:a14="http://schemas.microsoft.com/office/drawing/2010/main" xmlns:m="http://schemas.openxmlformats.org/officeDocument/2006/math" xmlns="" val="1"/>
             </a:ext>
           </a:extLst>
         </p:spPr>
@@ -10664,7 +10727,7 @@
           </a:ln>
           <a:extLst>
             <a:ext uri="{C572A759-6A51-4108-AA02-DFA0A04FC94B}">
-              <ma14:wrappingTextBoxFlag xmlns="" xmlns:m="http://schemas.openxmlformats.org/officeDocument/2006/math" xmlns:a14="http://schemas.microsoft.com/office/drawing/2010/main" xmlns:ma14="http://schemas.microsoft.com/office/mac/drawingml/2011/main" val="1"/>
+              <ma14:wrappingTextBoxFlag xmlns:ma14="http://schemas.microsoft.com/office/mac/drawingml/2011/main" xmlns:a14="http://schemas.microsoft.com/office/drawing/2010/main" xmlns:m="http://schemas.openxmlformats.org/officeDocument/2006/math" xmlns="" val="1"/>
             </a:ext>
           </a:extLst>
         </p:spPr>
@@ -10716,7 +10779,7 @@
           </a:ln>
           <a:extLst>
             <a:ext uri="{C572A759-6A51-4108-AA02-DFA0A04FC94B}">
-              <ma14:wrappingTextBoxFlag xmlns="" xmlns:m="http://schemas.openxmlformats.org/officeDocument/2006/math" xmlns:a14="http://schemas.microsoft.com/office/drawing/2010/main" xmlns:ma14="http://schemas.microsoft.com/office/mac/drawingml/2011/main" val="1"/>
+              <ma14:wrappingTextBoxFlag xmlns:ma14="http://schemas.microsoft.com/office/mac/drawingml/2011/main" xmlns:a14="http://schemas.microsoft.com/office/drawing/2010/main" xmlns:m="http://schemas.openxmlformats.org/officeDocument/2006/math" xmlns="" val="1"/>
             </a:ext>
           </a:extLst>
         </p:spPr>
